--- a/开发相关文档.pptx
+++ b/开发相关文档.pptx
@@ -6,6 +6,8 @@
   </p:sldMasterIdLst>
   <p:sldIdLst>
     <p:sldId id="256" r:id="rId2"/>
+    <p:sldId id="257" r:id="rId3"/>
+    <p:sldId id="258" r:id="rId4"/>
   </p:sldIdLst>
   <p:sldSz cx="12192000" cy="6858000"/>
   <p:notesSz cx="6858000" cy="9144000"/>
@@ -104,7 +106,180 @@
       </a:defRPr>
     </a:lvl9pPr>
   </p:defaultTextStyle>
+  <p:extLst>
+    <p:ext uri="{EFAFB233-063F-42B5-8137-9DF3F51BA10A}">
+      <p15:sldGuideLst xmlns:p15="http://schemas.microsoft.com/office/powerpoint/2012/main"/>
+    </p:ext>
+  </p:extLst>
 </p:presentation>
+</file>
+
+<file path=ppt/revisionInfo.xml><?xml version="1.0" encoding="utf-8"?>
+<p1510:revInfo xmlns:a="http://schemas.openxmlformats.org/drawingml/2006/main" xmlns:r="http://schemas.openxmlformats.org/officeDocument/2006/relationships" xmlns:p1510="http://schemas.microsoft.com/office/powerpoint/2015/10/main">
+  <p1510:revLst>
+    <p1510:client id="{54D8F212-525F-4A08-AFA3-A94259C05EBD}" v="16" dt="2023-04-29T14:55:55.756"/>
+  </p1510:revLst>
+</p1510:revInfo>
+</file>
+
+<file path=ppt/changesInfos/changesInfo1.xml><?xml version="1.0" encoding="utf-8"?>
+<pc:chgInfo xmlns:a="http://schemas.openxmlformats.org/drawingml/2006/main" xmlns:r="http://schemas.openxmlformats.org/officeDocument/2006/relationships" xmlns:ac="http://schemas.microsoft.com/office/drawing/2013/main/command" xmlns:pc="http://schemas.microsoft.com/office/powerpoint/2013/main/command">
+  <pc:docChgLst>
+    <pc:chgData name="赵 柘楷" userId="dac37f91-8d7e-4e9e-af67-31d1ff408659" providerId="ADAL" clId="{54D8F212-525F-4A08-AFA3-A94259C05EBD}"/>
+    <pc:docChg chg="undo custSel addSld delSld modSld">
+      <pc:chgData name="赵 柘楷" userId="dac37f91-8d7e-4e9e-af67-31d1ff408659" providerId="ADAL" clId="{54D8F212-525F-4A08-AFA3-A94259C05EBD}" dt="2023-04-30T00:45:29.139" v="253" actId="207"/>
+      <pc:docMkLst>
+        <pc:docMk/>
+      </pc:docMkLst>
+      <pc:sldChg chg="addSp delSp">
+        <pc:chgData name="赵 柘楷" userId="dac37f91-8d7e-4e9e-af67-31d1ff408659" providerId="ADAL" clId="{54D8F212-525F-4A08-AFA3-A94259C05EBD}" dt="2023-04-29T14:50:01.923" v="3"/>
+        <pc:sldMkLst>
+          <pc:docMk/>
+          <pc:sldMk cId="2948107791" sldId="256"/>
+        </pc:sldMkLst>
+        <pc:picChg chg="add del">
+          <ac:chgData name="赵 柘楷" userId="dac37f91-8d7e-4e9e-af67-31d1ff408659" providerId="ADAL" clId="{54D8F212-525F-4A08-AFA3-A94259C05EBD}" dt="2023-04-29T14:50:01.923" v="3"/>
+          <ac:picMkLst>
+            <pc:docMk/>
+            <pc:sldMk cId="2948107791" sldId="256"/>
+            <ac:picMk id="2" creationId="{D25BA29F-C9DE-4317-16B7-D1889256902E}"/>
+          </ac:picMkLst>
+        </pc:picChg>
+      </pc:sldChg>
+      <pc:sldChg chg="add del setBg">
+        <pc:chgData name="赵 柘楷" userId="dac37f91-8d7e-4e9e-af67-31d1ff408659" providerId="ADAL" clId="{54D8F212-525F-4A08-AFA3-A94259C05EBD}" dt="2023-04-29T14:50:00.843" v="1"/>
+        <pc:sldMkLst>
+          <pc:docMk/>
+          <pc:sldMk cId="64055223" sldId="257"/>
+        </pc:sldMkLst>
+      </pc:sldChg>
+      <pc:sldChg chg="modSp add mod">
+        <pc:chgData name="赵 柘楷" userId="dac37f91-8d7e-4e9e-af67-31d1ff408659" providerId="ADAL" clId="{54D8F212-525F-4A08-AFA3-A94259C05EBD}" dt="2023-04-29T14:50:13.683" v="14" actId="20577"/>
+        <pc:sldMkLst>
+          <pc:docMk/>
+          <pc:sldMk cId="2094594516" sldId="257"/>
+        </pc:sldMkLst>
+        <pc:spChg chg="mod">
+          <ac:chgData name="赵 柘楷" userId="dac37f91-8d7e-4e9e-af67-31d1ff408659" providerId="ADAL" clId="{54D8F212-525F-4A08-AFA3-A94259C05EBD}" dt="2023-04-29T14:50:13.683" v="14" actId="20577"/>
+          <ac:spMkLst>
+            <pc:docMk/>
+            <pc:sldMk cId="2094594516" sldId="257"/>
+            <ac:spMk id="9" creationId="{A399E17B-3EE7-70F0-83AE-0627FA4E99DE}"/>
+          </ac:spMkLst>
+        </pc:spChg>
+        <pc:spChg chg="mod">
+          <ac:chgData name="赵 柘楷" userId="dac37f91-8d7e-4e9e-af67-31d1ff408659" providerId="ADAL" clId="{54D8F212-525F-4A08-AFA3-A94259C05EBD}" dt="2023-04-29T14:50:08.563" v="10" actId="20577"/>
+          <ac:spMkLst>
+            <pc:docMk/>
+            <pc:sldMk cId="2094594516" sldId="257"/>
+            <ac:spMk id="10" creationId="{399EC284-046B-9279-CB34-FA0E88CB07B1}"/>
+          </ac:spMkLst>
+        </pc:spChg>
+      </pc:sldChg>
+      <pc:sldChg chg="add del setBg">
+        <pc:chgData name="赵 柘楷" userId="dac37f91-8d7e-4e9e-af67-31d1ff408659" providerId="ADAL" clId="{54D8F212-525F-4A08-AFA3-A94259C05EBD}" dt="2023-04-29T14:50:04.533" v="5"/>
+        <pc:sldMkLst>
+          <pc:docMk/>
+          <pc:sldMk cId="3964414160" sldId="257"/>
+        </pc:sldMkLst>
+      </pc:sldChg>
+      <pc:sldChg chg="addSp delSp modSp add mod">
+        <pc:chgData name="赵 柘楷" userId="dac37f91-8d7e-4e9e-af67-31d1ff408659" providerId="ADAL" clId="{54D8F212-525F-4A08-AFA3-A94259C05EBD}" dt="2023-04-30T00:45:29.139" v="253" actId="207"/>
+        <pc:sldMkLst>
+          <pc:docMk/>
+          <pc:sldMk cId="456294878" sldId="258"/>
+        </pc:sldMkLst>
+        <pc:spChg chg="add mod">
+          <ac:chgData name="赵 柘楷" userId="dac37f91-8d7e-4e9e-af67-31d1ff408659" providerId="ADAL" clId="{54D8F212-525F-4A08-AFA3-A94259C05EBD}" dt="2023-04-29T14:55:31.869" v="117" actId="164"/>
+          <ac:spMkLst>
+            <pc:docMk/>
+            <pc:sldMk cId="456294878" sldId="258"/>
+            <ac:spMk id="2" creationId="{9826F35A-D9CB-7762-8632-DB41DB84C8E3}"/>
+          </ac:spMkLst>
+        </pc:spChg>
+        <pc:spChg chg="add del mod">
+          <ac:chgData name="赵 柘楷" userId="dac37f91-8d7e-4e9e-af67-31d1ff408659" providerId="ADAL" clId="{54D8F212-525F-4A08-AFA3-A94259C05EBD}" dt="2023-04-29T14:55:10.846" v="115" actId="478"/>
+          <ac:spMkLst>
+            <pc:docMk/>
+            <pc:sldMk cId="456294878" sldId="258"/>
+            <ac:spMk id="3" creationId="{3D367676-718D-6794-D92F-4A3AA790674E}"/>
+          </ac:spMkLst>
+        </pc:spChg>
+        <pc:spChg chg="add mod">
+          <ac:chgData name="赵 柘楷" userId="dac37f91-8d7e-4e9e-af67-31d1ff408659" providerId="ADAL" clId="{54D8F212-525F-4A08-AFA3-A94259C05EBD}" dt="2023-04-30T00:45:29.139" v="253" actId="207"/>
+          <ac:spMkLst>
+            <pc:docMk/>
+            <pc:sldMk cId="456294878" sldId="258"/>
+            <ac:spMk id="5" creationId="{F185A681-09BC-236A-1C54-43A4E142B957}"/>
+          </ac:spMkLst>
+        </pc:spChg>
+        <pc:spChg chg="mod">
+          <ac:chgData name="赵 柘楷" userId="dac37f91-8d7e-4e9e-af67-31d1ff408659" providerId="ADAL" clId="{54D8F212-525F-4A08-AFA3-A94259C05EBD}" dt="2023-04-29T14:53:12.353" v="71" actId="1076"/>
+          <ac:spMkLst>
+            <pc:docMk/>
+            <pc:sldMk cId="456294878" sldId="258"/>
+            <ac:spMk id="8" creationId="{C04EF757-5938-73F9-6E38-A648015B7730}"/>
+          </ac:spMkLst>
+        </pc:spChg>
+        <pc:spChg chg="del">
+          <ac:chgData name="赵 柘楷" userId="dac37f91-8d7e-4e9e-af67-31d1ff408659" providerId="ADAL" clId="{54D8F212-525F-4A08-AFA3-A94259C05EBD}" dt="2023-04-29T14:50:44.213" v="18" actId="478"/>
+          <ac:spMkLst>
+            <pc:docMk/>
+            <pc:sldMk cId="456294878" sldId="258"/>
+            <ac:spMk id="9" creationId="{A399E17B-3EE7-70F0-83AE-0627FA4E99DE}"/>
+          </ac:spMkLst>
+        </pc:spChg>
+        <pc:spChg chg="del">
+          <ac:chgData name="赵 柘楷" userId="dac37f91-8d7e-4e9e-af67-31d1ff408659" providerId="ADAL" clId="{54D8F212-525F-4A08-AFA3-A94259C05EBD}" dt="2023-04-29T14:50:46.503" v="19" actId="478"/>
+          <ac:spMkLst>
+            <pc:docMk/>
+            <pc:sldMk cId="456294878" sldId="258"/>
+            <ac:spMk id="10" creationId="{399EC284-046B-9279-CB34-FA0E88CB07B1}"/>
+          </ac:spMkLst>
+        </pc:spChg>
+        <pc:grpChg chg="add mod">
+          <ac:chgData name="赵 柘楷" userId="dac37f91-8d7e-4e9e-af67-31d1ff408659" providerId="ADAL" clId="{54D8F212-525F-4A08-AFA3-A94259C05EBD}" dt="2023-04-29T14:55:35.481" v="118" actId="1076"/>
+          <ac:grpSpMkLst>
+            <pc:docMk/>
+            <pc:sldMk cId="456294878" sldId="258"/>
+            <ac:grpSpMk id="4" creationId="{B066532D-BECE-0DC9-7BAF-A87DB555866B}"/>
+          </ac:grpSpMkLst>
+        </pc:grpChg>
+        <pc:grpChg chg="del">
+          <ac:chgData name="赵 柘楷" userId="dac37f91-8d7e-4e9e-af67-31d1ff408659" providerId="ADAL" clId="{54D8F212-525F-4A08-AFA3-A94259C05EBD}" dt="2023-04-29T14:50:46.503" v="19" actId="478"/>
+          <ac:grpSpMkLst>
+            <pc:docMk/>
+            <pc:sldMk cId="456294878" sldId="258"/>
+            <ac:grpSpMk id="11" creationId="{B69C46E6-9C94-4C91-0938-550200414F3B}"/>
+          </ac:grpSpMkLst>
+        </pc:grpChg>
+        <pc:grpChg chg="mod">
+          <ac:chgData name="赵 柘楷" userId="dac37f91-8d7e-4e9e-af67-31d1ff408659" providerId="ADAL" clId="{54D8F212-525F-4A08-AFA3-A94259C05EBD}" dt="2023-04-29T14:55:31.869" v="117" actId="164"/>
+          <ac:grpSpMkLst>
+            <pc:docMk/>
+            <pc:sldMk cId="456294878" sldId="258"/>
+            <ac:grpSpMk id="14" creationId="{CFB24489-5300-69E3-F669-5B9D13DA49E5}"/>
+          </ac:grpSpMkLst>
+        </pc:grpChg>
+        <pc:picChg chg="mod">
+          <ac:chgData name="赵 柘楷" userId="dac37f91-8d7e-4e9e-af67-31d1ff408659" providerId="ADAL" clId="{54D8F212-525F-4A08-AFA3-A94259C05EBD}" dt="2023-04-29T14:53:07.663" v="69"/>
+          <ac:picMkLst>
+            <pc:docMk/>
+            <pc:sldMk cId="456294878" sldId="258"/>
+            <ac:picMk id="13" creationId="{AB553BBC-8AD6-F74D-EC32-30E7D3CAF8CD}"/>
+          </ac:picMkLst>
+        </pc:picChg>
+      </pc:sldChg>
+      <pc:sldChg chg="add del setBg">
+        <pc:chgData name="赵 柘楷" userId="dac37f91-8d7e-4e9e-af67-31d1ff408659" providerId="ADAL" clId="{54D8F212-525F-4A08-AFA3-A94259C05EBD}" dt="2023-04-29T14:50:34.803" v="16"/>
+        <pc:sldMkLst>
+          <pc:docMk/>
+          <pc:sldMk cId="3235983508" sldId="258"/>
+        </pc:sldMkLst>
+      </pc:sldChg>
+    </pc:docChg>
+  </pc:docChgLst>
+</pc:chgInfo>
 </file>
 
 <file path=ppt/slideLayouts/slideLayout1.xml><?xml version="1.0" encoding="utf-8"?>
@@ -254,7 +429,7 @@
           <a:p>
             <a:fld id="{C0956A83-B036-4B96-AF66-88CDD33BBE5A}" type="datetimeFigureOut">
               <a:rPr lang="zh-CN" altLang="en-US" smtClean="0"/>
-              <a:t>2023/1/5</a:t>
+              <a:t>2023/4/30</a:t>
             </a:fld>
             <a:endParaRPr lang="zh-CN" altLang="en-US"/>
           </a:p>
@@ -452,7 +627,7 @@
           <a:p>
             <a:fld id="{C0956A83-B036-4B96-AF66-88CDD33BBE5A}" type="datetimeFigureOut">
               <a:rPr lang="zh-CN" altLang="en-US" smtClean="0"/>
-              <a:t>2023/1/5</a:t>
+              <a:t>2023/4/30</a:t>
             </a:fld>
             <a:endParaRPr lang="zh-CN" altLang="en-US"/>
           </a:p>
@@ -660,7 +835,7 @@
           <a:p>
             <a:fld id="{C0956A83-B036-4B96-AF66-88CDD33BBE5A}" type="datetimeFigureOut">
               <a:rPr lang="zh-CN" altLang="en-US" smtClean="0"/>
-              <a:t>2023/1/5</a:t>
+              <a:t>2023/4/30</a:t>
             </a:fld>
             <a:endParaRPr lang="zh-CN" altLang="en-US"/>
           </a:p>
@@ -858,7 +1033,7 @@
           <a:p>
             <a:fld id="{C0956A83-B036-4B96-AF66-88CDD33BBE5A}" type="datetimeFigureOut">
               <a:rPr lang="zh-CN" altLang="en-US" smtClean="0"/>
-              <a:t>2023/1/5</a:t>
+              <a:t>2023/4/30</a:t>
             </a:fld>
             <a:endParaRPr lang="zh-CN" altLang="en-US"/>
           </a:p>
@@ -1133,7 +1308,7 @@
           <a:p>
             <a:fld id="{C0956A83-B036-4B96-AF66-88CDD33BBE5A}" type="datetimeFigureOut">
               <a:rPr lang="zh-CN" altLang="en-US" smtClean="0"/>
-              <a:t>2023/1/5</a:t>
+              <a:t>2023/4/30</a:t>
             </a:fld>
             <a:endParaRPr lang="zh-CN" altLang="en-US"/>
           </a:p>
@@ -1398,7 +1573,7 @@
           <a:p>
             <a:fld id="{C0956A83-B036-4B96-AF66-88CDD33BBE5A}" type="datetimeFigureOut">
               <a:rPr lang="zh-CN" altLang="en-US" smtClean="0"/>
-              <a:t>2023/1/5</a:t>
+              <a:t>2023/4/30</a:t>
             </a:fld>
             <a:endParaRPr lang="zh-CN" altLang="en-US"/>
           </a:p>
@@ -1810,7 +1985,7 @@
           <a:p>
             <a:fld id="{C0956A83-B036-4B96-AF66-88CDD33BBE5A}" type="datetimeFigureOut">
               <a:rPr lang="zh-CN" altLang="en-US" smtClean="0"/>
-              <a:t>2023/1/5</a:t>
+              <a:t>2023/4/30</a:t>
             </a:fld>
             <a:endParaRPr lang="zh-CN" altLang="en-US"/>
           </a:p>
@@ -1951,7 +2126,7 @@
           <a:p>
             <a:fld id="{C0956A83-B036-4B96-AF66-88CDD33BBE5A}" type="datetimeFigureOut">
               <a:rPr lang="zh-CN" altLang="en-US" smtClean="0"/>
-              <a:t>2023/1/5</a:t>
+              <a:t>2023/4/30</a:t>
             </a:fld>
             <a:endParaRPr lang="zh-CN" altLang="en-US"/>
           </a:p>
@@ -2064,7 +2239,7 @@
           <a:p>
             <a:fld id="{C0956A83-B036-4B96-AF66-88CDD33BBE5A}" type="datetimeFigureOut">
               <a:rPr lang="zh-CN" altLang="en-US" smtClean="0"/>
-              <a:t>2023/1/5</a:t>
+              <a:t>2023/4/30</a:t>
             </a:fld>
             <a:endParaRPr lang="zh-CN" altLang="en-US"/>
           </a:p>
@@ -2375,7 +2550,7 @@
           <a:p>
             <a:fld id="{C0956A83-B036-4B96-AF66-88CDD33BBE5A}" type="datetimeFigureOut">
               <a:rPr lang="zh-CN" altLang="en-US" smtClean="0"/>
-              <a:t>2023/1/5</a:t>
+              <a:t>2023/4/30</a:t>
             </a:fld>
             <a:endParaRPr lang="zh-CN" altLang="en-US"/>
           </a:p>
@@ -2663,7 +2838,7 @@
           <a:p>
             <a:fld id="{C0956A83-B036-4B96-AF66-88CDD33BBE5A}" type="datetimeFigureOut">
               <a:rPr lang="zh-CN" altLang="en-US" smtClean="0"/>
-              <a:t>2023/1/5</a:t>
+              <a:t>2023/4/30</a:t>
             </a:fld>
             <a:endParaRPr lang="zh-CN" altLang="en-US"/>
           </a:p>
@@ -2904,7 +3079,7 @@
           <a:p>
             <a:fld id="{C0956A83-B036-4B96-AF66-88CDD33BBE5A}" type="datetimeFigureOut">
               <a:rPr lang="zh-CN" altLang="en-US" smtClean="0"/>
-              <a:t>2023/1/5</a:t>
+              <a:t>2023/4/30</a:t>
             </a:fld>
             <a:endParaRPr lang="zh-CN" altLang="en-US"/>
           </a:p>
@@ -3644,6 +3819,986 @@
 </p:sld>
 </file>
 
+<file path=ppt/slides/slide2.xml><?xml version="1.0" encoding="utf-8"?>
+<p:sld xmlns:a="http://schemas.openxmlformats.org/drawingml/2006/main" xmlns:r="http://schemas.openxmlformats.org/officeDocument/2006/relationships" xmlns:p="http://schemas.openxmlformats.org/presentationml/2006/main">
+  <p:cSld>
+    <p:bg>
+      <p:bgPr>
+        <a:solidFill>
+          <a:schemeClr val="bg2"/>
+        </a:solidFill>
+        <a:effectLst/>
+      </p:bgPr>
+    </p:bg>
+    <p:spTree>
+      <p:nvGrpSpPr>
+        <p:cNvPr id="1" name=""/>
+        <p:cNvGrpSpPr/>
+        <p:nvPr/>
+      </p:nvGrpSpPr>
+      <p:grpSpPr>
+        <a:xfrm>
+          <a:off x="0" y="0"/>
+          <a:ext cx="0" cy="0"/>
+          <a:chOff x="0" y="0"/>
+          <a:chExt cx="0" cy="0"/>
+        </a:xfrm>
+      </p:grpSpPr>
+      <p:grpSp>
+        <p:nvGrpSpPr>
+          <p:cNvPr id="14" name="组合 13">
+            <a:extLst>
+              <a:ext uri="{FF2B5EF4-FFF2-40B4-BE49-F238E27FC236}">
+                <a16:creationId xmlns:a16="http://schemas.microsoft.com/office/drawing/2014/main" id="{CFB24489-5300-69E3-F669-5B9D13DA49E5}"/>
+              </a:ext>
+            </a:extLst>
+          </p:cNvPr>
+          <p:cNvGrpSpPr/>
+          <p:nvPr/>
+        </p:nvGrpSpPr>
+        <p:grpSpPr>
+          <a:xfrm>
+            <a:off x="1169643" y="1588656"/>
+            <a:ext cx="9852713" cy="3442947"/>
+            <a:chOff x="1169643" y="1588656"/>
+            <a:chExt cx="9852713" cy="3442947"/>
+          </a:xfrm>
+        </p:grpSpPr>
+        <p:pic>
+          <p:nvPicPr>
+            <p:cNvPr id="13" name="图片 12" descr="徽标&#10;&#10;描述已自动生成">
+              <a:extLst>
+                <a:ext uri="{FF2B5EF4-FFF2-40B4-BE49-F238E27FC236}">
+                  <a16:creationId xmlns:a16="http://schemas.microsoft.com/office/drawing/2014/main" id="{AB553BBC-8AD6-F74D-EC32-30E7D3CAF8CD}"/>
+                </a:ext>
+              </a:extLst>
+            </p:cNvPr>
+            <p:cNvPicPr>
+              <a:picLocks noChangeAspect="1"/>
+            </p:cNvPicPr>
+            <p:nvPr/>
+          </p:nvPicPr>
+          <p:blipFill>
+            <a:blip r:embed="rId2">
+              <a:extLst>
+                <a:ext uri="{28A0092B-C50C-407E-A947-70E740481C1C}">
+                  <a14:useLocalDpi xmlns:a14="http://schemas.microsoft.com/office/drawing/2010/main" val="0"/>
+                </a:ext>
+              </a:extLst>
+            </a:blip>
+            <a:stretch>
+              <a:fillRect/>
+            </a:stretch>
+          </p:blipFill>
+          <p:spPr>
+            <a:xfrm>
+              <a:off x="1169643" y="1826398"/>
+              <a:ext cx="3205205" cy="3205205"/>
+            </a:xfrm>
+            <a:prstGeom prst="rect">
+              <a:avLst/>
+            </a:prstGeom>
+            <a:effectLst>
+              <a:outerShdw blurRad="190500" sx="102000" sy="102000" algn="ctr" rotWithShape="0">
+                <a:prstClr val="black">
+                  <a:alpha val="40000"/>
+                </a:prstClr>
+              </a:outerShdw>
+            </a:effectLst>
+          </p:spPr>
+        </p:pic>
+        <p:grpSp>
+          <p:nvGrpSpPr>
+            <p:cNvPr id="11" name="组合 10">
+              <a:extLst>
+                <a:ext uri="{FF2B5EF4-FFF2-40B4-BE49-F238E27FC236}">
+                  <a16:creationId xmlns:a16="http://schemas.microsoft.com/office/drawing/2014/main" id="{B69C46E6-9C94-4C91-0938-550200414F3B}"/>
+                </a:ext>
+              </a:extLst>
+            </p:cNvPr>
+            <p:cNvGrpSpPr/>
+            <p:nvPr/>
+          </p:nvGrpSpPr>
+          <p:grpSpPr>
+            <a:xfrm>
+              <a:off x="4541095" y="1588656"/>
+              <a:ext cx="6481261" cy="3442946"/>
+              <a:chOff x="4257957" y="1616365"/>
+              <a:chExt cx="6481261" cy="3442946"/>
+            </a:xfrm>
+          </p:grpSpPr>
+          <p:sp>
+            <p:nvSpPr>
+              <p:cNvPr id="8" name="文本框 7">
+                <a:extLst>
+                  <a:ext uri="{FF2B5EF4-FFF2-40B4-BE49-F238E27FC236}">
+                    <a16:creationId xmlns:a16="http://schemas.microsoft.com/office/drawing/2014/main" id="{C04EF757-5938-73F9-6E38-A648015B7730}"/>
+                  </a:ext>
+                </a:extLst>
+              </p:cNvPr>
+              <p:cNvSpPr txBox="1"/>
+              <p:nvPr/>
+            </p:nvSpPr>
+            <p:spPr>
+              <a:xfrm>
+                <a:off x="4257957" y="1616365"/>
+                <a:ext cx="6481261" cy="2800767"/>
+              </a:xfrm>
+              <a:prstGeom prst="rect">
+                <a:avLst/>
+              </a:prstGeom>
+              <a:noFill/>
+            </p:spPr>
+            <p:txBody>
+              <a:bodyPr wrap="none" rtlCol="0">
+                <a:spAutoFit/>
+              </a:bodyPr>
+              <a:lstStyle/>
+              <a:p>
+                <a:pPr marL="0" marR="0" lvl="0" indent="0" algn="l" defTabSz="914400" rtl="0" eaLnBrk="1" fontAlgn="auto" latinLnBrk="0" hangingPunct="1">
+                  <a:lnSpc>
+                    <a:spcPct val="100000"/>
+                  </a:lnSpc>
+                  <a:spcBef>
+                    <a:spcPts val="0"/>
+                  </a:spcBef>
+                  <a:spcAft>
+                    <a:spcPts val="0"/>
+                  </a:spcAft>
+                  <a:buClrTx/>
+                  <a:buSzTx/>
+                  <a:buFontTx/>
+                  <a:buNone/>
+                  <a:tabLst/>
+                  <a:defRPr/>
+                </a:pPr>
+                <a:r>
+                  <a:rPr kumimoji="0" lang="en-US" altLang="zh-CN" sz="8800" b="0" i="0" u="none" strike="noStrike" kern="1200" cap="none" spc="0" normalizeH="0" baseline="0" noProof="0" dirty="0">
+                    <a:ln>
+                      <a:noFill/>
+                    </a:ln>
+                    <a:solidFill>
+                      <a:srgbClr val="FF0000"/>
+                    </a:solidFill>
+                    <a:effectLst/>
+                    <a:uLnTx/>
+                    <a:uFillTx/>
+                    <a:latin typeface="微软雅黑 Light" panose="020B0502040204020203" pitchFamily="34" charset="-122"/>
+                    <a:ea typeface="微软雅黑 Light" panose="020B0502040204020203" pitchFamily="34" charset="-122"/>
+                    <a:cs typeface="+mn-cs"/>
+                  </a:rPr>
+                  <a:t>P</a:t>
+                </a:r>
+                <a:r>
+                  <a:rPr kumimoji="0" lang="en-US" altLang="zh-CN" sz="8800" b="0" i="0" u="none" strike="noStrike" kern="1200" cap="none" spc="0" normalizeH="0" baseline="0" noProof="0" dirty="0">
+                    <a:ln>
+                      <a:noFill/>
+                    </a:ln>
+                    <a:solidFill>
+                      <a:prstClr val="black"/>
+                    </a:solidFill>
+                    <a:effectLst/>
+                    <a:uLnTx/>
+                    <a:uFillTx/>
+                    <a:latin typeface="微软雅黑 Light" panose="020B0502040204020203" pitchFamily="34" charset="-122"/>
+                    <a:ea typeface="微软雅黑 Light" panose="020B0502040204020203" pitchFamily="34" charset="-122"/>
+                    <a:cs typeface="+mn-cs"/>
+                  </a:rPr>
+                  <a:t>seudocode</a:t>
+                </a:r>
+              </a:p>
+              <a:p>
+                <a:pPr marL="0" marR="0" lvl="0" indent="0" algn="l" defTabSz="914400" rtl="0" eaLnBrk="1" fontAlgn="auto" latinLnBrk="0" hangingPunct="1">
+                  <a:lnSpc>
+                    <a:spcPct val="100000"/>
+                  </a:lnSpc>
+                  <a:spcBef>
+                    <a:spcPts val="0"/>
+                  </a:spcBef>
+                  <a:spcAft>
+                    <a:spcPts val="0"/>
+                  </a:spcAft>
+                  <a:buClrTx/>
+                  <a:buSzTx/>
+                  <a:buFontTx/>
+                  <a:buNone/>
+                  <a:tabLst/>
+                  <a:defRPr/>
+                </a:pPr>
+                <a:r>
+                  <a:rPr kumimoji="0" lang="en-US" altLang="zh-CN" sz="8800" b="0" i="0" u="none" strike="noStrike" kern="1200" cap="none" spc="0" normalizeH="0" baseline="0" noProof="0" dirty="0">
+                    <a:ln>
+                      <a:noFill/>
+                    </a:ln>
+                    <a:solidFill>
+                      <a:srgbClr val="FF0000"/>
+                    </a:solidFill>
+                    <a:effectLst/>
+                    <a:uLnTx/>
+                    <a:uFillTx/>
+                    <a:latin typeface="微软雅黑 Light" panose="020B0502040204020203" pitchFamily="34" charset="-122"/>
+                    <a:ea typeface="微软雅黑 Light" panose="020B0502040204020203" pitchFamily="34" charset="-122"/>
+                    <a:cs typeface="+mn-cs"/>
+                  </a:rPr>
+                  <a:t>I</a:t>
+                </a:r>
+                <a:r>
+                  <a:rPr kumimoji="0" lang="en-US" altLang="zh-CN" sz="8800" b="0" i="0" u="none" strike="noStrike" kern="1200" cap="none" spc="0" normalizeH="0" baseline="0" noProof="0" dirty="0">
+                    <a:ln>
+                      <a:noFill/>
+                    </a:ln>
+                    <a:solidFill>
+                      <a:prstClr val="black"/>
+                    </a:solidFill>
+                    <a:effectLst/>
+                    <a:uLnTx/>
+                    <a:uFillTx/>
+                    <a:latin typeface="微软雅黑 Light" panose="020B0502040204020203" pitchFamily="34" charset="-122"/>
+                    <a:ea typeface="微软雅黑 Light" panose="020B0502040204020203" pitchFamily="34" charset="-122"/>
+                    <a:cs typeface="+mn-cs"/>
+                  </a:rPr>
+                  <a:t>nterpreter</a:t>
+                </a:r>
+                <a:endParaRPr kumimoji="0" lang="zh-CN" altLang="en-US" sz="8800" b="0" i="0" u="none" strike="noStrike" kern="1200" cap="none" spc="0" normalizeH="0" baseline="0" noProof="0" dirty="0">
+                  <a:ln>
+                    <a:noFill/>
+                  </a:ln>
+                  <a:solidFill>
+                    <a:prstClr val="black"/>
+                  </a:solidFill>
+                  <a:effectLst/>
+                  <a:uLnTx/>
+                  <a:uFillTx/>
+                  <a:latin typeface="微软雅黑 Light" panose="020B0502040204020203" pitchFamily="34" charset="-122"/>
+                  <a:ea typeface="微软雅黑 Light" panose="020B0502040204020203" pitchFamily="34" charset="-122"/>
+                  <a:cs typeface="+mn-cs"/>
+                </a:endParaRPr>
+              </a:p>
+            </p:txBody>
+          </p:sp>
+          <p:sp>
+            <p:nvSpPr>
+              <p:cNvPr id="9" name="矩形 8">
+                <a:extLst>
+                  <a:ext uri="{FF2B5EF4-FFF2-40B4-BE49-F238E27FC236}">
+                    <a16:creationId xmlns:a16="http://schemas.microsoft.com/office/drawing/2014/main" id="{A399E17B-3EE7-70F0-83AE-0627FA4E99DE}"/>
+                  </a:ext>
+                </a:extLst>
+              </p:cNvPr>
+              <p:cNvSpPr/>
+              <p:nvPr/>
+            </p:nvSpPr>
+            <p:spPr>
+              <a:xfrm>
+                <a:off x="4341092" y="4488873"/>
+                <a:ext cx="6398126" cy="570438"/>
+              </a:xfrm>
+              <a:prstGeom prst="rect">
+                <a:avLst/>
+              </a:prstGeom>
+              <a:solidFill>
+                <a:schemeClr val="accent4">
+                  <a:lumMod val="20000"/>
+                  <a:lumOff val="80000"/>
+                </a:schemeClr>
+              </a:solidFill>
+              <a:ln>
+                <a:noFill/>
+              </a:ln>
+            </p:spPr>
+            <p:style>
+              <a:lnRef idx="2">
+                <a:schemeClr val="accent1">
+                  <a:shade val="50000"/>
+                </a:schemeClr>
+              </a:lnRef>
+              <a:fillRef idx="1">
+                <a:schemeClr val="accent1"/>
+              </a:fillRef>
+              <a:effectRef idx="0">
+                <a:schemeClr val="accent1"/>
+              </a:effectRef>
+              <a:fontRef idx="minor">
+                <a:schemeClr val="lt1"/>
+              </a:fontRef>
+            </p:style>
+            <p:txBody>
+              <a:bodyPr rtlCol="0" anchor="ctr"/>
+              <a:lstStyle/>
+              <a:p>
+                <a:pPr marL="0" marR="0" lvl="0" indent="0" algn="l" defTabSz="914400" rtl="0" eaLnBrk="1" fontAlgn="auto" latinLnBrk="0" hangingPunct="1">
+                  <a:lnSpc>
+                    <a:spcPts val="3000"/>
+                  </a:lnSpc>
+                  <a:spcBef>
+                    <a:spcPts val="0"/>
+                  </a:spcBef>
+                  <a:spcAft>
+                    <a:spcPts val="0"/>
+                  </a:spcAft>
+                  <a:buClrTx/>
+                  <a:buSzTx/>
+                  <a:buFontTx/>
+                  <a:buNone/>
+                  <a:tabLst/>
+                  <a:defRPr/>
+                </a:pPr>
+                <a:r>
+                  <a:rPr kumimoji="0" lang="en-US" altLang="zh-CN" sz="2400" b="0" i="0" u="none" strike="noStrike" kern="1200" cap="none" spc="0" normalizeH="0" baseline="0" noProof="0" dirty="0">
+                    <a:ln>
+                      <a:noFill/>
+                    </a:ln>
+                    <a:solidFill>
+                      <a:prstClr val="black"/>
+                    </a:solidFill>
+                    <a:effectLst/>
+                    <a:uLnTx/>
+                    <a:uFillTx/>
+                    <a:latin typeface="等线 Light" panose="02010600030101010101" pitchFamily="2" charset="-122"/>
+                    <a:ea typeface="等线 Light" panose="02010600030101010101" pitchFamily="2" charset="-122"/>
+                    <a:cs typeface="+mn-cs"/>
+                  </a:rPr>
+                  <a:t>                       Alpha testing of the IDE</a:t>
+                </a:r>
+                <a:endParaRPr kumimoji="0" lang="zh-CN" altLang="en-US" sz="2800" b="0" i="0" u="none" strike="noStrike" kern="1200" cap="none" spc="0" normalizeH="0" baseline="0" noProof="0" dirty="0">
+                  <a:ln>
+                    <a:noFill/>
+                  </a:ln>
+                  <a:solidFill>
+                    <a:prstClr val="black"/>
+                  </a:solidFill>
+                  <a:effectLst/>
+                  <a:uLnTx/>
+                  <a:uFillTx/>
+                  <a:latin typeface="等线 Light" panose="02010600030101010101" pitchFamily="2" charset="-122"/>
+                  <a:ea typeface="等线 Light" panose="02010600030101010101" pitchFamily="2" charset="-122"/>
+                  <a:cs typeface="+mn-cs"/>
+                </a:endParaRPr>
+              </a:p>
+            </p:txBody>
+          </p:sp>
+          <p:sp>
+            <p:nvSpPr>
+              <p:cNvPr id="10" name="箭头: 五边形 9">
+                <a:extLst>
+                  <a:ext uri="{FF2B5EF4-FFF2-40B4-BE49-F238E27FC236}">
+                    <a16:creationId xmlns:a16="http://schemas.microsoft.com/office/drawing/2014/main" id="{399EC284-046B-9279-CB34-FA0E88CB07B1}"/>
+                  </a:ext>
+                </a:extLst>
+              </p:cNvPr>
+              <p:cNvSpPr/>
+              <p:nvPr/>
+            </p:nvSpPr>
+            <p:spPr>
+              <a:xfrm>
+                <a:off x="4341091" y="4488873"/>
+                <a:ext cx="1874982" cy="570437"/>
+              </a:xfrm>
+              <a:prstGeom prst="homePlate">
+                <a:avLst/>
+              </a:prstGeom>
+              <a:solidFill>
+                <a:schemeClr val="accent2">
+                  <a:lumMod val="60000"/>
+                  <a:lumOff val="40000"/>
+                </a:schemeClr>
+              </a:solidFill>
+              <a:ln>
+                <a:noFill/>
+              </a:ln>
+            </p:spPr>
+            <p:style>
+              <a:lnRef idx="2">
+                <a:schemeClr val="accent1">
+                  <a:shade val="50000"/>
+                </a:schemeClr>
+              </a:lnRef>
+              <a:fillRef idx="1">
+                <a:schemeClr val="accent1"/>
+              </a:fillRef>
+              <a:effectRef idx="0">
+                <a:schemeClr val="accent1"/>
+              </a:effectRef>
+              <a:fontRef idx="minor">
+                <a:schemeClr val="lt1"/>
+              </a:fontRef>
+            </p:style>
+            <p:txBody>
+              <a:bodyPr rtlCol="0" anchor="ctr"/>
+              <a:lstStyle/>
+              <a:p>
+                <a:pPr marL="0" marR="0" lvl="0" indent="0" algn="ctr" defTabSz="914400" rtl="0" eaLnBrk="1" fontAlgn="auto" latinLnBrk="0" hangingPunct="1">
+                  <a:lnSpc>
+                    <a:spcPct val="100000"/>
+                  </a:lnSpc>
+                  <a:spcBef>
+                    <a:spcPts val="0"/>
+                  </a:spcBef>
+                  <a:spcAft>
+                    <a:spcPts val="0"/>
+                  </a:spcAft>
+                  <a:buClrTx/>
+                  <a:buSzTx/>
+                  <a:buFontTx/>
+                  <a:buNone/>
+                  <a:tabLst/>
+                  <a:defRPr/>
+                </a:pPr>
+                <a:r>
+                  <a:rPr kumimoji="0" lang="en-US" altLang="zh-CN" sz="2400" b="0" i="0" u="none" strike="noStrike" kern="1200" cap="none" spc="0" normalizeH="0" baseline="0" noProof="0" dirty="0">
+                    <a:ln>
+                      <a:noFill/>
+                    </a:ln>
+                    <a:solidFill>
+                      <a:srgbClr val="7030A0"/>
+                    </a:solidFill>
+                    <a:effectLst/>
+                    <a:uLnTx/>
+                    <a:uFillTx/>
+                    <a:latin typeface="微软雅黑" panose="020B0503020204020204" pitchFamily="34" charset="-122"/>
+                    <a:ea typeface="微软雅黑" panose="020B0503020204020204" pitchFamily="34" charset="-122"/>
+                    <a:cs typeface="+mn-cs"/>
+                  </a:rPr>
+                  <a:t>PHASE </a:t>
+                </a:r>
+                <a:r>
+                  <a:rPr lang="en-US" altLang="zh-CN" sz="2400" dirty="0">
+                    <a:solidFill>
+                      <a:srgbClr val="7030A0"/>
+                    </a:solidFill>
+                    <a:latin typeface="微软雅黑" panose="020B0503020204020204" pitchFamily="34" charset="-122"/>
+                    <a:ea typeface="微软雅黑" panose="020B0503020204020204" pitchFamily="34" charset="-122"/>
+                  </a:rPr>
+                  <a:t>02</a:t>
+                </a:r>
+                <a:endParaRPr kumimoji="0" lang="zh-CN" altLang="en-US" sz="2400" b="0" i="0" u="none" strike="noStrike" kern="1200" cap="none" spc="0" normalizeH="0" baseline="0" noProof="0" dirty="0">
+                  <a:ln>
+                    <a:noFill/>
+                  </a:ln>
+                  <a:solidFill>
+                    <a:srgbClr val="7030A0"/>
+                  </a:solidFill>
+                  <a:effectLst/>
+                  <a:uLnTx/>
+                  <a:uFillTx/>
+                  <a:latin typeface="微软雅黑" panose="020B0503020204020204" pitchFamily="34" charset="-122"/>
+                  <a:ea typeface="微软雅黑" panose="020B0503020204020204" pitchFamily="34" charset="-122"/>
+                  <a:cs typeface="+mn-cs"/>
+                </a:endParaRPr>
+              </a:p>
+            </p:txBody>
+          </p:sp>
+        </p:grpSp>
+      </p:grpSp>
+    </p:spTree>
+    <p:extLst>
+      <p:ext uri="{BB962C8B-B14F-4D97-AF65-F5344CB8AC3E}">
+        <p14:creationId xmlns:p14="http://schemas.microsoft.com/office/powerpoint/2010/main" val="2094594516"/>
+      </p:ext>
+    </p:extLst>
+  </p:cSld>
+  <p:clrMapOvr>
+    <a:masterClrMapping/>
+  </p:clrMapOvr>
+</p:sld>
+</file>
+
+<file path=ppt/slides/slide3.xml><?xml version="1.0" encoding="utf-8"?>
+<p:sld xmlns:a="http://schemas.openxmlformats.org/drawingml/2006/main" xmlns:r="http://schemas.openxmlformats.org/officeDocument/2006/relationships" xmlns:p="http://schemas.openxmlformats.org/presentationml/2006/main">
+  <p:cSld>
+    <p:bg>
+      <p:bgPr>
+        <a:solidFill>
+          <a:schemeClr val="bg2"/>
+        </a:solidFill>
+        <a:effectLst/>
+      </p:bgPr>
+    </p:bg>
+    <p:spTree>
+      <p:nvGrpSpPr>
+        <p:cNvPr id="1" name=""/>
+        <p:cNvGrpSpPr/>
+        <p:nvPr/>
+      </p:nvGrpSpPr>
+      <p:grpSpPr>
+        <a:xfrm>
+          <a:off x="0" y="0"/>
+          <a:ext cx="0" cy="0"/>
+          <a:chOff x="0" y="0"/>
+          <a:chExt cx="0" cy="0"/>
+        </a:xfrm>
+      </p:grpSpPr>
+      <p:grpSp>
+        <p:nvGrpSpPr>
+          <p:cNvPr id="4" name="组合 3">
+            <a:extLst>
+              <a:ext uri="{FF2B5EF4-FFF2-40B4-BE49-F238E27FC236}">
+                <a16:creationId xmlns:a16="http://schemas.microsoft.com/office/drawing/2014/main" id="{B066532D-BECE-0DC9-7BAF-A87DB555866B}"/>
+              </a:ext>
+            </a:extLst>
+          </p:cNvPr>
+          <p:cNvGrpSpPr/>
+          <p:nvPr/>
+        </p:nvGrpSpPr>
+        <p:grpSpPr>
+          <a:xfrm>
+            <a:off x="620325" y="1914500"/>
+            <a:ext cx="6563675" cy="3029000"/>
+            <a:chOff x="648034" y="1745673"/>
+            <a:chExt cx="6563675" cy="3029000"/>
+          </a:xfrm>
+        </p:grpSpPr>
+        <p:grpSp>
+          <p:nvGrpSpPr>
+            <p:cNvPr id="14" name="组合 13">
+              <a:extLst>
+                <a:ext uri="{FF2B5EF4-FFF2-40B4-BE49-F238E27FC236}">
+                  <a16:creationId xmlns:a16="http://schemas.microsoft.com/office/drawing/2014/main" id="{CFB24489-5300-69E3-F669-5B9D13DA49E5}"/>
+                </a:ext>
+              </a:extLst>
+            </p:cNvPr>
+            <p:cNvGrpSpPr/>
+            <p:nvPr/>
+          </p:nvGrpSpPr>
+          <p:grpSpPr>
+            <a:xfrm>
+              <a:off x="768508" y="2729873"/>
+              <a:ext cx="6443201" cy="2044800"/>
+              <a:chOff x="1927025" y="911998"/>
+              <a:chExt cx="6938063" cy="2341506"/>
+            </a:xfrm>
+          </p:grpSpPr>
+          <p:pic>
+            <p:nvPicPr>
+              <p:cNvPr id="13" name="图片 12" descr="徽标&#10;&#10;描述已自动生成">
+                <a:extLst>
+                  <a:ext uri="{FF2B5EF4-FFF2-40B4-BE49-F238E27FC236}">
+                    <a16:creationId xmlns:a16="http://schemas.microsoft.com/office/drawing/2014/main" id="{AB553BBC-8AD6-F74D-EC32-30E7D3CAF8CD}"/>
+                  </a:ext>
+                </a:extLst>
+              </p:cNvPr>
+              <p:cNvPicPr>
+                <a:picLocks noChangeAspect="1"/>
+              </p:cNvPicPr>
+              <p:nvPr/>
+            </p:nvPicPr>
+            <p:blipFill>
+              <a:blip r:embed="rId2">
+                <a:extLst>
+                  <a:ext uri="{28A0092B-C50C-407E-A947-70E740481C1C}">
+                    <a14:useLocalDpi xmlns:a14="http://schemas.microsoft.com/office/drawing/2010/main" val="0"/>
+                  </a:ext>
+                </a:extLst>
+              </a:blip>
+              <a:stretch>
+                <a:fillRect/>
+              </a:stretch>
+            </p:blipFill>
+            <p:spPr>
+              <a:xfrm>
+                <a:off x="1927025" y="911998"/>
+                <a:ext cx="2201848" cy="2341506"/>
+              </a:xfrm>
+              <a:prstGeom prst="rect">
+                <a:avLst/>
+              </a:prstGeom>
+              <a:effectLst>
+                <a:outerShdw blurRad="190500" sx="102000" sy="102000" algn="ctr" rotWithShape="0">
+                  <a:prstClr val="black">
+                    <a:alpha val="40000"/>
+                  </a:prstClr>
+                </a:outerShdw>
+              </a:effectLst>
+            </p:spPr>
+          </p:pic>
+          <p:sp>
+            <p:nvSpPr>
+              <p:cNvPr id="8" name="文本框 7">
+                <a:extLst>
+                  <a:ext uri="{FF2B5EF4-FFF2-40B4-BE49-F238E27FC236}">
+                    <a16:creationId xmlns:a16="http://schemas.microsoft.com/office/drawing/2014/main" id="{C04EF757-5938-73F9-6E38-A648015B7730}"/>
+                  </a:ext>
+                </a:extLst>
+              </p:cNvPr>
+              <p:cNvSpPr txBox="1"/>
+              <p:nvPr/>
+            </p:nvSpPr>
+            <p:spPr>
+              <a:xfrm>
+                <a:off x="4506291" y="1078309"/>
+                <a:ext cx="4358797" cy="2008883"/>
+              </a:xfrm>
+              <a:prstGeom prst="rect">
+                <a:avLst/>
+              </a:prstGeom>
+              <a:noFill/>
+            </p:spPr>
+            <p:txBody>
+              <a:bodyPr wrap="none" rtlCol="0">
+                <a:spAutoFit/>
+              </a:bodyPr>
+              <a:lstStyle/>
+              <a:p>
+                <a:pPr marL="0" marR="0" lvl="0" indent="0" algn="l" defTabSz="914400" rtl="0" eaLnBrk="1" fontAlgn="auto" latinLnBrk="0" hangingPunct="1">
+                  <a:lnSpc>
+                    <a:spcPct val="100000"/>
+                  </a:lnSpc>
+                  <a:spcBef>
+                    <a:spcPts val="0"/>
+                  </a:spcBef>
+                  <a:spcAft>
+                    <a:spcPts val="0"/>
+                  </a:spcAft>
+                  <a:buClrTx/>
+                  <a:buSzTx/>
+                  <a:buFontTx/>
+                  <a:buNone/>
+                  <a:tabLst/>
+                  <a:defRPr/>
+                </a:pPr>
+                <a:r>
+                  <a:rPr kumimoji="0" lang="en-US" altLang="zh-CN" sz="5400" b="0" i="0" u="none" strike="noStrike" kern="1200" cap="none" spc="0" normalizeH="0" baseline="0" noProof="0" dirty="0">
+                    <a:ln>
+                      <a:noFill/>
+                    </a:ln>
+                    <a:solidFill>
+                      <a:srgbClr val="FF0000"/>
+                    </a:solidFill>
+                    <a:effectLst/>
+                    <a:uLnTx/>
+                    <a:uFillTx/>
+                    <a:latin typeface="微软雅黑 Light" panose="020B0502040204020203" pitchFamily="34" charset="-122"/>
+                    <a:ea typeface="微软雅黑 Light" panose="020B0502040204020203" pitchFamily="34" charset="-122"/>
+                    <a:cs typeface="+mn-cs"/>
+                  </a:rPr>
+                  <a:t>P</a:t>
+                </a:r>
+                <a:r>
+                  <a:rPr kumimoji="0" lang="en-US" altLang="zh-CN" sz="5400" b="0" i="0" u="none" strike="noStrike" kern="1200" cap="none" spc="0" normalizeH="0" baseline="0" noProof="0" dirty="0">
+                    <a:ln>
+                      <a:noFill/>
+                    </a:ln>
+                    <a:solidFill>
+                      <a:prstClr val="black"/>
+                    </a:solidFill>
+                    <a:effectLst/>
+                    <a:uLnTx/>
+                    <a:uFillTx/>
+                    <a:latin typeface="微软雅黑 Light" panose="020B0502040204020203" pitchFamily="34" charset="-122"/>
+                    <a:ea typeface="微软雅黑 Light" panose="020B0502040204020203" pitchFamily="34" charset="-122"/>
+                    <a:cs typeface="+mn-cs"/>
+                  </a:rPr>
+                  <a:t>seudocode</a:t>
+                </a:r>
+              </a:p>
+              <a:p>
+                <a:pPr marL="0" marR="0" lvl="0" indent="0" algn="l" defTabSz="914400" rtl="0" eaLnBrk="1" fontAlgn="auto" latinLnBrk="0" hangingPunct="1">
+                  <a:lnSpc>
+                    <a:spcPct val="100000"/>
+                  </a:lnSpc>
+                  <a:spcBef>
+                    <a:spcPts val="0"/>
+                  </a:spcBef>
+                  <a:spcAft>
+                    <a:spcPts val="0"/>
+                  </a:spcAft>
+                  <a:buClrTx/>
+                  <a:buSzTx/>
+                  <a:buFontTx/>
+                  <a:buNone/>
+                  <a:tabLst/>
+                  <a:defRPr/>
+                </a:pPr>
+                <a:r>
+                  <a:rPr kumimoji="0" lang="en-US" altLang="zh-CN" sz="5400" b="0" i="0" u="none" strike="noStrike" kern="1200" cap="none" spc="0" normalizeH="0" baseline="0" noProof="0" dirty="0">
+                    <a:ln>
+                      <a:noFill/>
+                    </a:ln>
+                    <a:solidFill>
+                      <a:srgbClr val="FF0000"/>
+                    </a:solidFill>
+                    <a:effectLst/>
+                    <a:uLnTx/>
+                    <a:uFillTx/>
+                    <a:latin typeface="微软雅黑 Light" panose="020B0502040204020203" pitchFamily="34" charset="-122"/>
+                    <a:ea typeface="微软雅黑 Light" panose="020B0502040204020203" pitchFamily="34" charset="-122"/>
+                    <a:cs typeface="+mn-cs"/>
+                  </a:rPr>
+                  <a:t>I</a:t>
+                </a:r>
+                <a:r>
+                  <a:rPr kumimoji="0" lang="en-US" altLang="zh-CN" sz="5400" b="0" i="0" u="none" strike="noStrike" kern="1200" cap="none" spc="0" normalizeH="0" baseline="0" noProof="0" dirty="0">
+                    <a:ln>
+                      <a:noFill/>
+                    </a:ln>
+                    <a:solidFill>
+                      <a:prstClr val="black"/>
+                    </a:solidFill>
+                    <a:effectLst/>
+                    <a:uLnTx/>
+                    <a:uFillTx/>
+                    <a:latin typeface="微软雅黑 Light" panose="020B0502040204020203" pitchFamily="34" charset="-122"/>
+                    <a:ea typeface="微软雅黑 Light" panose="020B0502040204020203" pitchFamily="34" charset="-122"/>
+                    <a:cs typeface="+mn-cs"/>
+                  </a:rPr>
+                  <a:t>nterpreter</a:t>
+                </a:r>
+                <a:endParaRPr kumimoji="0" lang="zh-CN" altLang="en-US" sz="5400" b="0" i="0" u="none" strike="noStrike" kern="1200" cap="none" spc="0" normalizeH="0" baseline="0" noProof="0" dirty="0">
+                  <a:ln>
+                    <a:noFill/>
+                  </a:ln>
+                  <a:solidFill>
+                    <a:prstClr val="black"/>
+                  </a:solidFill>
+                  <a:effectLst/>
+                  <a:uLnTx/>
+                  <a:uFillTx/>
+                  <a:latin typeface="微软雅黑 Light" panose="020B0502040204020203" pitchFamily="34" charset="-122"/>
+                  <a:ea typeface="微软雅黑 Light" panose="020B0502040204020203" pitchFamily="34" charset="-122"/>
+                  <a:cs typeface="+mn-cs"/>
+                </a:endParaRPr>
+              </a:p>
+            </p:txBody>
+          </p:sp>
+        </p:grpSp>
+        <p:sp>
+          <p:nvSpPr>
+            <p:cNvPr id="2" name="文本框 1">
+              <a:extLst>
+                <a:ext uri="{FF2B5EF4-FFF2-40B4-BE49-F238E27FC236}">
+                  <a16:creationId xmlns:a16="http://schemas.microsoft.com/office/drawing/2014/main" id="{9826F35A-D9CB-7762-8632-DB41DB84C8E3}"/>
+                </a:ext>
+              </a:extLst>
+            </p:cNvPr>
+            <p:cNvSpPr txBox="1"/>
+            <p:nvPr/>
+          </p:nvSpPr>
+          <p:spPr>
+            <a:xfrm>
+              <a:off x="648034" y="1745673"/>
+              <a:ext cx="4475071" cy="584775"/>
+            </a:xfrm>
+            <a:prstGeom prst="rect">
+              <a:avLst/>
+            </a:prstGeom>
+            <a:noFill/>
+          </p:spPr>
+          <p:txBody>
+            <a:bodyPr wrap="none" rtlCol="0">
+              <a:spAutoFit/>
+            </a:bodyPr>
+            <a:lstStyle/>
+            <a:p>
+              <a:r>
+                <a:rPr lang="en-US" altLang="zh-CN" sz="3200" dirty="0">
+                  <a:solidFill>
+                    <a:schemeClr val="tx1">
+                      <a:lumMod val="75000"/>
+                      <a:lumOff val="25000"/>
+                    </a:schemeClr>
+                  </a:solidFill>
+                  <a:latin typeface="微软雅黑 Light" panose="020B0502040204020203" pitchFamily="34" charset="-122"/>
+                  <a:ea typeface="微软雅黑 Light" panose="020B0502040204020203" pitchFamily="34" charset="-122"/>
+                </a:rPr>
+                <a:t>Release Conference for</a:t>
+              </a:r>
+              <a:endParaRPr lang="zh-CN" altLang="en-US" sz="3200" dirty="0">
+                <a:solidFill>
+                  <a:schemeClr val="tx1">
+                    <a:lumMod val="75000"/>
+                    <a:lumOff val="25000"/>
+                  </a:schemeClr>
+                </a:solidFill>
+                <a:latin typeface="微软雅黑 Light" panose="020B0502040204020203" pitchFamily="34" charset="-122"/>
+                <a:ea typeface="微软雅黑 Light" panose="020B0502040204020203" pitchFamily="34" charset="-122"/>
+              </a:endParaRPr>
+            </a:p>
+          </p:txBody>
+        </p:sp>
+      </p:grpSp>
+      <p:sp>
+        <p:nvSpPr>
+          <p:cNvPr id="5" name="文本框 4">
+            <a:extLst>
+              <a:ext uri="{FF2B5EF4-FFF2-40B4-BE49-F238E27FC236}">
+                <a16:creationId xmlns:a16="http://schemas.microsoft.com/office/drawing/2014/main" id="{F185A681-09BC-236A-1C54-43A4E142B957}"/>
+              </a:ext>
+            </a:extLst>
+          </p:cNvPr>
+          <p:cNvSpPr txBox="1"/>
+          <p:nvPr/>
+        </p:nvSpPr>
+        <p:spPr>
+          <a:xfrm>
+            <a:off x="7943382" y="1166842"/>
+            <a:ext cx="3779564" cy="4524315"/>
+          </a:xfrm>
+          <a:prstGeom prst="rect">
+            <a:avLst/>
+          </a:prstGeom>
+          <a:noFill/>
+        </p:spPr>
+        <p:txBody>
+          <a:bodyPr wrap="square" rtlCol="0">
+            <a:spAutoFit/>
+          </a:bodyPr>
+          <a:lstStyle/>
+          <a:p>
+            <a:r>
+              <a:rPr lang="en-US" altLang="zh-CN" sz="3200" dirty="0">
+                <a:solidFill>
+                  <a:srgbClr val="FF0000"/>
+                </a:solidFill>
+                <a:latin typeface="微软雅黑 Light" panose="020B0502040204020203" pitchFamily="34" charset="-122"/>
+                <a:ea typeface="微软雅黑 Light" panose="020B0502040204020203" pitchFamily="34" charset="-122"/>
+              </a:rPr>
+              <a:t>Presenter:</a:t>
+            </a:r>
+          </a:p>
+          <a:p>
+            <a:r>
+              <a:rPr lang="en-US" altLang="zh-CN" sz="3200" dirty="0">
+                <a:solidFill>
+                  <a:schemeClr val="tx1">
+                    <a:lumMod val="75000"/>
+                    <a:lumOff val="25000"/>
+                  </a:schemeClr>
+                </a:solidFill>
+                <a:latin typeface="微软雅黑 Light" panose="020B0502040204020203" pitchFamily="34" charset="-122"/>
+                <a:ea typeface="微软雅黑 Light" panose="020B0502040204020203" pitchFamily="34" charset="-122"/>
+              </a:rPr>
+              <a:t>A22 Zik</a:t>
+            </a:r>
+          </a:p>
+          <a:p>
+            <a:endParaRPr lang="en-US" altLang="zh-CN" sz="3200" dirty="0">
+              <a:solidFill>
+                <a:schemeClr val="tx1">
+                  <a:lumMod val="75000"/>
+                  <a:lumOff val="25000"/>
+                </a:schemeClr>
+              </a:solidFill>
+              <a:latin typeface="微软雅黑 Light" panose="020B0502040204020203" pitchFamily="34" charset="-122"/>
+              <a:ea typeface="微软雅黑 Light" panose="020B0502040204020203" pitchFamily="34" charset="-122"/>
+            </a:endParaRPr>
+          </a:p>
+          <a:p>
+            <a:r>
+              <a:rPr lang="en-US" altLang="zh-CN" sz="3200" dirty="0">
+                <a:solidFill>
+                  <a:srgbClr val="FF0000"/>
+                </a:solidFill>
+                <a:latin typeface="微软雅黑 Light" panose="020B0502040204020203" pitchFamily="34" charset="-122"/>
+                <a:ea typeface="微软雅黑 Light" panose="020B0502040204020203" pitchFamily="34" charset="-122"/>
+              </a:rPr>
+              <a:t>Date:</a:t>
+            </a:r>
+          </a:p>
+          <a:p>
+            <a:r>
+              <a:rPr lang="en-US" altLang="zh-CN" sz="3200" dirty="0">
+                <a:solidFill>
+                  <a:schemeClr val="tx1">
+                    <a:lumMod val="75000"/>
+                    <a:lumOff val="25000"/>
+                  </a:schemeClr>
+                </a:solidFill>
+                <a:latin typeface="微软雅黑 Light" panose="020B0502040204020203" pitchFamily="34" charset="-122"/>
+                <a:ea typeface="微软雅黑 Light" panose="020B0502040204020203" pitchFamily="34" charset="-122"/>
+              </a:rPr>
+              <a:t>1</a:t>
+            </a:r>
+            <a:r>
+              <a:rPr lang="en-US" altLang="zh-CN" sz="3200" baseline="30000" dirty="0">
+                <a:solidFill>
+                  <a:schemeClr val="tx1">
+                    <a:lumMod val="75000"/>
+                    <a:lumOff val="25000"/>
+                  </a:schemeClr>
+                </a:solidFill>
+                <a:latin typeface="微软雅黑 Light" panose="020B0502040204020203" pitchFamily="34" charset="-122"/>
+                <a:ea typeface="微软雅黑 Light" panose="020B0502040204020203" pitchFamily="34" charset="-122"/>
+              </a:rPr>
+              <a:t>st</a:t>
+            </a:r>
+            <a:r>
+              <a:rPr lang="en-US" altLang="zh-CN" sz="3200" dirty="0">
+                <a:solidFill>
+                  <a:schemeClr val="tx1">
+                    <a:lumMod val="75000"/>
+                    <a:lumOff val="25000"/>
+                  </a:schemeClr>
+                </a:solidFill>
+                <a:latin typeface="微软雅黑 Light" panose="020B0502040204020203" pitchFamily="34" charset="-122"/>
+                <a:ea typeface="微软雅黑 Light" panose="020B0502040204020203" pitchFamily="34" charset="-122"/>
+              </a:rPr>
+              <a:t> June (Thursday)</a:t>
+            </a:r>
+          </a:p>
+          <a:p>
+            <a:endParaRPr lang="en-US" altLang="zh-CN" sz="3200" dirty="0">
+              <a:solidFill>
+                <a:schemeClr val="tx1">
+                  <a:lumMod val="75000"/>
+                  <a:lumOff val="25000"/>
+                </a:schemeClr>
+              </a:solidFill>
+              <a:latin typeface="微软雅黑 Light" panose="020B0502040204020203" pitchFamily="34" charset="-122"/>
+              <a:ea typeface="微软雅黑 Light" panose="020B0502040204020203" pitchFamily="34" charset="-122"/>
+            </a:endParaRPr>
+          </a:p>
+          <a:p>
+            <a:r>
+              <a:rPr lang="en-US" altLang="zh-CN" sz="3200" dirty="0">
+                <a:solidFill>
+                  <a:srgbClr val="FF0000"/>
+                </a:solidFill>
+                <a:latin typeface="微软雅黑 Light" panose="020B0502040204020203" pitchFamily="34" charset="-122"/>
+                <a:ea typeface="微软雅黑 Light" panose="020B0502040204020203" pitchFamily="34" charset="-122"/>
+              </a:rPr>
+              <a:t>Location:</a:t>
+            </a:r>
+          </a:p>
+          <a:p>
+            <a:r>
+              <a:rPr lang="en-US" altLang="zh-CN" sz="3200" dirty="0">
+                <a:solidFill>
+                  <a:schemeClr val="tx1">
+                    <a:lumMod val="75000"/>
+                    <a:lumOff val="25000"/>
+                  </a:schemeClr>
+                </a:solidFill>
+                <a:latin typeface="微软雅黑 Light" panose="020B0502040204020203" pitchFamily="34" charset="-122"/>
+                <a:ea typeface="微软雅黑 Light" panose="020B0502040204020203" pitchFamily="34" charset="-122"/>
+              </a:rPr>
+              <a:t>Multimedia Conference Room</a:t>
+            </a:r>
+            <a:endParaRPr lang="zh-CN" altLang="en-US" sz="3200" dirty="0">
+              <a:solidFill>
+                <a:schemeClr val="tx1">
+                  <a:lumMod val="75000"/>
+                  <a:lumOff val="25000"/>
+                </a:schemeClr>
+              </a:solidFill>
+              <a:latin typeface="微软雅黑 Light" panose="020B0502040204020203" pitchFamily="34" charset="-122"/>
+              <a:ea typeface="微软雅黑 Light" panose="020B0502040204020203" pitchFamily="34" charset="-122"/>
+            </a:endParaRPr>
+          </a:p>
+        </p:txBody>
+      </p:sp>
+    </p:spTree>
+    <p:extLst>
+      <p:ext uri="{BB962C8B-B14F-4D97-AF65-F5344CB8AC3E}">
+        <p14:creationId xmlns:p14="http://schemas.microsoft.com/office/powerpoint/2010/main" val="456294878"/>
+      </p:ext>
+    </p:extLst>
+  </p:cSld>
+  <p:clrMapOvr>
+    <a:masterClrMapping/>
+  </p:clrMapOvr>
+</p:sld>
+</file>
+
 <file path=ppt/theme/theme1.xml><?xml version="1.0" encoding="utf-8"?>
 <a:theme xmlns:a="http://schemas.openxmlformats.org/drawingml/2006/main" name="Office 主题​​">
   <a:themeElements>

--- a/开发相关文档.pptx
+++ b/开发相关文档.pptx
@@ -4,6 +4,9 @@
   <p:sldMasterIdLst>
     <p:sldMasterId id="2147483648" r:id="rId1"/>
   </p:sldMasterIdLst>
+  <p:notesMasterIdLst>
+    <p:notesMasterId r:id="rId5"/>
+  </p:notesMasterIdLst>
   <p:sldIdLst>
     <p:sldId id="256" r:id="rId2"/>
     <p:sldId id="257" r:id="rId3"/>
@@ -117,7 +120,7 @@
 <file path=ppt/revisionInfo.xml><?xml version="1.0" encoding="utf-8"?>
 <p1510:revInfo xmlns:a="http://schemas.openxmlformats.org/drawingml/2006/main" xmlns:r="http://schemas.openxmlformats.org/officeDocument/2006/relationships" xmlns:p1510="http://schemas.microsoft.com/office/powerpoint/2015/10/main">
   <p1510:revLst>
-    <p1510:client id="{54D8F212-525F-4A08-AFA3-A94259C05EBD}" v="16" dt="2023-04-29T14:55:55.756"/>
+    <p1510:client id="{54D8F212-525F-4A08-AFA3-A94259C05EBD}" v="21" dt="2023-05-05T09:55:28.661"/>
   </p1510:revLst>
 </p1510:revInfo>
 </file>
@@ -127,7 +130,7 @@
   <pc:docChgLst>
     <pc:chgData name="赵 柘楷" userId="dac37f91-8d7e-4e9e-af67-31d1ff408659" providerId="ADAL" clId="{54D8F212-525F-4A08-AFA3-A94259C05EBD}"/>
     <pc:docChg chg="undo custSel addSld delSld modSld">
-      <pc:chgData name="赵 柘楷" userId="dac37f91-8d7e-4e9e-af67-31d1ff408659" providerId="ADAL" clId="{54D8F212-525F-4A08-AFA3-A94259C05EBD}" dt="2023-04-30T00:45:29.139" v="253" actId="207"/>
+      <pc:chgData name="赵 柘楷" userId="dac37f91-8d7e-4e9e-af67-31d1ff408659" providerId="ADAL" clId="{54D8F212-525F-4A08-AFA3-A94259C05EBD}" dt="2023-05-05T10:16:23.864" v="454" actId="29295"/>
       <pc:docMkLst>
         <pc:docMk/>
       </pc:docMkLst>
@@ -183,14 +186,14 @@
           <pc:sldMk cId="3964414160" sldId="257"/>
         </pc:sldMkLst>
       </pc:sldChg>
-      <pc:sldChg chg="addSp delSp modSp add mod">
-        <pc:chgData name="赵 柘楷" userId="dac37f91-8d7e-4e9e-af67-31d1ff408659" providerId="ADAL" clId="{54D8F212-525F-4A08-AFA3-A94259C05EBD}" dt="2023-04-30T00:45:29.139" v="253" actId="207"/>
+      <pc:sldChg chg="addSp delSp modSp add mod setBg">
+        <pc:chgData name="赵 柘楷" userId="dac37f91-8d7e-4e9e-af67-31d1ff408659" providerId="ADAL" clId="{54D8F212-525F-4A08-AFA3-A94259C05EBD}" dt="2023-05-05T10:16:23.864" v="454" actId="29295"/>
         <pc:sldMkLst>
           <pc:docMk/>
           <pc:sldMk cId="456294878" sldId="258"/>
         </pc:sldMkLst>
         <pc:spChg chg="add mod">
-          <ac:chgData name="赵 柘楷" userId="dac37f91-8d7e-4e9e-af67-31d1ff408659" providerId="ADAL" clId="{54D8F212-525F-4A08-AFA3-A94259C05EBD}" dt="2023-04-29T14:55:31.869" v="117" actId="164"/>
+          <ac:chgData name="赵 柘楷" userId="dac37f91-8d7e-4e9e-af67-31d1ff408659" providerId="ADAL" clId="{54D8F212-525F-4A08-AFA3-A94259C05EBD}" dt="2023-05-05T03:26:51.354" v="255" actId="207"/>
           <ac:spMkLst>
             <pc:docMk/>
             <pc:sldMk cId="456294878" sldId="258"/>
@@ -206,15 +209,31 @@
           </ac:spMkLst>
         </pc:spChg>
         <pc:spChg chg="add mod">
-          <ac:chgData name="赵 柘楷" userId="dac37f91-8d7e-4e9e-af67-31d1ff408659" providerId="ADAL" clId="{54D8F212-525F-4A08-AFA3-A94259C05EBD}" dt="2023-04-30T00:45:29.139" v="253" actId="207"/>
+          <ac:chgData name="赵 柘楷" userId="dac37f91-8d7e-4e9e-af67-31d1ff408659" providerId="ADAL" clId="{54D8F212-525F-4A08-AFA3-A94259C05EBD}" dt="2023-05-05T03:30:55.592" v="439" actId="1076"/>
+          <ac:spMkLst>
+            <pc:docMk/>
+            <pc:sldMk cId="456294878" sldId="258"/>
+            <ac:spMk id="3" creationId="{6C25C554-4D6D-F010-DCEF-DDF6F435F457}"/>
+          </ac:spMkLst>
+        </pc:spChg>
+        <pc:spChg chg="add mod">
+          <ac:chgData name="赵 柘楷" userId="dac37f91-8d7e-4e9e-af67-31d1ff408659" providerId="ADAL" clId="{54D8F212-525F-4A08-AFA3-A94259C05EBD}" dt="2023-05-05T03:30:55.592" v="439" actId="1076"/>
           <ac:spMkLst>
             <pc:docMk/>
             <pc:sldMk cId="456294878" sldId="258"/>
             <ac:spMk id="5" creationId="{F185A681-09BC-236A-1C54-43A4E142B957}"/>
           </ac:spMkLst>
         </pc:spChg>
+        <pc:spChg chg="add del mod">
+          <ac:chgData name="赵 柘楷" userId="dac37f91-8d7e-4e9e-af67-31d1ff408659" providerId="ADAL" clId="{54D8F212-525F-4A08-AFA3-A94259C05EBD}" dt="2023-05-05T03:30:55.592" v="439" actId="1076"/>
+          <ac:spMkLst>
+            <pc:docMk/>
+            <pc:sldMk cId="456294878" sldId="258"/>
+            <ac:spMk id="6" creationId="{B398F254-4BC2-81CE-647C-3CDF20396586}"/>
+          </ac:spMkLst>
+        </pc:spChg>
         <pc:spChg chg="mod">
-          <ac:chgData name="赵 柘楷" userId="dac37f91-8d7e-4e9e-af67-31d1ff408659" providerId="ADAL" clId="{54D8F212-525F-4A08-AFA3-A94259C05EBD}" dt="2023-04-29T14:53:12.353" v="71" actId="1076"/>
+          <ac:chgData name="赵 柘楷" userId="dac37f91-8d7e-4e9e-af67-31d1ff408659" providerId="ADAL" clId="{54D8F212-525F-4A08-AFA3-A94259C05EBD}" dt="2023-05-05T03:30:46.727" v="438" actId="2711"/>
           <ac:spMkLst>
             <pc:docMk/>
             <pc:sldMk cId="456294878" sldId="258"/>
@@ -238,7 +257,7 @@
           </ac:spMkLst>
         </pc:spChg>
         <pc:grpChg chg="add mod">
-          <ac:chgData name="赵 柘楷" userId="dac37f91-8d7e-4e9e-af67-31d1ff408659" providerId="ADAL" clId="{54D8F212-525F-4A08-AFA3-A94259C05EBD}" dt="2023-04-29T14:55:35.481" v="118" actId="1076"/>
+          <ac:chgData name="赵 柘楷" userId="dac37f91-8d7e-4e9e-af67-31d1ff408659" providerId="ADAL" clId="{54D8F212-525F-4A08-AFA3-A94259C05EBD}" dt="2023-05-05T03:27:09.405" v="257" actId="1076"/>
           <ac:grpSpMkLst>
             <pc:docMk/>
             <pc:sldMk cId="456294878" sldId="258"/>
@@ -261,6 +280,14 @@
             <ac:grpSpMk id="14" creationId="{CFB24489-5300-69E3-F669-5B9D13DA49E5}"/>
           </ac:grpSpMkLst>
         </pc:grpChg>
+        <pc:picChg chg="add mod">
+          <ac:chgData name="赵 柘楷" userId="dac37f91-8d7e-4e9e-af67-31d1ff408659" providerId="ADAL" clId="{54D8F212-525F-4A08-AFA3-A94259C05EBD}" dt="2023-05-05T10:16:23.864" v="454" actId="29295"/>
+          <ac:picMkLst>
+            <pc:docMk/>
+            <pc:sldMk cId="456294878" sldId="258"/>
+            <ac:picMk id="9" creationId="{304555BE-D193-2FE1-7F61-90715DCD2309}"/>
+          </ac:picMkLst>
+        </pc:picChg>
         <pc:picChg chg="mod">
           <ac:chgData name="赵 柘楷" userId="dac37f91-8d7e-4e9e-af67-31d1ff408659" providerId="ADAL" clId="{54D8F212-525F-4A08-AFA3-A94259C05EBD}" dt="2023-04-29T14:53:07.663" v="69"/>
           <ac:picMkLst>
@@ -282,6 +309,439 @@
 </pc:chgInfo>
 </file>
 
+<file path=ppt/notesMasters/notesMaster1.xml><?xml version="1.0" encoding="utf-8"?>
+<p:notesMaster xmlns:a="http://schemas.openxmlformats.org/drawingml/2006/main" xmlns:r="http://schemas.openxmlformats.org/officeDocument/2006/relationships" xmlns:p="http://schemas.openxmlformats.org/presentationml/2006/main">
+  <p:cSld>
+    <p:bg>
+      <p:bgRef idx="1001">
+        <a:schemeClr val="bg1"/>
+      </p:bgRef>
+    </p:bg>
+    <p:spTree>
+      <p:nvGrpSpPr>
+        <p:cNvPr id="1" name=""/>
+        <p:cNvGrpSpPr/>
+        <p:nvPr/>
+      </p:nvGrpSpPr>
+      <p:grpSpPr>
+        <a:xfrm>
+          <a:off x="0" y="0"/>
+          <a:ext cx="0" cy="0"/>
+          <a:chOff x="0" y="0"/>
+          <a:chExt cx="0" cy="0"/>
+        </a:xfrm>
+      </p:grpSpPr>
+      <p:sp>
+        <p:nvSpPr>
+          <p:cNvPr id="2" name="页眉占位符 1"/>
+          <p:cNvSpPr>
+            <a:spLocks noGrp="1"/>
+          </p:cNvSpPr>
+          <p:nvPr>
+            <p:ph type="hdr" sz="quarter"/>
+          </p:nvPr>
+        </p:nvSpPr>
+        <p:spPr>
+          <a:xfrm>
+            <a:off x="0" y="0"/>
+            <a:ext cx="2971800" cy="458788"/>
+          </a:xfrm>
+          <a:prstGeom prst="rect">
+            <a:avLst/>
+          </a:prstGeom>
+        </p:spPr>
+        <p:txBody>
+          <a:bodyPr vert="horz" lIns="91440" tIns="45720" rIns="91440" bIns="45720" rtlCol="0"/>
+          <a:lstStyle>
+            <a:lvl1pPr algn="l">
+              <a:defRPr sz="1200"/>
+            </a:lvl1pPr>
+          </a:lstStyle>
+          <a:p>
+            <a:endParaRPr lang="zh-CN" altLang="en-US"/>
+          </a:p>
+        </p:txBody>
+      </p:sp>
+      <p:sp>
+        <p:nvSpPr>
+          <p:cNvPr id="3" name="日期占位符 2"/>
+          <p:cNvSpPr>
+            <a:spLocks noGrp="1"/>
+          </p:cNvSpPr>
+          <p:nvPr>
+            <p:ph type="dt" idx="1"/>
+          </p:nvPr>
+        </p:nvSpPr>
+        <p:spPr>
+          <a:xfrm>
+            <a:off x="3884613" y="0"/>
+            <a:ext cx="2971800" cy="458788"/>
+          </a:xfrm>
+          <a:prstGeom prst="rect">
+            <a:avLst/>
+          </a:prstGeom>
+        </p:spPr>
+        <p:txBody>
+          <a:bodyPr vert="horz" lIns="91440" tIns="45720" rIns="91440" bIns="45720" rtlCol="0"/>
+          <a:lstStyle>
+            <a:lvl1pPr algn="r">
+              <a:defRPr sz="1200"/>
+            </a:lvl1pPr>
+          </a:lstStyle>
+          <a:p>
+            <a:fld id="{86A04BA7-A2BA-48C9-87E4-E55ACB6E1DE8}" type="datetimeFigureOut">
+              <a:rPr lang="zh-CN" altLang="en-US" smtClean="0"/>
+              <a:t>2023/5/5</a:t>
+            </a:fld>
+            <a:endParaRPr lang="zh-CN" altLang="en-US"/>
+          </a:p>
+        </p:txBody>
+      </p:sp>
+      <p:sp>
+        <p:nvSpPr>
+          <p:cNvPr id="4" name="幻灯片图像占位符 3"/>
+          <p:cNvSpPr>
+            <a:spLocks noGrp="1" noRot="1" noChangeAspect="1"/>
+          </p:cNvSpPr>
+          <p:nvPr>
+            <p:ph type="sldImg" idx="2"/>
+          </p:nvPr>
+        </p:nvSpPr>
+        <p:spPr>
+          <a:xfrm>
+            <a:off x="685800" y="1143000"/>
+            <a:ext cx="5486400" cy="3086100"/>
+          </a:xfrm>
+          <a:prstGeom prst="rect">
+            <a:avLst/>
+          </a:prstGeom>
+          <a:noFill/>
+          <a:ln w="12700">
+            <a:solidFill>
+              <a:prstClr val="black"/>
+            </a:solidFill>
+          </a:ln>
+        </p:spPr>
+        <p:txBody>
+          <a:bodyPr vert="horz" lIns="91440" tIns="45720" rIns="91440" bIns="45720" rtlCol="0" anchor="ctr"/>
+          <a:lstStyle/>
+          <a:p>
+            <a:endParaRPr lang="zh-CN" altLang="en-US"/>
+          </a:p>
+        </p:txBody>
+      </p:sp>
+      <p:sp>
+        <p:nvSpPr>
+          <p:cNvPr id="5" name="备注占位符 4"/>
+          <p:cNvSpPr>
+            <a:spLocks noGrp="1"/>
+          </p:cNvSpPr>
+          <p:nvPr>
+            <p:ph type="body" sz="quarter" idx="3"/>
+          </p:nvPr>
+        </p:nvSpPr>
+        <p:spPr>
+          <a:xfrm>
+            <a:off x="685800" y="4400550"/>
+            <a:ext cx="5486400" cy="3600450"/>
+          </a:xfrm>
+          <a:prstGeom prst="rect">
+            <a:avLst/>
+          </a:prstGeom>
+        </p:spPr>
+        <p:txBody>
+          <a:bodyPr vert="horz" lIns="91440" tIns="45720" rIns="91440" bIns="45720" rtlCol="0"/>
+          <a:lstStyle/>
+          <a:p>
+            <a:pPr lvl="0"/>
+            <a:r>
+              <a:rPr lang="zh-CN" altLang="en-US"/>
+              <a:t>单击此处编辑母版文本样式</a:t>
+            </a:r>
+          </a:p>
+          <a:p>
+            <a:pPr lvl="1"/>
+            <a:r>
+              <a:rPr lang="zh-CN" altLang="en-US"/>
+              <a:t>二级</a:t>
+            </a:r>
+          </a:p>
+          <a:p>
+            <a:pPr lvl="2"/>
+            <a:r>
+              <a:rPr lang="zh-CN" altLang="en-US"/>
+              <a:t>三级</a:t>
+            </a:r>
+          </a:p>
+          <a:p>
+            <a:pPr lvl="3"/>
+            <a:r>
+              <a:rPr lang="zh-CN" altLang="en-US"/>
+              <a:t>四级</a:t>
+            </a:r>
+          </a:p>
+          <a:p>
+            <a:pPr lvl="4"/>
+            <a:r>
+              <a:rPr lang="zh-CN" altLang="en-US"/>
+              <a:t>五级</a:t>
+            </a:r>
+          </a:p>
+        </p:txBody>
+      </p:sp>
+      <p:sp>
+        <p:nvSpPr>
+          <p:cNvPr id="6" name="页脚占位符 5"/>
+          <p:cNvSpPr>
+            <a:spLocks noGrp="1"/>
+          </p:cNvSpPr>
+          <p:nvPr>
+            <p:ph type="ftr" sz="quarter" idx="4"/>
+          </p:nvPr>
+        </p:nvSpPr>
+        <p:spPr>
+          <a:xfrm>
+            <a:off x="0" y="8685213"/>
+            <a:ext cx="2971800" cy="458787"/>
+          </a:xfrm>
+          <a:prstGeom prst="rect">
+            <a:avLst/>
+          </a:prstGeom>
+        </p:spPr>
+        <p:txBody>
+          <a:bodyPr vert="horz" lIns="91440" tIns="45720" rIns="91440" bIns="45720" rtlCol="0" anchor="b"/>
+          <a:lstStyle>
+            <a:lvl1pPr algn="l">
+              <a:defRPr sz="1200"/>
+            </a:lvl1pPr>
+          </a:lstStyle>
+          <a:p>
+            <a:endParaRPr lang="zh-CN" altLang="en-US"/>
+          </a:p>
+        </p:txBody>
+      </p:sp>
+      <p:sp>
+        <p:nvSpPr>
+          <p:cNvPr id="7" name="灯片编号占位符 6"/>
+          <p:cNvSpPr>
+            <a:spLocks noGrp="1"/>
+          </p:cNvSpPr>
+          <p:nvPr>
+            <p:ph type="sldNum" sz="quarter" idx="5"/>
+          </p:nvPr>
+        </p:nvSpPr>
+        <p:spPr>
+          <a:xfrm>
+            <a:off x="3884613" y="8685213"/>
+            <a:ext cx="2971800" cy="458787"/>
+          </a:xfrm>
+          <a:prstGeom prst="rect">
+            <a:avLst/>
+          </a:prstGeom>
+        </p:spPr>
+        <p:txBody>
+          <a:bodyPr vert="horz" lIns="91440" tIns="45720" rIns="91440" bIns="45720" rtlCol="0" anchor="b"/>
+          <a:lstStyle>
+            <a:lvl1pPr algn="r">
+              <a:defRPr sz="1200"/>
+            </a:lvl1pPr>
+          </a:lstStyle>
+          <a:p>
+            <a:fld id="{AD92E718-B29D-4989-93CD-6D91416474A6}" type="slidenum">
+              <a:rPr lang="zh-CN" altLang="en-US" smtClean="0"/>
+              <a:t>‹#›</a:t>
+            </a:fld>
+            <a:endParaRPr lang="zh-CN" altLang="en-US"/>
+          </a:p>
+        </p:txBody>
+      </p:sp>
+    </p:spTree>
+    <p:extLst>
+      <p:ext uri="{BB962C8B-B14F-4D97-AF65-F5344CB8AC3E}">
+        <p14:creationId xmlns:p14="http://schemas.microsoft.com/office/powerpoint/2010/main" val="1303476488"/>
+      </p:ext>
+    </p:extLst>
+  </p:cSld>
+  <p:clrMap bg1="lt1" tx1="dk1" bg2="lt2" tx2="dk2" accent1="accent1" accent2="accent2" accent3="accent3" accent4="accent4" accent5="accent5" accent6="accent6" hlink="hlink" folHlink="folHlink"/>
+  <p:notesStyle>
+    <a:lvl1pPr marL="0" algn="l" defTabSz="914400" rtl="0" eaLnBrk="1" latinLnBrk="0" hangingPunct="1">
+      <a:defRPr sz="1200" kern="1200">
+        <a:solidFill>
+          <a:schemeClr val="tx1"/>
+        </a:solidFill>
+        <a:latin typeface="+mn-lt"/>
+        <a:ea typeface="+mn-ea"/>
+        <a:cs typeface="+mn-cs"/>
+      </a:defRPr>
+    </a:lvl1pPr>
+    <a:lvl2pPr marL="457200" algn="l" defTabSz="914400" rtl="0" eaLnBrk="1" latinLnBrk="0" hangingPunct="1">
+      <a:defRPr sz="1200" kern="1200">
+        <a:solidFill>
+          <a:schemeClr val="tx1"/>
+        </a:solidFill>
+        <a:latin typeface="+mn-lt"/>
+        <a:ea typeface="+mn-ea"/>
+        <a:cs typeface="+mn-cs"/>
+      </a:defRPr>
+    </a:lvl2pPr>
+    <a:lvl3pPr marL="914400" algn="l" defTabSz="914400" rtl="0" eaLnBrk="1" latinLnBrk="0" hangingPunct="1">
+      <a:defRPr sz="1200" kern="1200">
+        <a:solidFill>
+          <a:schemeClr val="tx1"/>
+        </a:solidFill>
+        <a:latin typeface="+mn-lt"/>
+        <a:ea typeface="+mn-ea"/>
+        <a:cs typeface="+mn-cs"/>
+      </a:defRPr>
+    </a:lvl3pPr>
+    <a:lvl4pPr marL="1371600" algn="l" defTabSz="914400" rtl="0" eaLnBrk="1" latinLnBrk="0" hangingPunct="1">
+      <a:defRPr sz="1200" kern="1200">
+        <a:solidFill>
+          <a:schemeClr val="tx1"/>
+        </a:solidFill>
+        <a:latin typeface="+mn-lt"/>
+        <a:ea typeface="+mn-ea"/>
+        <a:cs typeface="+mn-cs"/>
+      </a:defRPr>
+    </a:lvl4pPr>
+    <a:lvl5pPr marL="1828800" algn="l" defTabSz="914400" rtl="0" eaLnBrk="1" latinLnBrk="0" hangingPunct="1">
+      <a:defRPr sz="1200" kern="1200">
+        <a:solidFill>
+          <a:schemeClr val="tx1"/>
+        </a:solidFill>
+        <a:latin typeface="+mn-lt"/>
+        <a:ea typeface="+mn-ea"/>
+        <a:cs typeface="+mn-cs"/>
+      </a:defRPr>
+    </a:lvl5pPr>
+    <a:lvl6pPr marL="2286000" algn="l" defTabSz="914400" rtl="0" eaLnBrk="1" latinLnBrk="0" hangingPunct="1">
+      <a:defRPr sz="1200" kern="1200">
+        <a:solidFill>
+          <a:schemeClr val="tx1"/>
+        </a:solidFill>
+        <a:latin typeface="+mn-lt"/>
+        <a:ea typeface="+mn-ea"/>
+        <a:cs typeface="+mn-cs"/>
+      </a:defRPr>
+    </a:lvl6pPr>
+    <a:lvl7pPr marL="2743200" algn="l" defTabSz="914400" rtl="0" eaLnBrk="1" latinLnBrk="0" hangingPunct="1">
+      <a:defRPr sz="1200" kern="1200">
+        <a:solidFill>
+          <a:schemeClr val="tx1"/>
+        </a:solidFill>
+        <a:latin typeface="+mn-lt"/>
+        <a:ea typeface="+mn-ea"/>
+        <a:cs typeface="+mn-cs"/>
+      </a:defRPr>
+    </a:lvl7pPr>
+    <a:lvl8pPr marL="3200400" algn="l" defTabSz="914400" rtl="0" eaLnBrk="1" latinLnBrk="0" hangingPunct="1">
+      <a:defRPr sz="1200" kern="1200">
+        <a:solidFill>
+          <a:schemeClr val="tx1"/>
+        </a:solidFill>
+        <a:latin typeface="+mn-lt"/>
+        <a:ea typeface="+mn-ea"/>
+        <a:cs typeface="+mn-cs"/>
+      </a:defRPr>
+    </a:lvl8pPr>
+    <a:lvl9pPr marL="3657600" algn="l" defTabSz="914400" rtl="0" eaLnBrk="1" latinLnBrk="0" hangingPunct="1">
+      <a:defRPr sz="1200" kern="1200">
+        <a:solidFill>
+          <a:schemeClr val="tx1"/>
+        </a:solidFill>
+        <a:latin typeface="+mn-lt"/>
+        <a:ea typeface="+mn-ea"/>
+        <a:cs typeface="+mn-cs"/>
+      </a:defRPr>
+    </a:lvl9pPr>
+  </p:notesStyle>
+</p:notesMaster>
+</file>
+
+<file path=ppt/notesSlides/notesSlide1.xml><?xml version="1.0" encoding="utf-8"?>
+<p:notes xmlns:a="http://schemas.openxmlformats.org/drawingml/2006/main" xmlns:r="http://schemas.openxmlformats.org/officeDocument/2006/relationships" xmlns:p="http://schemas.openxmlformats.org/presentationml/2006/main">
+  <p:cSld>
+    <p:spTree>
+      <p:nvGrpSpPr>
+        <p:cNvPr id="1" name=""/>
+        <p:cNvGrpSpPr/>
+        <p:nvPr/>
+      </p:nvGrpSpPr>
+      <p:grpSpPr>
+        <a:xfrm>
+          <a:off x="0" y="0"/>
+          <a:ext cx="0" cy="0"/>
+          <a:chOff x="0" y="0"/>
+          <a:chExt cx="0" cy="0"/>
+        </a:xfrm>
+      </p:grpSpPr>
+      <p:sp>
+        <p:nvSpPr>
+          <p:cNvPr id="2" name="幻灯片图像占位符 1"/>
+          <p:cNvSpPr>
+            <a:spLocks noGrp="1" noRot="1" noChangeAspect="1"/>
+          </p:cNvSpPr>
+          <p:nvPr>
+            <p:ph type="sldImg"/>
+          </p:nvPr>
+        </p:nvSpPr>
+        <p:spPr/>
+      </p:sp>
+      <p:sp>
+        <p:nvSpPr>
+          <p:cNvPr id="3" name="备注占位符 2"/>
+          <p:cNvSpPr>
+            <a:spLocks noGrp="1"/>
+          </p:cNvSpPr>
+          <p:nvPr>
+            <p:ph type="body" idx="1"/>
+          </p:nvPr>
+        </p:nvSpPr>
+        <p:spPr/>
+        <p:txBody>
+          <a:bodyPr/>
+          <a:lstStyle/>
+          <a:p>
+            <a:endParaRPr lang="zh-CN" altLang="en-US" dirty="0"/>
+          </a:p>
+        </p:txBody>
+      </p:sp>
+      <p:sp>
+        <p:nvSpPr>
+          <p:cNvPr id="4" name="灯片编号占位符 3"/>
+          <p:cNvSpPr>
+            <a:spLocks noGrp="1"/>
+          </p:cNvSpPr>
+          <p:nvPr>
+            <p:ph type="sldNum" sz="quarter" idx="5"/>
+          </p:nvPr>
+        </p:nvSpPr>
+        <p:spPr/>
+        <p:txBody>
+          <a:bodyPr/>
+          <a:lstStyle/>
+          <a:p>
+            <a:fld id="{AD92E718-B29D-4989-93CD-6D91416474A6}" type="slidenum">
+              <a:rPr lang="zh-CN" altLang="en-US" smtClean="0"/>
+              <a:t>3</a:t>
+            </a:fld>
+            <a:endParaRPr lang="zh-CN" altLang="en-US"/>
+          </a:p>
+        </p:txBody>
+      </p:sp>
+    </p:spTree>
+    <p:extLst>
+      <p:ext uri="{BB962C8B-B14F-4D97-AF65-F5344CB8AC3E}">
+        <p14:creationId xmlns:p14="http://schemas.microsoft.com/office/powerpoint/2010/main" val="2506769336"/>
+      </p:ext>
+    </p:extLst>
+  </p:cSld>
+  <p:clrMapOvr>
+    <a:masterClrMapping/>
+  </p:clrMapOvr>
+</p:notes>
+</file>
+
 <file path=ppt/slideLayouts/slideLayout1.xml><?xml version="1.0" encoding="utf-8"?>
 <p:sldLayout xmlns:a="http://schemas.openxmlformats.org/drawingml/2006/main" xmlns:r="http://schemas.openxmlformats.org/officeDocument/2006/relationships" xmlns:p="http://schemas.openxmlformats.org/presentationml/2006/main" type="title" preserve="1">
   <p:cSld name="标题幻灯片">
@@ -429,7 +889,7 @@
           <a:p>
             <a:fld id="{C0956A83-B036-4B96-AF66-88CDD33BBE5A}" type="datetimeFigureOut">
               <a:rPr lang="zh-CN" altLang="en-US" smtClean="0"/>
-              <a:t>2023/4/30</a:t>
+              <a:t>2023/5/5</a:t>
             </a:fld>
             <a:endParaRPr lang="zh-CN" altLang="en-US"/>
           </a:p>
@@ -627,7 +1087,7 @@
           <a:p>
             <a:fld id="{C0956A83-B036-4B96-AF66-88CDD33BBE5A}" type="datetimeFigureOut">
               <a:rPr lang="zh-CN" altLang="en-US" smtClean="0"/>
-              <a:t>2023/4/30</a:t>
+              <a:t>2023/5/5</a:t>
             </a:fld>
             <a:endParaRPr lang="zh-CN" altLang="en-US"/>
           </a:p>
@@ -835,7 +1295,7 @@
           <a:p>
             <a:fld id="{C0956A83-B036-4B96-AF66-88CDD33BBE5A}" type="datetimeFigureOut">
               <a:rPr lang="zh-CN" altLang="en-US" smtClean="0"/>
-              <a:t>2023/4/30</a:t>
+              <a:t>2023/5/5</a:t>
             </a:fld>
             <a:endParaRPr lang="zh-CN" altLang="en-US"/>
           </a:p>
@@ -1033,7 +1493,7 @@
           <a:p>
             <a:fld id="{C0956A83-B036-4B96-AF66-88CDD33BBE5A}" type="datetimeFigureOut">
               <a:rPr lang="zh-CN" altLang="en-US" smtClean="0"/>
-              <a:t>2023/4/30</a:t>
+              <a:t>2023/5/5</a:t>
             </a:fld>
             <a:endParaRPr lang="zh-CN" altLang="en-US"/>
           </a:p>
@@ -1308,7 +1768,7 @@
           <a:p>
             <a:fld id="{C0956A83-B036-4B96-AF66-88CDD33BBE5A}" type="datetimeFigureOut">
               <a:rPr lang="zh-CN" altLang="en-US" smtClean="0"/>
-              <a:t>2023/4/30</a:t>
+              <a:t>2023/5/5</a:t>
             </a:fld>
             <a:endParaRPr lang="zh-CN" altLang="en-US"/>
           </a:p>
@@ -1573,7 +2033,7 @@
           <a:p>
             <a:fld id="{C0956A83-B036-4B96-AF66-88CDD33BBE5A}" type="datetimeFigureOut">
               <a:rPr lang="zh-CN" altLang="en-US" smtClean="0"/>
-              <a:t>2023/4/30</a:t>
+              <a:t>2023/5/5</a:t>
             </a:fld>
             <a:endParaRPr lang="zh-CN" altLang="en-US"/>
           </a:p>
@@ -1985,7 +2445,7 @@
           <a:p>
             <a:fld id="{C0956A83-B036-4B96-AF66-88CDD33BBE5A}" type="datetimeFigureOut">
               <a:rPr lang="zh-CN" altLang="en-US" smtClean="0"/>
-              <a:t>2023/4/30</a:t>
+              <a:t>2023/5/5</a:t>
             </a:fld>
             <a:endParaRPr lang="zh-CN" altLang="en-US"/>
           </a:p>
@@ -2126,7 +2586,7 @@
           <a:p>
             <a:fld id="{C0956A83-B036-4B96-AF66-88CDD33BBE5A}" type="datetimeFigureOut">
               <a:rPr lang="zh-CN" altLang="en-US" smtClean="0"/>
-              <a:t>2023/4/30</a:t>
+              <a:t>2023/5/5</a:t>
             </a:fld>
             <a:endParaRPr lang="zh-CN" altLang="en-US"/>
           </a:p>
@@ -2239,7 +2699,7 @@
           <a:p>
             <a:fld id="{C0956A83-B036-4B96-AF66-88CDD33BBE5A}" type="datetimeFigureOut">
               <a:rPr lang="zh-CN" altLang="en-US" smtClean="0"/>
-              <a:t>2023/4/30</a:t>
+              <a:t>2023/5/5</a:t>
             </a:fld>
             <a:endParaRPr lang="zh-CN" altLang="en-US"/>
           </a:p>
@@ -2550,7 +3010,7 @@
           <a:p>
             <a:fld id="{C0956A83-B036-4B96-AF66-88CDD33BBE5A}" type="datetimeFigureOut">
               <a:rPr lang="zh-CN" altLang="en-US" smtClean="0"/>
-              <a:t>2023/4/30</a:t>
+              <a:t>2023/5/5</a:t>
             </a:fld>
             <a:endParaRPr lang="zh-CN" altLang="en-US"/>
           </a:p>
@@ -2838,7 +3298,7 @@
           <a:p>
             <a:fld id="{C0956A83-B036-4B96-AF66-88CDD33BBE5A}" type="datetimeFigureOut">
               <a:rPr lang="zh-CN" altLang="en-US" smtClean="0"/>
-              <a:t>2023/4/30</a:t>
+              <a:t>2023/5/5</a:t>
             </a:fld>
             <a:endParaRPr lang="zh-CN" altLang="en-US"/>
           </a:p>
@@ -3079,7 +3539,7 @@
           <a:p>
             <a:fld id="{C0956A83-B036-4B96-AF66-88CDD33BBE5A}" type="datetimeFigureOut">
               <a:rPr lang="zh-CN" altLang="en-US" smtClean="0"/>
-              <a:t>2023/4/30</a:t>
+              <a:t>2023/5/5</a:t>
             </a:fld>
             <a:endParaRPr lang="zh-CN" altLang="en-US"/>
           </a:p>
@@ -4309,7 +4769,7 @@
     <p:bg>
       <p:bgPr>
         <a:solidFill>
-          <a:schemeClr val="bg2"/>
+          <a:schemeClr val="tx1"/>
         </a:solidFill>
         <a:effectLst/>
       </p:bgPr>
@@ -4342,10 +4802,10 @@
         </p:nvGrpSpPr>
         <p:grpSpPr>
           <a:xfrm>
-            <a:off x="620325" y="1914500"/>
-            <a:ext cx="6563675" cy="3029000"/>
+            <a:off x="546435" y="639882"/>
+            <a:ext cx="6566881" cy="3029000"/>
             <a:chOff x="648034" y="1745673"/>
-            <a:chExt cx="6563675" cy="3029000"/>
+            <a:chExt cx="6566881" cy="3029000"/>
           </a:xfrm>
         </p:grpSpPr>
         <p:grpSp>
@@ -4363,9 +4823,9 @@
           <p:grpSpPr>
             <a:xfrm>
               <a:off x="768508" y="2729873"/>
-              <a:ext cx="6443201" cy="2044800"/>
+              <a:ext cx="6446407" cy="2044800"/>
               <a:chOff x="1927025" y="911998"/>
-              <a:chExt cx="6938063" cy="2341506"/>
+              <a:chExt cx="6941515" cy="2341506"/>
             </a:xfrm>
           </p:grpSpPr>
           <p:pic>
@@ -4383,7 +4843,7 @@
               <p:nvPr/>
             </p:nvPicPr>
             <p:blipFill>
-              <a:blip r:embed="rId2">
+              <a:blip r:embed="rId3">
                 <a:extLst>
                   <a:ext uri="{28A0092B-C50C-407E-A947-70E740481C1C}">
                     <a14:useLocalDpi xmlns:a14="http://schemas.microsoft.com/office/drawing/2010/main" val="0"/>
@@ -4426,7 +4886,7 @@
             <p:spPr>
               <a:xfrm>
                 <a:off x="4506291" y="1078309"/>
-                <a:ext cx="4358797" cy="2008883"/>
+                <a:ext cx="4362249" cy="2008883"/>
               </a:xfrm>
               <a:prstGeom prst="rect">
                 <a:avLst/>
@@ -4457,38 +4917,20 @@
                   <a:defRPr/>
                 </a:pPr>
                 <a:r>
-                  <a:rPr kumimoji="0" lang="en-US" altLang="zh-CN" sz="5400" b="0" i="0" u="none" strike="noStrike" kern="1200" cap="none" spc="0" normalizeH="0" baseline="0" noProof="0" dirty="0">
+                  <a:rPr kumimoji="0" lang="en-US" altLang="zh-CN" sz="5400" b="1" i="0" u="none" strike="noStrike" kern="1200" cap="none" spc="0" normalizeH="0" baseline="0" noProof="0" dirty="0">
                     <a:ln>
                       <a:noFill/>
                     </a:ln>
                     <a:solidFill>
-                      <a:srgbClr val="FF0000"/>
+                      <a:schemeClr val="bg1"/>
                     </a:solidFill>
                     <a:effectLst/>
                     <a:uLnTx/>
                     <a:uFillTx/>
                     <a:latin typeface="微软雅黑 Light" panose="020B0502040204020203" pitchFamily="34" charset="-122"/>
                     <a:ea typeface="微软雅黑 Light" panose="020B0502040204020203" pitchFamily="34" charset="-122"/>
-                    <a:cs typeface="+mn-cs"/>
                   </a:rPr>
-                  <a:t>P</a:t>
-                </a:r>
-                <a:r>
-                  <a:rPr kumimoji="0" lang="en-US" altLang="zh-CN" sz="5400" b="0" i="0" u="none" strike="noStrike" kern="1200" cap="none" spc="0" normalizeH="0" baseline="0" noProof="0" dirty="0">
-                    <a:ln>
-                      <a:noFill/>
-                    </a:ln>
-                    <a:solidFill>
-                      <a:prstClr val="black"/>
-                    </a:solidFill>
-                    <a:effectLst/>
-                    <a:uLnTx/>
-                    <a:uFillTx/>
-                    <a:latin typeface="微软雅黑 Light" panose="020B0502040204020203" pitchFamily="34" charset="-122"/>
-                    <a:ea typeface="微软雅黑 Light" panose="020B0502040204020203" pitchFamily="34" charset="-122"/>
-                    <a:cs typeface="+mn-cs"/>
-                  </a:rPr>
-                  <a:t>seudocode</a:t>
+                  <a:t>Pseudocode</a:t>
                 </a:r>
               </a:p>
               <a:p>
@@ -4510,52 +4952,33 @@
                   <a:defRPr/>
                 </a:pPr>
                 <a:r>
-                  <a:rPr kumimoji="0" lang="en-US" altLang="zh-CN" sz="5400" b="0" i="0" u="none" strike="noStrike" kern="1200" cap="none" spc="0" normalizeH="0" baseline="0" noProof="0" dirty="0">
+                  <a:rPr kumimoji="0" lang="en-US" altLang="zh-CN" sz="5400" b="1" i="0" u="none" strike="noStrike" kern="1200" cap="none" spc="0" normalizeH="0" baseline="0" noProof="0" dirty="0">
                     <a:ln>
                       <a:noFill/>
                     </a:ln>
                     <a:solidFill>
-                      <a:srgbClr val="FF0000"/>
+                      <a:schemeClr val="bg1"/>
                     </a:solidFill>
                     <a:effectLst/>
                     <a:uLnTx/>
                     <a:uFillTx/>
                     <a:latin typeface="微软雅黑 Light" panose="020B0502040204020203" pitchFamily="34" charset="-122"/>
                     <a:ea typeface="微软雅黑 Light" panose="020B0502040204020203" pitchFamily="34" charset="-122"/>
-                    <a:cs typeface="+mn-cs"/>
                   </a:rPr>
-                  <a:t>I</a:t>
+                  <a:t>Interpreter</a:t>
                 </a:r>
-                <a:r>
-                  <a:rPr kumimoji="0" lang="en-US" altLang="zh-CN" sz="5400" b="0" i="0" u="none" strike="noStrike" kern="1200" cap="none" spc="0" normalizeH="0" baseline="0" noProof="0" dirty="0">
-                    <a:ln>
-                      <a:noFill/>
-                    </a:ln>
-                    <a:solidFill>
-                      <a:prstClr val="black"/>
-                    </a:solidFill>
-                    <a:effectLst/>
-                    <a:uLnTx/>
-                    <a:uFillTx/>
-                    <a:latin typeface="微软雅黑 Light" panose="020B0502040204020203" pitchFamily="34" charset="-122"/>
-                    <a:ea typeface="微软雅黑 Light" panose="020B0502040204020203" pitchFamily="34" charset="-122"/>
-                    <a:cs typeface="+mn-cs"/>
-                  </a:rPr>
-                  <a:t>nterpreter</a:t>
-                </a:r>
-                <a:endParaRPr kumimoji="0" lang="zh-CN" altLang="en-US" sz="5400" b="0" i="0" u="none" strike="noStrike" kern="1200" cap="none" spc="0" normalizeH="0" baseline="0" noProof="0" dirty="0">
+                <a:endParaRPr kumimoji="0" lang="zh-CN" altLang="en-US" sz="5400" b="1" i="0" u="none" strike="noStrike" kern="1200" cap="none" spc="0" normalizeH="0" baseline="0" noProof="0" dirty="0">
                   <a:ln>
                     <a:noFill/>
                   </a:ln>
                   <a:solidFill>
-                    <a:prstClr val="black"/>
+                    <a:schemeClr val="bg1"/>
                   </a:solidFill>
                   <a:effectLst/>
                   <a:uLnTx/>
                   <a:uFillTx/>
                   <a:latin typeface="微软雅黑 Light" panose="020B0502040204020203" pitchFamily="34" charset="-122"/>
                   <a:ea typeface="微软雅黑 Light" panose="020B0502040204020203" pitchFamily="34" charset="-122"/>
-                  <a:cs typeface="+mn-cs"/>
                 </a:endParaRPr>
               </a:p>
             </p:txBody>
@@ -4592,10 +5015,7 @@
               <a:r>
                 <a:rPr lang="en-US" altLang="zh-CN" sz="3200" dirty="0">
                   <a:solidFill>
-                    <a:schemeClr val="tx1">
-                      <a:lumMod val="75000"/>
-                      <a:lumOff val="25000"/>
-                    </a:schemeClr>
+                    <a:schemeClr val="bg1"/>
                   </a:solidFill>
                   <a:latin typeface="微软雅黑 Light" panose="020B0502040204020203" pitchFamily="34" charset="-122"/>
                   <a:ea typeface="微软雅黑 Light" panose="020B0502040204020203" pitchFamily="34" charset="-122"/>
@@ -4604,10 +5024,7 @@
               </a:r>
               <a:endParaRPr lang="zh-CN" altLang="en-US" sz="3200" dirty="0">
                 <a:solidFill>
-                  <a:schemeClr val="tx1">
-                    <a:lumMod val="75000"/>
-                    <a:lumOff val="25000"/>
-                  </a:schemeClr>
+                  <a:schemeClr val="bg1"/>
                 </a:solidFill>
                 <a:latin typeface="微软雅黑 Light" panose="020B0502040204020203" pitchFamily="34" charset="-122"/>
                 <a:ea typeface="微软雅黑 Light" panose="020B0502040204020203" pitchFamily="34" charset="-122"/>
@@ -4630,8 +5047,8 @@
         </p:nvSpPr>
         <p:spPr>
           <a:xfrm>
-            <a:off x="7943382" y="1166842"/>
-            <a:ext cx="3779564" cy="4524315"/>
+            <a:off x="546435" y="4068307"/>
+            <a:ext cx="3779564" cy="1077218"/>
           </a:xfrm>
           <a:prstGeom prst="rect">
             <a:avLst/>
@@ -4647,7 +5064,7 @@
             <a:r>
               <a:rPr lang="en-US" altLang="zh-CN" sz="3200" dirty="0">
                 <a:solidFill>
-                  <a:srgbClr val="FF0000"/>
+                  <a:schemeClr val="bg1"/>
                 </a:solidFill>
                 <a:latin typeface="微软雅黑 Light" panose="020B0502040204020203" pitchFamily="34" charset="-122"/>
                 <a:ea typeface="微软雅黑 Light" panose="020B0502040204020203" pitchFamily="34" charset="-122"/>
@@ -4659,34 +5076,55 @@
             <a:r>
               <a:rPr lang="en-US" altLang="zh-CN" sz="3200" dirty="0">
                 <a:solidFill>
-                  <a:schemeClr val="tx1">
-                    <a:lumMod val="75000"/>
-                    <a:lumOff val="25000"/>
-                  </a:schemeClr>
+                  <a:schemeClr val="bg1"/>
                 </a:solidFill>
                 <a:latin typeface="微软雅黑 Light" panose="020B0502040204020203" pitchFamily="34" charset="-122"/>
                 <a:ea typeface="微软雅黑 Light" panose="020B0502040204020203" pitchFamily="34" charset="-122"/>
               </a:rPr>
               <a:t>A22 Zik</a:t>
             </a:r>
-          </a:p>
-          <a:p>
-            <a:endParaRPr lang="en-US" altLang="zh-CN" sz="3200" dirty="0">
+            <a:endParaRPr lang="zh-CN" altLang="en-US" sz="3200" dirty="0">
               <a:solidFill>
-                <a:schemeClr val="tx1">
-                  <a:lumMod val="75000"/>
-                  <a:lumOff val="25000"/>
-                </a:schemeClr>
+                <a:schemeClr val="bg1"/>
               </a:solidFill>
               <a:latin typeface="微软雅黑 Light" panose="020B0502040204020203" pitchFamily="34" charset="-122"/>
               <a:ea typeface="微软雅黑 Light" panose="020B0502040204020203" pitchFamily="34" charset="-122"/>
             </a:endParaRPr>
           </a:p>
+        </p:txBody>
+      </p:sp>
+      <p:sp>
+        <p:nvSpPr>
+          <p:cNvPr id="3" name="文本框 2">
+            <a:extLst>
+              <a:ext uri="{FF2B5EF4-FFF2-40B4-BE49-F238E27FC236}">
+                <a16:creationId xmlns:a16="http://schemas.microsoft.com/office/drawing/2014/main" id="{6C25C554-4D6D-F010-DCEF-DDF6F435F457}"/>
+              </a:ext>
+            </a:extLst>
+          </p:cNvPr>
+          <p:cNvSpPr txBox="1"/>
+          <p:nvPr/>
+        </p:nvSpPr>
+        <p:spPr>
+          <a:xfrm>
+            <a:off x="3146714" y="4068307"/>
+            <a:ext cx="3779564" cy="1077218"/>
+          </a:xfrm>
+          <a:prstGeom prst="rect">
+            <a:avLst/>
+          </a:prstGeom>
+          <a:noFill/>
+        </p:spPr>
+        <p:txBody>
+          <a:bodyPr wrap="square" rtlCol="0">
+            <a:spAutoFit/>
+          </a:bodyPr>
+          <a:lstStyle/>
           <a:p>
             <a:r>
               <a:rPr lang="en-US" altLang="zh-CN" sz="3200" dirty="0">
                 <a:solidFill>
-                  <a:srgbClr val="FF0000"/>
+                  <a:schemeClr val="bg1"/>
                 </a:solidFill>
                 <a:latin typeface="微软雅黑 Light" panose="020B0502040204020203" pitchFamily="34" charset="-122"/>
                 <a:ea typeface="微软雅黑 Light" panose="020B0502040204020203" pitchFamily="34" charset="-122"/>
@@ -4698,10 +5136,7 @@
             <a:r>
               <a:rPr lang="en-US" altLang="zh-CN" sz="3200" dirty="0">
                 <a:solidFill>
-                  <a:schemeClr val="tx1">
-                    <a:lumMod val="75000"/>
-                    <a:lumOff val="25000"/>
-                  </a:schemeClr>
+                  <a:schemeClr val="bg1"/>
                 </a:solidFill>
                 <a:latin typeface="微软雅黑 Light" panose="020B0502040204020203" pitchFamily="34" charset="-122"/>
                 <a:ea typeface="微软雅黑 Light" panose="020B0502040204020203" pitchFamily="34" charset="-122"/>
@@ -4711,10 +5146,7 @@
             <a:r>
               <a:rPr lang="en-US" altLang="zh-CN" sz="3200" baseline="30000" dirty="0">
                 <a:solidFill>
-                  <a:schemeClr val="tx1">
-                    <a:lumMod val="75000"/>
-                    <a:lumOff val="25000"/>
-                  </a:schemeClr>
+                  <a:schemeClr val="bg1"/>
                 </a:solidFill>
                 <a:latin typeface="微软雅黑 Light" panose="020B0502040204020203" pitchFamily="34" charset="-122"/>
                 <a:ea typeface="微软雅黑 Light" panose="020B0502040204020203" pitchFamily="34" charset="-122"/>
@@ -4724,10 +5156,7 @@
             <a:r>
               <a:rPr lang="en-US" altLang="zh-CN" sz="3200" dirty="0">
                 <a:solidFill>
-                  <a:schemeClr val="tx1">
-                    <a:lumMod val="75000"/>
-                    <a:lumOff val="25000"/>
-                  </a:schemeClr>
+                  <a:schemeClr val="bg1"/>
                 </a:solidFill>
                 <a:latin typeface="微软雅黑 Light" panose="020B0502040204020203" pitchFamily="34" charset="-122"/>
                 <a:ea typeface="微软雅黑 Light" panose="020B0502040204020203" pitchFamily="34" charset="-122"/>
@@ -4735,23 +5164,40 @@
               <a:t> June (Thursday)</a:t>
             </a:r>
           </a:p>
-          <a:p>
-            <a:endParaRPr lang="en-US" altLang="zh-CN" sz="3200" dirty="0">
-              <a:solidFill>
-                <a:schemeClr val="tx1">
-                  <a:lumMod val="75000"/>
-                  <a:lumOff val="25000"/>
-                </a:schemeClr>
-              </a:solidFill>
-              <a:latin typeface="微软雅黑 Light" panose="020B0502040204020203" pitchFamily="34" charset="-122"/>
-              <a:ea typeface="微软雅黑 Light" panose="020B0502040204020203" pitchFamily="34" charset="-122"/>
-            </a:endParaRPr>
-          </a:p>
+        </p:txBody>
+      </p:sp>
+      <p:sp>
+        <p:nvSpPr>
+          <p:cNvPr id="6" name="文本框 5">
+            <a:extLst>
+              <a:ext uri="{FF2B5EF4-FFF2-40B4-BE49-F238E27FC236}">
+                <a16:creationId xmlns:a16="http://schemas.microsoft.com/office/drawing/2014/main" id="{B398F254-4BC2-81CE-647C-3CDF20396586}"/>
+              </a:ext>
+            </a:extLst>
+          </p:cNvPr>
+          <p:cNvSpPr txBox="1"/>
+          <p:nvPr/>
+        </p:nvSpPr>
+        <p:spPr>
+          <a:xfrm>
+            <a:off x="546435" y="5296815"/>
+            <a:ext cx="5892690" cy="1077218"/>
+          </a:xfrm>
+          <a:prstGeom prst="rect">
+            <a:avLst/>
+          </a:prstGeom>
+          <a:noFill/>
+        </p:spPr>
+        <p:txBody>
+          <a:bodyPr wrap="square" rtlCol="0">
+            <a:spAutoFit/>
+          </a:bodyPr>
+          <a:lstStyle/>
           <a:p>
             <a:r>
               <a:rPr lang="en-US" altLang="zh-CN" sz="3200" dirty="0">
                 <a:solidFill>
-                  <a:srgbClr val="FF0000"/>
+                  <a:schemeClr val="bg1"/>
                 </a:solidFill>
                 <a:latin typeface="微软雅黑 Light" panose="020B0502040204020203" pitchFamily="34" charset="-122"/>
                 <a:ea typeface="微软雅黑 Light" panose="020B0502040204020203" pitchFamily="34" charset="-122"/>
@@ -4763,10 +5209,7 @@
             <a:r>
               <a:rPr lang="en-US" altLang="zh-CN" sz="3200" dirty="0">
                 <a:solidFill>
-                  <a:schemeClr val="tx1">
-                    <a:lumMod val="75000"/>
-                    <a:lumOff val="25000"/>
-                  </a:schemeClr>
+                  <a:schemeClr val="bg1"/>
                 </a:solidFill>
                 <a:latin typeface="微软雅黑 Light" panose="020B0502040204020203" pitchFamily="34" charset="-122"/>
                 <a:ea typeface="微软雅黑 Light" panose="020B0502040204020203" pitchFamily="34" charset="-122"/>
@@ -4775,10 +5218,7 @@
             </a:r>
             <a:endParaRPr lang="zh-CN" altLang="en-US" sz="3200" dirty="0">
               <a:solidFill>
-                <a:schemeClr val="tx1">
-                  <a:lumMod val="75000"/>
-                  <a:lumOff val="25000"/>
-                </a:schemeClr>
+                <a:schemeClr val="bg1"/>
               </a:solidFill>
               <a:latin typeface="微软雅黑 Light" panose="020B0502040204020203" pitchFamily="34" charset="-122"/>
               <a:ea typeface="微软雅黑 Light" panose="020B0502040204020203" pitchFamily="34" charset="-122"/>
@@ -4786,6 +5226,44 @@
           </a:p>
         </p:txBody>
       </p:sp>
+      <p:pic>
+        <p:nvPicPr>
+          <p:cNvPr id="9" name="图片 8" descr="穿着白色衣服的男人&#10;&#10;描述已自动生成">
+            <a:extLst>
+              <a:ext uri="{FF2B5EF4-FFF2-40B4-BE49-F238E27FC236}">
+                <a16:creationId xmlns:a16="http://schemas.microsoft.com/office/drawing/2014/main" id="{304555BE-D193-2FE1-7F61-90715DCD2309}"/>
+              </a:ext>
+            </a:extLst>
+          </p:cNvPr>
+          <p:cNvPicPr>
+            <a:picLocks noChangeAspect="1"/>
+          </p:cNvPicPr>
+          <p:nvPr/>
+        </p:nvPicPr>
+        <p:blipFill>
+          <a:blip r:embed="rId4">
+            <a:alphaModFix/>
+            <a:extLst>
+              <a:ext uri="{28A0092B-C50C-407E-A947-70E740481C1C}">
+                <a14:useLocalDpi xmlns:a14="http://schemas.microsoft.com/office/drawing/2010/main" val="0"/>
+              </a:ext>
+            </a:extLst>
+          </a:blip>
+          <a:stretch>
+            <a:fillRect/>
+          </a:stretch>
+        </p:blipFill>
+        <p:spPr>
+          <a:xfrm>
+            <a:off x="7619578" y="0"/>
+            <a:ext cx="4572422" cy="6858000"/>
+          </a:xfrm>
+          <a:prstGeom prst="rect">
+            <a:avLst/>
+          </a:prstGeom>
+          <a:effectLst/>
+        </p:spPr>
+      </p:pic>
     </p:spTree>
     <p:extLst>
       <p:ext uri="{BB962C8B-B14F-4D97-AF65-F5344CB8AC3E}">
@@ -5092,4 +5570,299 @@
     </a:ext>
   </a:extLst>
 </a:theme>
+</file>
+
+<file path=ppt/theme/theme2.xml><?xml version="1.0" encoding="utf-8"?>
+<a:theme xmlns:a="http://schemas.openxmlformats.org/drawingml/2006/main" name="Office 主题​​">
+  <a:themeElements>
+    <a:clrScheme name="Office">
+      <a:dk1>
+        <a:sysClr val="windowText" lastClr="000000"/>
+      </a:dk1>
+      <a:lt1>
+        <a:sysClr val="window" lastClr="FFFFFF"/>
+      </a:lt1>
+      <a:dk2>
+        <a:srgbClr val="44546A"/>
+      </a:dk2>
+      <a:lt2>
+        <a:srgbClr val="E7E6E6"/>
+      </a:lt2>
+      <a:accent1>
+        <a:srgbClr val="4472C4"/>
+      </a:accent1>
+      <a:accent2>
+        <a:srgbClr val="ED7D31"/>
+      </a:accent2>
+      <a:accent3>
+        <a:srgbClr val="A5A5A5"/>
+      </a:accent3>
+      <a:accent4>
+        <a:srgbClr val="FFC000"/>
+      </a:accent4>
+      <a:accent5>
+        <a:srgbClr val="5B9BD5"/>
+      </a:accent5>
+      <a:accent6>
+        <a:srgbClr val="70AD47"/>
+      </a:accent6>
+      <a:hlink>
+        <a:srgbClr val="0563C1"/>
+      </a:hlink>
+      <a:folHlink>
+        <a:srgbClr val="954F72"/>
+      </a:folHlink>
+    </a:clrScheme>
+    <a:fontScheme name="Office">
+      <a:majorFont>
+        <a:latin typeface="等线 Light" panose="020F0302020204030204"/>
+        <a:ea typeface=""/>
+        <a:cs typeface=""/>
+        <a:font script="Jpan" typeface="游ゴシック Light"/>
+        <a:font script="Hang" typeface="맑은 고딕"/>
+        <a:font script="Hans" typeface="等线 Light"/>
+        <a:font script="Hant" typeface="新細明體"/>
+        <a:font script="Arab" typeface="Times New Roman"/>
+        <a:font script="Hebr" typeface="Times New Roman"/>
+        <a:font script="Thai" typeface="Angsana New"/>
+        <a:font script="Ethi" typeface="Nyala"/>
+        <a:font script="Beng" typeface="Vrinda"/>
+        <a:font script="Gujr" typeface="Shruti"/>
+        <a:font script="Khmr" typeface="MoolBoran"/>
+        <a:font script="Knda" typeface="Tunga"/>
+        <a:font script="Guru" typeface="Raavi"/>
+        <a:font script="Cans" typeface="Euphemia"/>
+        <a:font script="Cher" typeface="Plantagenet Cherokee"/>
+        <a:font script="Yiii" typeface="Microsoft Yi Baiti"/>
+        <a:font script="Tibt" typeface="Microsoft Himalaya"/>
+        <a:font script="Thaa" typeface="MV Boli"/>
+        <a:font script="Deva" typeface="Mangal"/>
+        <a:font script="Telu" typeface="Gautami"/>
+        <a:font script="Taml" typeface="Latha"/>
+        <a:font script="Syrc" typeface="Estrangelo Edessa"/>
+        <a:font script="Orya" typeface="Kalinga"/>
+        <a:font script="Mlym" typeface="Kartika"/>
+        <a:font script="Laoo" typeface="DokChampa"/>
+        <a:font script="Sinh" typeface="Iskoola Pota"/>
+        <a:font script="Mong" typeface="Mongolian Baiti"/>
+        <a:font script="Viet" typeface="Times New Roman"/>
+        <a:font script="Uigh" typeface="Microsoft Uighur"/>
+        <a:font script="Geor" typeface="Sylfaen"/>
+        <a:font script="Armn" typeface="Arial"/>
+        <a:font script="Bugi" typeface="Leelawadee UI"/>
+        <a:font script="Bopo" typeface="Microsoft JhengHei"/>
+        <a:font script="Java" typeface="Javanese Text"/>
+        <a:font script="Lisu" typeface="Segoe UI"/>
+        <a:font script="Mymr" typeface="Myanmar Text"/>
+        <a:font script="Nkoo" typeface="Ebrima"/>
+        <a:font script="Olck" typeface="Nirmala UI"/>
+        <a:font script="Osma" typeface="Ebrima"/>
+        <a:font script="Phag" typeface="Phagspa"/>
+        <a:font script="Syrn" typeface="Estrangelo Edessa"/>
+        <a:font script="Syrj" typeface="Estrangelo Edessa"/>
+        <a:font script="Syre" typeface="Estrangelo Edessa"/>
+        <a:font script="Sora" typeface="Nirmala UI"/>
+        <a:font script="Tale" typeface="Microsoft Tai Le"/>
+        <a:font script="Talu" typeface="Microsoft New Tai Lue"/>
+        <a:font script="Tfng" typeface="Ebrima"/>
+      </a:majorFont>
+      <a:minorFont>
+        <a:latin typeface="等线" panose="020F0502020204030204"/>
+        <a:ea typeface=""/>
+        <a:cs typeface=""/>
+        <a:font script="Jpan" typeface="游ゴシック"/>
+        <a:font script="Hang" typeface="맑은 고딕"/>
+        <a:font script="Hans" typeface="等线"/>
+        <a:font script="Hant" typeface="新細明體"/>
+        <a:font script="Arab" typeface="Arial"/>
+        <a:font script="Hebr" typeface="Arial"/>
+        <a:font script="Thai" typeface="Cordia New"/>
+        <a:font script="Ethi" typeface="Nyala"/>
+        <a:font script="Beng" typeface="Vrinda"/>
+        <a:font script="Gujr" typeface="Shruti"/>
+        <a:font script="Khmr" typeface="DaunPenh"/>
+        <a:font script="Knda" typeface="Tunga"/>
+        <a:font script="Guru" typeface="Raavi"/>
+        <a:font script="Cans" typeface="Euphemia"/>
+        <a:font script="Cher" typeface="Plantagenet Cherokee"/>
+        <a:font script="Yiii" typeface="Microsoft Yi Baiti"/>
+        <a:font script="Tibt" typeface="Microsoft Himalaya"/>
+        <a:font script="Thaa" typeface="MV Boli"/>
+        <a:font script="Deva" typeface="Mangal"/>
+        <a:font script="Telu" typeface="Gautami"/>
+        <a:font script="Taml" typeface="Latha"/>
+        <a:font script="Syrc" typeface="Estrangelo Edessa"/>
+        <a:font script="Orya" typeface="Kalinga"/>
+        <a:font script="Mlym" typeface="Kartika"/>
+        <a:font script="Laoo" typeface="DokChampa"/>
+        <a:font script="Sinh" typeface="Iskoola Pota"/>
+        <a:font script="Mong" typeface="Mongolian Baiti"/>
+        <a:font script="Viet" typeface="Arial"/>
+        <a:font script="Uigh" typeface="Microsoft Uighur"/>
+        <a:font script="Geor" typeface="Sylfaen"/>
+        <a:font script="Armn" typeface="Arial"/>
+        <a:font script="Bugi" typeface="Leelawadee UI"/>
+        <a:font script="Bopo" typeface="Microsoft JhengHei"/>
+        <a:font script="Java" typeface="Javanese Text"/>
+        <a:font script="Lisu" typeface="Segoe UI"/>
+        <a:font script="Mymr" typeface="Myanmar Text"/>
+        <a:font script="Nkoo" typeface="Ebrima"/>
+        <a:font script="Olck" typeface="Nirmala UI"/>
+        <a:font script="Osma" typeface="Ebrima"/>
+        <a:font script="Phag" typeface="Phagspa"/>
+        <a:font script="Syrn" typeface="Estrangelo Edessa"/>
+        <a:font script="Syrj" typeface="Estrangelo Edessa"/>
+        <a:font script="Syre" typeface="Estrangelo Edessa"/>
+        <a:font script="Sora" typeface="Nirmala UI"/>
+        <a:font script="Tale" typeface="Microsoft Tai Le"/>
+        <a:font script="Talu" typeface="Microsoft New Tai Lue"/>
+        <a:font script="Tfng" typeface="Ebrima"/>
+      </a:minorFont>
+    </a:fontScheme>
+    <a:fmtScheme name="Office">
+      <a:fillStyleLst>
+        <a:solidFill>
+          <a:schemeClr val="phClr"/>
+        </a:solidFill>
+        <a:gradFill rotWithShape="1">
+          <a:gsLst>
+            <a:gs pos="0">
+              <a:schemeClr val="phClr">
+                <a:lumMod val="110000"/>
+                <a:satMod val="105000"/>
+                <a:tint val="67000"/>
+              </a:schemeClr>
+            </a:gs>
+            <a:gs pos="50000">
+              <a:schemeClr val="phClr">
+                <a:lumMod val="105000"/>
+                <a:satMod val="103000"/>
+                <a:tint val="73000"/>
+              </a:schemeClr>
+            </a:gs>
+            <a:gs pos="100000">
+              <a:schemeClr val="phClr">
+                <a:lumMod val="105000"/>
+                <a:satMod val="109000"/>
+                <a:tint val="81000"/>
+              </a:schemeClr>
+            </a:gs>
+          </a:gsLst>
+          <a:lin ang="5400000" scaled="0"/>
+        </a:gradFill>
+        <a:gradFill rotWithShape="1">
+          <a:gsLst>
+            <a:gs pos="0">
+              <a:schemeClr val="phClr">
+                <a:satMod val="103000"/>
+                <a:lumMod val="102000"/>
+                <a:tint val="94000"/>
+              </a:schemeClr>
+            </a:gs>
+            <a:gs pos="50000">
+              <a:schemeClr val="phClr">
+                <a:satMod val="110000"/>
+                <a:lumMod val="100000"/>
+                <a:shade val="100000"/>
+              </a:schemeClr>
+            </a:gs>
+            <a:gs pos="100000">
+              <a:schemeClr val="phClr">
+                <a:lumMod val="99000"/>
+                <a:satMod val="120000"/>
+                <a:shade val="78000"/>
+              </a:schemeClr>
+            </a:gs>
+          </a:gsLst>
+          <a:lin ang="5400000" scaled="0"/>
+        </a:gradFill>
+      </a:fillStyleLst>
+      <a:lnStyleLst>
+        <a:ln w="6350" cap="flat" cmpd="sng" algn="ctr">
+          <a:solidFill>
+            <a:schemeClr val="phClr"/>
+          </a:solidFill>
+          <a:prstDash val="solid"/>
+          <a:miter lim="800000"/>
+        </a:ln>
+        <a:ln w="12700" cap="flat" cmpd="sng" algn="ctr">
+          <a:solidFill>
+            <a:schemeClr val="phClr"/>
+          </a:solidFill>
+          <a:prstDash val="solid"/>
+          <a:miter lim="800000"/>
+        </a:ln>
+        <a:ln w="19050" cap="flat" cmpd="sng" algn="ctr">
+          <a:solidFill>
+            <a:schemeClr val="phClr"/>
+          </a:solidFill>
+          <a:prstDash val="solid"/>
+          <a:miter lim="800000"/>
+        </a:ln>
+      </a:lnStyleLst>
+      <a:effectStyleLst>
+        <a:effectStyle>
+          <a:effectLst/>
+        </a:effectStyle>
+        <a:effectStyle>
+          <a:effectLst/>
+        </a:effectStyle>
+        <a:effectStyle>
+          <a:effectLst>
+            <a:outerShdw blurRad="57150" dist="19050" dir="5400000" algn="ctr" rotWithShape="0">
+              <a:srgbClr val="000000">
+                <a:alpha val="63000"/>
+              </a:srgbClr>
+            </a:outerShdw>
+          </a:effectLst>
+        </a:effectStyle>
+      </a:effectStyleLst>
+      <a:bgFillStyleLst>
+        <a:solidFill>
+          <a:schemeClr val="phClr"/>
+        </a:solidFill>
+        <a:solidFill>
+          <a:schemeClr val="phClr">
+            <a:tint val="95000"/>
+            <a:satMod val="170000"/>
+          </a:schemeClr>
+        </a:solidFill>
+        <a:gradFill rotWithShape="1">
+          <a:gsLst>
+            <a:gs pos="0">
+              <a:schemeClr val="phClr">
+                <a:tint val="93000"/>
+                <a:satMod val="150000"/>
+                <a:shade val="98000"/>
+                <a:lumMod val="102000"/>
+              </a:schemeClr>
+            </a:gs>
+            <a:gs pos="50000">
+              <a:schemeClr val="phClr">
+                <a:tint val="98000"/>
+                <a:satMod val="130000"/>
+                <a:shade val="90000"/>
+                <a:lumMod val="103000"/>
+              </a:schemeClr>
+            </a:gs>
+            <a:gs pos="100000">
+              <a:schemeClr val="phClr">
+                <a:shade val="63000"/>
+                <a:satMod val="120000"/>
+              </a:schemeClr>
+            </a:gs>
+          </a:gsLst>
+          <a:lin ang="5400000" scaled="0"/>
+        </a:gradFill>
+      </a:bgFillStyleLst>
+    </a:fmtScheme>
+  </a:themeElements>
+  <a:objectDefaults/>
+  <a:extraClrSchemeLst/>
+  <a:extLst>
+    <a:ext uri="{05A4C25C-085E-4340-85A3-A5531E510DB2}">
+      <thm15:themeFamily xmlns:thm15="http://schemas.microsoft.com/office/thememl/2012/main" name="Office Theme" id="{62F939B6-93AF-4DB8-9C6B-D6C7DFDC589F}" vid="{4A3C46E8-61CC-4603-A589-7422A47A8E4A}"/>
+    </a:ext>
+  </a:extLst>
+</a:theme>
 </file>
--- a/开发相关文档.pptx
+++ b/开发相关文档.pptx
@@ -5,12 +5,13 @@
     <p:sldMasterId id="2147483648" r:id="rId1"/>
   </p:sldMasterIdLst>
   <p:notesMasterIdLst>
-    <p:notesMasterId r:id="rId5"/>
+    <p:notesMasterId r:id="rId6"/>
   </p:notesMasterIdLst>
   <p:sldIdLst>
     <p:sldId id="256" r:id="rId2"/>
     <p:sldId id="257" r:id="rId3"/>
     <p:sldId id="258" r:id="rId4"/>
+    <p:sldId id="259" r:id="rId5"/>
   </p:sldIdLst>
   <p:sldSz cx="12192000" cy="6858000"/>
   <p:notesSz cx="6858000" cy="9144000"/>
@@ -120,7 +121,7 @@
 <file path=ppt/revisionInfo.xml><?xml version="1.0" encoding="utf-8"?>
 <p1510:revInfo xmlns:a="http://schemas.openxmlformats.org/drawingml/2006/main" xmlns:r="http://schemas.openxmlformats.org/officeDocument/2006/relationships" xmlns:p1510="http://schemas.microsoft.com/office/powerpoint/2015/10/main">
   <p1510:revLst>
-    <p1510:client id="{54D8F212-525F-4A08-AFA3-A94259C05EBD}" v="21" dt="2023-05-05T09:55:28.661"/>
+    <p1510:client id="{54D8F212-525F-4A08-AFA3-A94259C05EBD}" v="39" dt="2023-05-12T06:46:33.332"/>
   </p1510:revLst>
 </p1510:revInfo>
 </file>
@@ -130,7 +131,7 @@
   <pc:docChgLst>
     <pc:chgData name="赵 柘楷" userId="dac37f91-8d7e-4e9e-af67-31d1ff408659" providerId="ADAL" clId="{54D8F212-525F-4A08-AFA3-A94259C05EBD}"/>
     <pc:docChg chg="undo custSel addSld delSld modSld">
-      <pc:chgData name="赵 柘楷" userId="dac37f91-8d7e-4e9e-af67-31d1ff408659" providerId="ADAL" clId="{54D8F212-525F-4A08-AFA3-A94259C05EBD}" dt="2023-05-05T10:16:23.864" v="454" actId="29295"/>
+      <pc:chgData name="赵 柘楷" userId="dac37f91-8d7e-4e9e-af67-31d1ff408659" providerId="ADAL" clId="{54D8F212-525F-4A08-AFA3-A94259C05EBD}" dt="2023-05-12T07:36:55.891" v="544" actId="47"/>
       <pc:docMkLst>
         <pc:docMk/>
       </pc:docMkLst>
@@ -187,7 +188,7 @@
         </pc:sldMkLst>
       </pc:sldChg>
       <pc:sldChg chg="addSp delSp modSp add mod setBg">
-        <pc:chgData name="赵 柘楷" userId="dac37f91-8d7e-4e9e-af67-31d1ff408659" providerId="ADAL" clId="{54D8F212-525F-4A08-AFA3-A94259C05EBD}" dt="2023-05-05T10:16:23.864" v="454" actId="29295"/>
+        <pc:chgData name="赵 柘楷" userId="dac37f91-8d7e-4e9e-af67-31d1ff408659" providerId="ADAL" clId="{54D8F212-525F-4A08-AFA3-A94259C05EBD}" dt="2023-05-12T06:40:38.257" v="510"/>
         <pc:sldMkLst>
           <pc:docMk/>
           <pc:sldMk cId="456294878" sldId="258"/>
@@ -280,8 +281,16 @@
             <ac:grpSpMk id="14" creationId="{CFB24489-5300-69E3-F669-5B9D13DA49E5}"/>
           </ac:grpSpMkLst>
         </pc:grpChg>
+        <pc:picChg chg="add del">
+          <ac:chgData name="赵 柘楷" userId="dac37f91-8d7e-4e9e-af67-31d1ff408659" providerId="ADAL" clId="{54D8F212-525F-4A08-AFA3-A94259C05EBD}" dt="2023-05-12T06:40:38.257" v="510"/>
+          <ac:picMkLst>
+            <pc:docMk/>
+            <pc:sldMk cId="456294878" sldId="258"/>
+            <ac:picMk id="7" creationId="{D0DFBA2F-C4F9-D0F9-31DA-336A5A00E2C5}"/>
+          </ac:picMkLst>
+        </pc:picChg>
         <pc:picChg chg="add mod">
-          <ac:chgData name="赵 柘楷" userId="dac37f91-8d7e-4e9e-af67-31d1ff408659" providerId="ADAL" clId="{54D8F212-525F-4A08-AFA3-A94259C05EBD}" dt="2023-05-05T10:16:23.864" v="454" actId="29295"/>
+          <ac:chgData name="赵 柘楷" userId="dac37f91-8d7e-4e9e-af67-31d1ff408659" providerId="ADAL" clId="{54D8F212-525F-4A08-AFA3-A94259C05EBD}" dt="2023-05-12T06:12:23.036" v="465" actId="1076"/>
           <ac:picMkLst>
             <pc:docMk/>
             <pc:sldMk cId="456294878" sldId="258"/>
@@ -302,6 +311,225 @@
         <pc:sldMkLst>
           <pc:docMk/>
           <pc:sldMk cId="3235983508" sldId="258"/>
+        </pc:sldMkLst>
+      </pc:sldChg>
+      <pc:sldChg chg="addSp delSp modSp add mod">
+        <pc:chgData name="赵 柘楷" userId="dac37f91-8d7e-4e9e-af67-31d1ff408659" providerId="ADAL" clId="{54D8F212-525F-4A08-AFA3-A94259C05EBD}" dt="2023-05-12T06:46:33.331" v="542" actId="165"/>
+        <pc:sldMkLst>
+          <pc:docMk/>
+          <pc:sldMk cId="677716654" sldId="259"/>
+        </pc:sldMkLst>
+        <pc:spChg chg="mod topLvl">
+          <ac:chgData name="赵 柘楷" userId="dac37f91-8d7e-4e9e-af67-31d1ff408659" providerId="ADAL" clId="{54D8F212-525F-4A08-AFA3-A94259C05EBD}" dt="2023-05-12T06:46:21.155" v="540" actId="165"/>
+          <ac:spMkLst>
+            <pc:docMk/>
+            <pc:sldMk cId="677716654" sldId="259"/>
+            <ac:spMk id="2" creationId="{9826F35A-D9CB-7762-8632-DB41DB84C8E3}"/>
+          </ac:spMkLst>
+        </pc:spChg>
+        <pc:spChg chg="mod topLvl">
+          <ac:chgData name="赵 柘楷" userId="dac37f91-8d7e-4e9e-af67-31d1ff408659" providerId="ADAL" clId="{54D8F212-525F-4A08-AFA3-A94259C05EBD}" dt="2023-05-12T06:46:33.331" v="542" actId="165"/>
+          <ac:spMkLst>
+            <pc:docMk/>
+            <pc:sldMk cId="677716654" sldId="259"/>
+            <ac:spMk id="3" creationId="{6C25C554-4D6D-F010-DCEF-DDF6F435F457}"/>
+          </ac:spMkLst>
+        </pc:spChg>
+        <pc:spChg chg="mod topLvl">
+          <ac:chgData name="赵 柘楷" userId="dac37f91-8d7e-4e9e-af67-31d1ff408659" providerId="ADAL" clId="{54D8F212-525F-4A08-AFA3-A94259C05EBD}" dt="2023-05-12T06:46:33.331" v="542" actId="165"/>
+          <ac:spMkLst>
+            <pc:docMk/>
+            <pc:sldMk cId="677716654" sldId="259"/>
+            <ac:spMk id="5" creationId="{F185A681-09BC-236A-1C54-43A4E142B957}"/>
+          </ac:spMkLst>
+        </pc:spChg>
+        <pc:spChg chg="mod topLvl">
+          <ac:chgData name="赵 柘楷" userId="dac37f91-8d7e-4e9e-af67-31d1ff408659" providerId="ADAL" clId="{54D8F212-525F-4A08-AFA3-A94259C05EBD}" dt="2023-05-12T06:46:33.331" v="542" actId="165"/>
+          <ac:spMkLst>
+            <pc:docMk/>
+            <pc:sldMk cId="677716654" sldId="259"/>
+            <ac:spMk id="6" creationId="{B398F254-4BC2-81CE-647C-3CDF20396586}"/>
+          </ac:spMkLst>
+        </pc:spChg>
+        <pc:spChg chg="mod topLvl">
+          <ac:chgData name="赵 柘楷" userId="dac37f91-8d7e-4e9e-af67-31d1ff408659" providerId="ADAL" clId="{54D8F212-525F-4A08-AFA3-A94259C05EBD}" dt="2023-05-12T06:46:26.540" v="541" actId="165"/>
+          <ac:spMkLst>
+            <pc:docMk/>
+            <pc:sldMk cId="677716654" sldId="259"/>
+            <ac:spMk id="8" creationId="{C04EF757-5938-73F9-6E38-A648015B7730}"/>
+          </ac:spMkLst>
+        </pc:spChg>
+        <pc:grpChg chg="del mod">
+          <ac:chgData name="赵 柘楷" userId="dac37f91-8d7e-4e9e-af67-31d1ff408659" providerId="ADAL" clId="{54D8F212-525F-4A08-AFA3-A94259C05EBD}" dt="2023-05-12T06:46:21.155" v="540" actId="165"/>
+          <ac:grpSpMkLst>
+            <pc:docMk/>
+            <pc:sldMk cId="677716654" sldId="259"/>
+            <ac:grpSpMk id="4" creationId="{B066532D-BECE-0DC9-7BAF-A87DB555866B}"/>
+          </ac:grpSpMkLst>
+        </pc:grpChg>
+        <pc:grpChg chg="add del mod">
+          <ac:chgData name="赵 柘楷" userId="dac37f91-8d7e-4e9e-af67-31d1ff408659" providerId="ADAL" clId="{54D8F212-525F-4A08-AFA3-A94259C05EBD}" dt="2023-05-12T06:46:33.331" v="542" actId="165"/>
+          <ac:grpSpMkLst>
+            <pc:docMk/>
+            <pc:sldMk cId="677716654" sldId="259"/>
+            <ac:grpSpMk id="7" creationId="{A48A095C-5F39-6ABF-11D1-811BBD8053B2}"/>
+          </ac:grpSpMkLst>
+        </pc:grpChg>
+        <pc:grpChg chg="del mod topLvl">
+          <ac:chgData name="赵 柘楷" userId="dac37f91-8d7e-4e9e-af67-31d1ff408659" providerId="ADAL" clId="{54D8F212-525F-4A08-AFA3-A94259C05EBD}" dt="2023-05-12T06:46:26.540" v="541" actId="165"/>
+          <ac:grpSpMkLst>
+            <pc:docMk/>
+            <pc:sldMk cId="677716654" sldId="259"/>
+            <ac:grpSpMk id="14" creationId="{CFB24489-5300-69E3-F669-5B9D13DA49E5}"/>
+          </ac:grpSpMkLst>
+        </pc:grpChg>
+        <pc:picChg chg="del">
+          <ac:chgData name="赵 柘楷" userId="dac37f91-8d7e-4e9e-af67-31d1ff408659" providerId="ADAL" clId="{54D8F212-525F-4A08-AFA3-A94259C05EBD}" dt="2023-05-12T06:40:43.221" v="514" actId="478"/>
+          <ac:picMkLst>
+            <pc:docMk/>
+            <pc:sldMk cId="677716654" sldId="259"/>
+            <ac:picMk id="9" creationId="{304555BE-D193-2FE1-7F61-90715DCD2309}"/>
+          </ac:picMkLst>
+        </pc:picChg>
+        <pc:picChg chg="mod topLvl">
+          <ac:chgData name="赵 柘楷" userId="dac37f91-8d7e-4e9e-af67-31d1ff408659" providerId="ADAL" clId="{54D8F212-525F-4A08-AFA3-A94259C05EBD}" dt="2023-05-12T06:46:26.540" v="541" actId="165"/>
+          <ac:picMkLst>
+            <pc:docMk/>
+            <pc:sldMk cId="677716654" sldId="259"/>
+            <ac:picMk id="13" creationId="{AB553BBC-8AD6-F74D-EC32-30E7D3CAF8CD}"/>
+          </ac:picMkLst>
+        </pc:picChg>
+      </pc:sldChg>
+      <pc:sldChg chg="add del setBg">
+        <pc:chgData name="赵 柘楷" userId="dac37f91-8d7e-4e9e-af67-31d1ff408659" providerId="ADAL" clId="{54D8F212-525F-4A08-AFA3-A94259C05EBD}" dt="2023-05-12T06:40:36.109" v="508"/>
+        <pc:sldMkLst>
+          <pc:docMk/>
+          <pc:sldMk cId="927528401" sldId="259"/>
+        </pc:sldMkLst>
+      </pc:sldChg>
+      <pc:sldChg chg="add del setBg">
+        <pc:chgData name="赵 柘楷" userId="dac37f91-8d7e-4e9e-af67-31d1ff408659" providerId="ADAL" clId="{54D8F212-525F-4A08-AFA3-A94259C05EBD}" dt="2023-05-12T06:40:41.933" v="512"/>
+        <pc:sldMkLst>
+          <pc:docMk/>
+          <pc:sldMk cId="4175721266" sldId="259"/>
+        </pc:sldMkLst>
+      </pc:sldChg>
+      <pc:sldChg chg="addSp delSp modSp new del mod">
+        <pc:chgData name="赵 柘楷" userId="dac37f91-8d7e-4e9e-af67-31d1ff408659" providerId="ADAL" clId="{54D8F212-525F-4A08-AFA3-A94259C05EBD}" dt="2023-05-12T06:40:31.632" v="506" actId="47"/>
+        <pc:sldMkLst>
+          <pc:docMk/>
+          <pc:sldMk cId="4204708844" sldId="259"/>
+        </pc:sldMkLst>
+        <pc:spChg chg="mod">
+          <ac:chgData name="赵 柘楷" userId="dac37f91-8d7e-4e9e-af67-31d1ff408659" providerId="ADAL" clId="{54D8F212-525F-4A08-AFA3-A94259C05EBD}" dt="2023-05-12T06:13:57.775" v="493" actId="27636"/>
+          <ac:spMkLst>
+            <pc:docMk/>
+            <pc:sldMk cId="4204708844" sldId="259"/>
+            <ac:spMk id="2" creationId="{83AD54EE-D6BD-0501-7E00-52864849BDBD}"/>
+          </ac:spMkLst>
+        </pc:spChg>
+        <pc:spChg chg="mod">
+          <ac:chgData name="赵 柘楷" userId="dac37f91-8d7e-4e9e-af67-31d1ff408659" providerId="ADAL" clId="{54D8F212-525F-4A08-AFA3-A94259C05EBD}" dt="2023-05-12T06:14:10.613" v="499"/>
+          <ac:spMkLst>
+            <pc:docMk/>
+            <pc:sldMk cId="4204708844" sldId="259"/>
+            <ac:spMk id="3" creationId="{6C6864DF-0A4F-9499-9491-F07154FFCA2C}"/>
+          </ac:spMkLst>
+        </pc:spChg>
+        <pc:spChg chg="mod">
+          <ac:chgData name="赵 柘楷" userId="dac37f91-8d7e-4e9e-af67-31d1ff408659" providerId="ADAL" clId="{54D8F212-525F-4A08-AFA3-A94259C05EBD}" dt="2023-05-12T06:13:15.379" v="482" actId="207"/>
+          <ac:spMkLst>
+            <pc:docMk/>
+            <pc:sldMk cId="4204708844" sldId="259"/>
+            <ac:spMk id="8" creationId="{6F043262-358C-DDB4-65F3-B390CF96785E}"/>
+          </ac:spMkLst>
+        </pc:spChg>
+        <pc:spChg chg="del mod">
+          <ac:chgData name="赵 柘楷" userId="dac37f91-8d7e-4e9e-af67-31d1ff408659" providerId="ADAL" clId="{54D8F212-525F-4A08-AFA3-A94259C05EBD}" dt="2023-05-12T06:13:22.781" v="485" actId="478"/>
+          <ac:spMkLst>
+            <pc:docMk/>
+            <pc:sldMk cId="4204708844" sldId="259"/>
+            <ac:spMk id="9" creationId="{0388229D-970D-D47C-352D-FC5C01CA86F6}"/>
+          </ac:spMkLst>
+        </pc:spChg>
+        <pc:spChg chg="del mod">
+          <ac:chgData name="赵 柘楷" userId="dac37f91-8d7e-4e9e-af67-31d1ff408659" providerId="ADAL" clId="{54D8F212-525F-4A08-AFA3-A94259C05EBD}" dt="2023-05-12T06:13:25.384" v="487" actId="478"/>
+          <ac:spMkLst>
+            <pc:docMk/>
+            <pc:sldMk cId="4204708844" sldId="259"/>
+            <ac:spMk id="10" creationId="{B956A31F-6175-F39A-CFB4-4ABC0FAA029B}"/>
+          </ac:spMkLst>
+        </pc:spChg>
+        <pc:spChg chg="add mod">
+          <ac:chgData name="赵 柘楷" userId="dac37f91-8d7e-4e9e-af67-31d1ff408659" providerId="ADAL" clId="{54D8F212-525F-4A08-AFA3-A94259C05EBD}" dt="2023-05-12T06:13:52.540" v="490" actId="207"/>
+          <ac:spMkLst>
+            <pc:docMk/>
+            <pc:sldMk cId="4204708844" sldId="259"/>
+            <ac:spMk id="11" creationId="{71CD88DC-785B-ACAF-F773-9398E31695DB}"/>
+          </ac:spMkLst>
+        </pc:spChg>
+        <pc:spChg chg="add">
+          <ac:chgData name="赵 柘楷" userId="dac37f91-8d7e-4e9e-af67-31d1ff408659" providerId="ADAL" clId="{54D8F212-525F-4A08-AFA3-A94259C05EBD}" dt="2023-05-12T06:14:00.271" v="494" actId="22"/>
+          <ac:spMkLst>
+            <pc:docMk/>
+            <pc:sldMk cId="4204708844" sldId="259"/>
+            <ac:spMk id="13" creationId="{12B92B60-530C-FF4B-0FA1-FFBB1627096F}"/>
+          </ac:spMkLst>
+        </pc:spChg>
+        <pc:spChg chg="add mod">
+          <ac:chgData name="赵 柘楷" userId="dac37f91-8d7e-4e9e-af67-31d1ff408659" providerId="ADAL" clId="{54D8F212-525F-4A08-AFA3-A94259C05EBD}" dt="2023-05-12T06:14:49.034" v="503" actId="1076"/>
+          <ac:spMkLst>
+            <pc:docMk/>
+            <pc:sldMk cId="4204708844" sldId="259"/>
+            <ac:spMk id="15" creationId="{BCC766ED-9649-A24F-89C4-B0A3FD1FD6B1}"/>
+          </ac:spMkLst>
+        </pc:spChg>
+        <pc:spChg chg="add mod">
+          <ac:chgData name="赵 柘楷" userId="dac37f91-8d7e-4e9e-af67-31d1ff408659" providerId="ADAL" clId="{54D8F212-525F-4A08-AFA3-A94259C05EBD}" dt="2023-05-12T06:14:51.364" v="504" actId="1076"/>
+          <ac:spMkLst>
+            <pc:docMk/>
+            <pc:sldMk cId="4204708844" sldId="259"/>
+            <ac:spMk id="17" creationId="{7F675043-24BB-EF3C-286A-F663966F1D1D}"/>
+          </ac:spMkLst>
+        </pc:spChg>
+        <pc:grpChg chg="add mod">
+          <ac:chgData name="赵 柘楷" userId="dac37f91-8d7e-4e9e-af67-31d1ff408659" providerId="ADAL" clId="{54D8F212-525F-4A08-AFA3-A94259C05EBD}" dt="2023-05-12T06:13:03.891" v="478" actId="1076"/>
+          <ac:grpSpMkLst>
+            <pc:docMk/>
+            <pc:sldMk cId="4204708844" sldId="259"/>
+            <ac:grpSpMk id="5" creationId="{E9A53315-31B5-0FED-0B22-2358A25924C7}"/>
+          </ac:grpSpMkLst>
+        </pc:grpChg>
+        <pc:grpChg chg="del mod">
+          <ac:chgData name="赵 柘楷" userId="dac37f91-8d7e-4e9e-af67-31d1ff408659" providerId="ADAL" clId="{54D8F212-525F-4A08-AFA3-A94259C05EBD}" dt="2023-05-12T06:13:25.384" v="487" actId="478"/>
+          <ac:grpSpMkLst>
+            <pc:docMk/>
+            <pc:sldMk cId="4204708844" sldId="259"/>
+            <ac:grpSpMk id="7" creationId="{D905090A-0BF4-8290-8AAC-2E4F16DBE034}"/>
+          </ac:grpSpMkLst>
+        </pc:grpChg>
+        <pc:picChg chg="add mod">
+          <ac:chgData name="赵 柘楷" userId="dac37f91-8d7e-4e9e-af67-31d1ff408659" providerId="ADAL" clId="{54D8F212-525F-4A08-AFA3-A94259C05EBD}" dt="2023-05-12T06:16:05.552" v="505" actId="1076"/>
+          <ac:picMkLst>
+            <pc:docMk/>
+            <pc:sldMk cId="4204708844" sldId="259"/>
+            <ac:picMk id="4" creationId="{F1C76D7E-AF0B-41AF-DA3D-378F29F4EC00}"/>
+          </ac:picMkLst>
+        </pc:picChg>
+        <pc:picChg chg="mod">
+          <ac:chgData name="赵 柘楷" userId="dac37f91-8d7e-4e9e-af67-31d1ff408659" providerId="ADAL" clId="{54D8F212-525F-4A08-AFA3-A94259C05EBD}" dt="2023-05-12T06:12:56.120" v="477" actId="1076"/>
+          <ac:picMkLst>
+            <pc:docMk/>
+            <pc:sldMk cId="4204708844" sldId="259"/>
+            <ac:picMk id="6" creationId="{6E437DE4-EF6E-4461-8EF4-AFD761C51AA1}"/>
+          </ac:picMkLst>
+        </pc:picChg>
+      </pc:sldChg>
+      <pc:sldChg chg="add del">
+        <pc:chgData name="赵 柘楷" userId="dac37f91-8d7e-4e9e-af67-31d1ff408659" providerId="ADAL" clId="{54D8F212-525F-4A08-AFA3-A94259C05EBD}" dt="2023-05-12T07:36:55.891" v="544" actId="47"/>
+        <pc:sldMkLst>
+          <pc:docMk/>
+          <pc:sldMk cId="3760757919" sldId="260"/>
         </pc:sldMkLst>
       </pc:sldChg>
     </pc:docChg>
@@ -391,7 +619,7 @@
           <a:p>
             <a:fld id="{86A04BA7-A2BA-48C9-87E4-E55ACB6E1DE8}" type="datetimeFigureOut">
               <a:rPr lang="zh-CN" altLang="en-US" smtClean="0"/>
-              <a:t>2023/5/5</a:t>
+              <a:t>2023/5/12</a:t>
             </a:fld>
             <a:endParaRPr lang="zh-CN" altLang="en-US"/>
           </a:p>
@@ -742,6 +970,150 @@
 </p:notes>
 </file>
 
+<file path=ppt/notesSlides/notesSlide2.xml><?xml version="1.0" encoding="utf-8"?>
+<p:notes xmlns:a="http://schemas.openxmlformats.org/drawingml/2006/main" xmlns:r="http://schemas.openxmlformats.org/officeDocument/2006/relationships" xmlns:p="http://schemas.openxmlformats.org/presentationml/2006/main">
+  <p:cSld>
+    <p:spTree>
+      <p:nvGrpSpPr>
+        <p:cNvPr id="1" name=""/>
+        <p:cNvGrpSpPr/>
+        <p:nvPr/>
+      </p:nvGrpSpPr>
+      <p:grpSpPr>
+        <a:xfrm>
+          <a:off x="0" y="0"/>
+          <a:ext cx="0" cy="0"/>
+          <a:chOff x="0" y="0"/>
+          <a:chExt cx="0" cy="0"/>
+        </a:xfrm>
+      </p:grpSpPr>
+      <p:sp>
+        <p:nvSpPr>
+          <p:cNvPr id="2" name="幻灯片图像占位符 1"/>
+          <p:cNvSpPr>
+            <a:spLocks noGrp="1" noRot="1" noChangeAspect="1"/>
+          </p:cNvSpPr>
+          <p:nvPr>
+            <p:ph type="sldImg"/>
+          </p:nvPr>
+        </p:nvSpPr>
+        <p:spPr/>
+      </p:sp>
+      <p:sp>
+        <p:nvSpPr>
+          <p:cNvPr id="3" name="备注占位符 2"/>
+          <p:cNvSpPr>
+            <a:spLocks noGrp="1"/>
+          </p:cNvSpPr>
+          <p:nvPr>
+            <p:ph type="body" idx="1"/>
+          </p:nvPr>
+        </p:nvSpPr>
+        <p:spPr/>
+        <p:txBody>
+          <a:bodyPr/>
+          <a:lstStyle/>
+          <a:p>
+            <a:endParaRPr lang="zh-CN" altLang="en-US" dirty="0"/>
+          </a:p>
+        </p:txBody>
+      </p:sp>
+      <p:sp>
+        <p:nvSpPr>
+          <p:cNvPr id="4" name="灯片编号占位符 3"/>
+          <p:cNvSpPr>
+            <a:spLocks noGrp="1"/>
+          </p:cNvSpPr>
+          <p:nvPr>
+            <p:ph type="sldNum" sz="quarter" idx="5"/>
+          </p:nvPr>
+        </p:nvSpPr>
+        <p:spPr/>
+        <p:txBody>
+          <a:bodyPr/>
+          <a:lstStyle/>
+          <a:p>
+            <a:pPr marL="0" marR="0" lvl="0" indent="0" algn="r" defTabSz="914400" rtl="0" eaLnBrk="1" fontAlgn="auto" latinLnBrk="0" hangingPunct="1">
+              <a:lnSpc>
+                <a:spcPct val="100000"/>
+              </a:lnSpc>
+              <a:spcBef>
+                <a:spcPts val="0"/>
+              </a:spcBef>
+              <a:spcAft>
+                <a:spcPts val="0"/>
+              </a:spcAft>
+              <a:buClrTx/>
+              <a:buSzTx/>
+              <a:buFontTx/>
+              <a:buNone/>
+              <a:tabLst/>
+              <a:defRPr/>
+            </a:pPr>
+            <a:fld id="{AD92E718-B29D-4989-93CD-6D91416474A6}" type="slidenum">
+              <a:rPr kumimoji="0" lang="zh-CN" altLang="en-US" sz="1200" b="0" i="0" u="none" strike="noStrike" kern="1200" cap="none" spc="0" normalizeH="0" baseline="0" noProof="0" smtClean="0">
+                <a:ln>
+                  <a:noFill/>
+                </a:ln>
+                <a:solidFill>
+                  <a:prstClr val="black"/>
+                </a:solidFill>
+                <a:effectLst/>
+                <a:uLnTx/>
+                <a:uFillTx/>
+                <a:latin typeface="等线" panose="020F0502020204030204"/>
+                <a:ea typeface="等线" panose="02010600030101010101" pitchFamily="2" charset="-122"/>
+                <a:cs typeface="+mn-cs"/>
+              </a:rPr>
+              <a:pPr marL="0" marR="0" lvl="0" indent="0" algn="r" defTabSz="914400" rtl="0" eaLnBrk="1" fontAlgn="auto" latinLnBrk="0" hangingPunct="1">
+                <a:lnSpc>
+                  <a:spcPct val="100000"/>
+                </a:lnSpc>
+                <a:spcBef>
+                  <a:spcPts val="0"/>
+                </a:spcBef>
+                <a:spcAft>
+                  <a:spcPts val="0"/>
+                </a:spcAft>
+                <a:buClrTx/>
+                <a:buSzTx/>
+                <a:buFontTx/>
+                <a:buNone/>
+                <a:tabLst/>
+                <a:defRPr/>
+              </a:pPr>
+              <a:t>4</a:t>
+            </a:fld>
+            <a:endParaRPr kumimoji="0" lang="zh-CN" altLang="en-US" sz="1200" b="0" i="0" u="none" strike="noStrike" kern="1200" cap="none" spc="0" normalizeH="0" baseline="0" noProof="0">
+              <a:ln>
+                <a:noFill/>
+              </a:ln>
+              <a:solidFill>
+                <a:prstClr val="black"/>
+              </a:solidFill>
+              <a:effectLst/>
+              <a:uLnTx/>
+              <a:uFillTx/>
+              <a:latin typeface="等线" panose="020F0502020204030204"/>
+              <a:ea typeface="等线" panose="02010600030101010101" pitchFamily="2" charset="-122"/>
+              <a:cs typeface="+mn-cs"/>
+            </a:endParaRPr>
+          </a:p>
+        </p:txBody>
+      </p:sp>
+    </p:spTree>
+    <p:extLst>
+      <p:ext uri="{BB962C8B-B14F-4D97-AF65-F5344CB8AC3E}">
+        <p14:creationId xmlns:p14="http://schemas.microsoft.com/office/powerpoint/2010/main" val="3198668732"/>
+      </p:ext>
+    </p:extLst>
+  </p:cSld>
+  <p:clrMapOvr>
+    <a:masterClrMapping/>
+  </p:clrMapOvr>
+</p:notes>
+</file>
+
 <file path=ppt/slideLayouts/slideLayout1.xml><?xml version="1.0" encoding="utf-8"?>
 <p:sldLayout xmlns:a="http://schemas.openxmlformats.org/drawingml/2006/main" xmlns:r="http://schemas.openxmlformats.org/officeDocument/2006/relationships" xmlns:p="http://schemas.openxmlformats.org/presentationml/2006/main" type="title" preserve="1">
   <p:cSld name="标题幻灯片">
@@ -889,7 +1261,7 @@
           <a:p>
             <a:fld id="{C0956A83-B036-4B96-AF66-88CDD33BBE5A}" type="datetimeFigureOut">
               <a:rPr lang="zh-CN" altLang="en-US" smtClean="0"/>
-              <a:t>2023/5/5</a:t>
+              <a:t>2023/5/12</a:t>
             </a:fld>
             <a:endParaRPr lang="zh-CN" altLang="en-US"/>
           </a:p>
@@ -1087,7 +1459,7 @@
           <a:p>
             <a:fld id="{C0956A83-B036-4B96-AF66-88CDD33BBE5A}" type="datetimeFigureOut">
               <a:rPr lang="zh-CN" altLang="en-US" smtClean="0"/>
-              <a:t>2023/5/5</a:t>
+              <a:t>2023/5/12</a:t>
             </a:fld>
             <a:endParaRPr lang="zh-CN" altLang="en-US"/>
           </a:p>
@@ -1295,7 +1667,7 @@
           <a:p>
             <a:fld id="{C0956A83-B036-4B96-AF66-88CDD33BBE5A}" type="datetimeFigureOut">
               <a:rPr lang="zh-CN" altLang="en-US" smtClean="0"/>
-              <a:t>2023/5/5</a:t>
+              <a:t>2023/5/12</a:t>
             </a:fld>
             <a:endParaRPr lang="zh-CN" altLang="en-US"/>
           </a:p>
@@ -1493,7 +1865,7 @@
           <a:p>
             <a:fld id="{C0956A83-B036-4B96-AF66-88CDD33BBE5A}" type="datetimeFigureOut">
               <a:rPr lang="zh-CN" altLang="en-US" smtClean="0"/>
-              <a:t>2023/5/5</a:t>
+              <a:t>2023/5/12</a:t>
             </a:fld>
             <a:endParaRPr lang="zh-CN" altLang="en-US"/>
           </a:p>
@@ -1768,7 +2140,7 @@
           <a:p>
             <a:fld id="{C0956A83-B036-4B96-AF66-88CDD33BBE5A}" type="datetimeFigureOut">
               <a:rPr lang="zh-CN" altLang="en-US" smtClean="0"/>
-              <a:t>2023/5/5</a:t>
+              <a:t>2023/5/12</a:t>
             </a:fld>
             <a:endParaRPr lang="zh-CN" altLang="en-US"/>
           </a:p>
@@ -2033,7 +2405,7 @@
           <a:p>
             <a:fld id="{C0956A83-B036-4B96-AF66-88CDD33BBE5A}" type="datetimeFigureOut">
               <a:rPr lang="zh-CN" altLang="en-US" smtClean="0"/>
-              <a:t>2023/5/5</a:t>
+              <a:t>2023/5/12</a:t>
             </a:fld>
             <a:endParaRPr lang="zh-CN" altLang="en-US"/>
           </a:p>
@@ -2445,7 +2817,7 @@
           <a:p>
             <a:fld id="{C0956A83-B036-4B96-AF66-88CDD33BBE5A}" type="datetimeFigureOut">
               <a:rPr lang="zh-CN" altLang="en-US" smtClean="0"/>
-              <a:t>2023/5/5</a:t>
+              <a:t>2023/5/12</a:t>
             </a:fld>
             <a:endParaRPr lang="zh-CN" altLang="en-US"/>
           </a:p>
@@ -2586,7 +2958,7 @@
           <a:p>
             <a:fld id="{C0956A83-B036-4B96-AF66-88CDD33BBE5A}" type="datetimeFigureOut">
               <a:rPr lang="zh-CN" altLang="en-US" smtClean="0"/>
-              <a:t>2023/5/5</a:t>
+              <a:t>2023/5/12</a:t>
             </a:fld>
             <a:endParaRPr lang="zh-CN" altLang="en-US"/>
           </a:p>
@@ -2699,7 +3071,7 @@
           <a:p>
             <a:fld id="{C0956A83-B036-4B96-AF66-88CDD33BBE5A}" type="datetimeFigureOut">
               <a:rPr lang="zh-CN" altLang="en-US" smtClean="0"/>
-              <a:t>2023/5/5</a:t>
+              <a:t>2023/5/12</a:t>
             </a:fld>
             <a:endParaRPr lang="zh-CN" altLang="en-US"/>
           </a:p>
@@ -3010,7 +3382,7 @@
           <a:p>
             <a:fld id="{C0956A83-B036-4B96-AF66-88CDD33BBE5A}" type="datetimeFigureOut">
               <a:rPr lang="zh-CN" altLang="en-US" smtClean="0"/>
-              <a:t>2023/5/5</a:t>
+              <a:t>2023/5/12</a:t>
             </a:fld>
             <a:endParaRPr lang="zh-CN" altLang="en-US"/>
           </a:p>
@@ -3298,7 +3670,7 @@
           <a:p>
             <a:fld id="{C0956A83-B036-4B96-AF66-88CDD33BBE5A}" type="datetimeFigureOut">
               <a:rPr lang="zh-CN" altLang="en-US" smtClean="0"/>
-              <a:t>2023/5/5</a:t>
+              <a:t>2023/5/12</a:t>
             </a:fld>
             <a:endParaRPr lang="zh-CN" altLang="en-US"/>
           </a:p>
@@ -3539,7 +3911,7 @@
           <a:p>
             <a:fld id="{C0956A83-B036-4B96-AF66-88CDD33BBE5A}" type="datetimeFigureOut">
               <a:rPr lang="zh-CN" altLang="en-US" smtClean="0"/>
-              <a:t>2023/5/5</a:t>
+              <a:t>2023/5/12</a:t>
             </a:fld>
             <a:endParaRPr lang="zh-CN" altLang="en-US"/>
           </a:p>
@@ -4769,7 +5141,10 @@
     <p:bg>
       <p:bgPr>
         <a:solidFill>
-          <a:schemeClr val="tx1"/>
+          <a:schemeClr val="tx1">
+            <a:lumMod val="65000"/>
+            <a:lumOff val="35000"/>
+          </a:schemeClr>
         </a:solidFill>
         <a:effectLst/>
       </p:bgPr>
@@ -5244,6 +5619,15 @@
           <a:blip r:embed="rId4">
             <a:alphaModFix/>
             <a:extLst>
+              <a:ext uri="{BEBA8EAE-BF5A-486C-A8C5-ECC9F3942E4B}">
+                <a14:imgProps xmlns:a14="http://schemas.microsoft.com/office/drawing/2010/main">
+                  <a14:imgLayer r:embed="rId5">
+                    <a14:imgEffect>
+                      <a14:backgroundRemoval t="10000" b="90000" l="10000" r="90000"/>
+                    </a14:imgEffect>
+                  </a14:imgLayer>
+                </a14:imgProps>
+              </a:ext>
               <a:ext uri="{28A0092B-C50C-407E-A947-70E740481C1C}">
                 <a14:useLocalDpi xmlns:a14="http://schemas.microsoft.com/office/drawing/2010/main" val="0"/>
               </a:ext>
@@ -5255,8 +5639,8 @@
         </p:blipFill>
         <p:spPr>
           <a:xfrm>
-            <a:off x="7619578" y="0"/>
-            <a:ext cx="4572422" cy="6858000"/>
+            <a:off x="7018027" y="-802791"/>
+            <a:ext cx="6366933" cy="9549519"/>
           </a:xfrm>
           <a:prstGeom prst="rect">
             <a:avLst/>
@@ -5268,6 +5652,621 @@
     <p:extLst>
       <p:ext uri="{BB962C8B-B14F-4D97-AF65-F5344CB8AC3E}">
         <p14:creationId xmlns:p14="http://schemas.microsoft.com/office/powerpoint/2010/main" val="456294878"/>
+      </p:ext>
+    </p:extLst>
+  </p:cSld>
+  <p:clrMapOvr>
+    <a:masterClrMapping/>
+  </p:clrMapOvr>
+</p:sld>
+</file>
+
+<file path=ppt/slides/slide4.xml><?xml version="1.0" encoding="utf-8"?>
+<p:sld xmlns:a="http://schemas.openxmlformats.org/drawingml/2006/main" xmlns:r="http://schemas.openxmlformats.org/officeDocument/2006/relationships" xmlns:p="http://schemas.openxmlformats.org/presentationml/2006/main">
+  <p:cSld>
+    <p:bg>
+      <p:bgPr>
+        <a:solidFill>
+          <a:srgbClr val="E7E6E6"/>
+        </a:solidFill>
+        <a:effectLst/>
+      </p:bgPr>
+    </p:bg>
+    <p:spTree>
+      <p:nvGrpSpPr>
+        <p:cNvPr id="1" name=""/>
+        <p:cNvGrpSpPr/>
+        <p:nvPr/>
+      </p:nvGrpSpPr>
+      <p:grpSpPr>
+        <a:xfrm>
+          <a:off x="0" y="0"/>
+          <a:ext cx="0" cy="0"/>
+          <a:chOff x="0" y="0"/>
+          <a:chExt cx="0" cy="0"/>
+        </a:xfrm>
+      </p:grpSpPr>
+      <p:pic>
+        <p:nvPicPr>
+          <p:cNvPr id="13" name="图片 12" descr="徽标&#10;&#10;描述已自动生成">
+            <a:extLst>
+              <a:ext uri="{FF2B5EF4-FFF2-40B4-BE49-F238E27FC236}">
+                <a16:creationId xmlns:a16="http://schemas.microsoft.com/office/drawing/2014/main" id="{AB553BBC-8AD6-F74D-EC32-30E7D3CAF8CD}"/>
+              </a:ext>
+            </a:extLst>
+          </p:cNvPr>
+          <p:cNvPicPr>
+            <a:picLocks noChangeAspect="1"/>
+          </p:cNvPicPr>
+          <p:nvPr/>
+        </p:nvPicPr>
+        <p:blipFill>
+          <a:blip r:embed="rId3">
+            <a:extLst>
+              <a:ext uri="{28A0092B-C50C-407E-A947-70E740481C1C}">
+                <a14:useLocalDpi xmlns:a14="http://schemas.microsoft.com/office/drawing/2010/main" val="0"/>
+              </a:ext>
+            </a:extLst>
+          </a:blip>
+          <a:stretch>
+            <a:fillRect/>
+          </a:stretch>
+        </p:blipFill>
+        <p:spPr>
+          <a:xfrm>
+            <a:off x="851637" y="2898700"/>
+            <a:ext cx="2044800" cy="2044800"/>
+          </a:xfrm>
+          <a:prstGeom prst="rect">
+            <a:avLst/>
+          </a:prstGeom>
+          <a:effectLst>
+            <a:outerShdw blurRad="190500" sx="102000" sy="102000" algn="ctr" rotWithShape="0">
+              <a:prstClr val="black">
+                <a:alpha val="40000"/>
+              </a:prstClr>
+            </a:outerShdw>
+          </a:effectLst>
+        </p:spPr>
+      </p:pic>
+      <p:sp>
+        <p:nvSpPr>
+          <p:cNvPr id="8" name="文本框 7">
+            <a:extLst>
+              <a:ext uri="{FF2B5EF4-FFF2-40B4-BE49-F238E27FC236}">
+                <a16:creationId xmlns:a16="http://schemas.microsoft.com/office/drawing/2014/main" id="{C04EF757-5938-73F9-6E38-A648015B7730}"/>
+              </a:ext>
+            </a:extLst>
+          </p:cNvPr>
+          <p:cNvSpPr txBox="1"/>
+          <p:nvPr/>
+        </p:nvSpPr>
+        <p:spPr>
+          <a:xfrm>
+            <a:off x="3246935" y="3043937"/>
+            <a:ext cx="4051109" cy="1754326"/>
+          </a:xfrm>
+          <a:prstGeom prst="rect">
+            <a:avLst/>
+          </a:prstGeom>
+          <a:noFill/>
+        </p:spPr>
+        <p:txBody>
+          <a:bodyPr wrap="none" rtlCol="0">
+            <a:spAutoFit/>
+          </a:bodyPr>
+          <a:lstStyle/>
+          <a:p>
+            <a:pPr marL="0" marR="0" lvl="0" indent="0" algn="l" defTabSz="914400" rtl="0" eaLnBrk="1" fontAlgn="auto" latinLnBrk="0" hangingPunct="1">
+              <a:lnSpc>
+                <a:spcPct val="100000"/>
+              </a:lnSpc>
+              <a:spcBef>
+                <a:spcPts val="0"/>
+              </a:spcBef>
+              <a:spcAft>
+                <a:spcPts val="0"/>
+              </a:spcAft>
+              <a:buClrTx/>
+              <a:buSzTx/>
+              <a:buFontTx/>
+              <a:buNone/>
+              <a:tabLst/>
+              <a:defRPr/>
+            </a:pPr>
+            <a:r>
+              <a:rPr lang="en-US" altLang="zh-CN" sz="5400" b="1" kern="1300" dirty="0">
+                <a:solidFill>
+                  <a:srgbClr val="FF0000"/>
+                </a:solidFill>
+                <a:latin typeface="微软雅黑 Light" panose="020B0502040204020203" pitchFamily="34" charset="-122"/>
+                <a:ea typeface="微软雅黑 Light" panose="020B0502040204020203" pitchFamily="34" charset="-122"/>
+              </a:rPr>
+              <a:t>P</a:t>
+            </a:r>
+            <a:r>
+              <a:rPr lang="en-US" altLang="zh-CN" sz="5400" b="1" kern="1300" dirty="0">
+                <a:latin typeface="微软雅黑 Light" panose="020B0502040204020203" pitchFamily="34" charset="-122"/>
+                <a:ea typeface="微软雅黑 Light" panose="020B0502040204020203" pitchFamily="34" charset="-122"/>
+              </a:rPr>
+              <a:t>seudocode</a:t>
+            </a:r>
+          </a:p>
+          <a:p>
+            <a:pPr marL="0" marR="0" lvl="0" indent="0" algn="l" defTabSz="914400" rtl="0" eaLnBrk="1" fontAlgn="auto" latinLnBrk="0" hangingPunct="1">
+              <a:lnSpc>
+                <a:spcPct val="100000"/>
+              </a:lnSpc>
+              <a:spcBef>
+                <a:spcPts val="0"/>
+              </a:spcBef>
+              <a:spcAft>
+                <a:spcPts val="0"/>
+              </a:spcAft>
+              <a:buClrTx/>
+              <a:buSzTx/>
+              <a:buFontTx/>
+              <a:buNone/>
+              <a:tabLst/>
+              <a:defRPr/>
+            </a:pPr>
+            <a:r>
+              <a:rPr kumimoji="0" lang="en-US" altLang="zh-CN" sz="5400" b="1" i="0" u="none" strike="noStrike" kern="1300" cap="none" spc="0" normalizeH="0" noProof="0" dirty="0">
+                <a:ln>
+                  <a:noFill/>
+                </a:ln>
+                <a:solidFill>
+                  <a:srgbClr val="FF0000"/>
+                </a:solidFill>
+                <a:effectLst/>
+                <a:uLnTx/>
+                <a:uFillTx/>
+                <a:latin typeface="微软雅黑 Light" panose="020B0502040204020203" pitchFamily="34" charset="-122"/>
+                <a:ea typeface="微软雅黑 Light" panose="020B0502040204020203" pitchFamily="34" charset="-122"/>
+                <a:cs typeface="+mn-cs"/>
+              </a:rPr>
+              <a:t>I</a:t>
+            </a:r>
+            <a:r>
+              <a:rPr kumimoji="0" lang="en-US" altLang="zh-CN" sz="5400" b="1" i="0" u="none" strike="noStrike" kern="1300" cap="none" spc="0" normalizeH="0" noProof="0" dirty="0">
+                <a:ln>
+                  <a:noFill/>
+                </a:ln>
+                <a:effectLst/>
+                <a:uLnTx/>
+                <a:uFillTx/>
+                <a:latin typeface="微软雅黑 Light" panose="020B0502040204020203" pitchFamily="34" charset="-122"/>
+                <a:ea typeface="微软雅黑 Light" panose="020B0502040204020203" pitchFamily="34" charset="-122"/>
+                <a:cs typeface="+mn-cs"/>
+              </a:rPr>
+              <a:t>nterpreter</a:t>
+            </a:r>
+            <a:endParaRPr kumimoji="0" lang="zh-CN" altLang="en-US" sz="5400" b="1" i="0" u="none" strike="noStrike" kern="1300" cap="none" spc="0" normalizeH="0" noProof="0" dirty="0">
+              <a:ln>
+                <a:noFill/>
+              </a:ln>
+              <a:effectLst/>
+              <a:uLnTx/>
+              <a:uFillTx/>
+              <a:latin typeface="微软雅黑 Light" panose="020B0502040204020203" pitchFamily="34" charset="-122"/>
+              <a:ea typeface="微软雅黑 Light" panose="020B0502040204020203" pitchFamily="34" charset="-122"/>
+              <a:cs typeface="+mn-cs"/>
+            </a:endParaRPr>
+          </a:p>
+        </p:txBody>
+      </p:sp>
+      <p:sp>
+        <p:nvSpPr>
+          <p:cNvPr id="2" name="文本框 1">
+            <a:extLst>
+              <a:ext uri="{FF2B5EF4-FFF2-40B4-BE49-F238E27FC236}">
+                <a16:creationId xmlns:a16="http://schemas.microsoft.com/office/drawing/2014/main" id="{9826F35A-D9CB-7762-8632-DB41DB84C8E3}"/>
+              </a:ext>
+            </a:extLst>
+          </p:cNvPr>
+          <p:cNvSpPr txBox="1"/>
+          <p:nvPr/>
+        </p:nvSpPr>
+        <p:spPr>
+          <a:xfrm>
+            <a:off x="731163" y="1914500"/>
+            <a:ext cx="4475071" cy="584775"/>
+          </a:xfrm>
+          <a:prstGeom prst="rect">
+            <a:avLst/>
+          </a:prstGeom>
+          <a:noFill/>
+        </p:spPr>
+        <p:txBody>
+          <a:bodyPr wrap="none" rtlCol="0">
+            <a:spAutoFit/>
+          </a:bodyPr>
+          <a:lstStyle/>
+          <a:p>
+            <a:pPr marL="0" marR="0" lvl="0" indent="0" algn="l" defTabSz="914400" rtl="0" eaLnBrk="1" fontAlgn="auto" latinLnBrk="0" hangingPunct="1">
+              <a:lnSpc>
+                <a:spcPct val="100000"/>
+              </a:lnSpc>
+              <a:spcBef>
+                <a:spcPts val="0"/>
+              </a:spcBef>
+              <a:spcAft>
+                <a:spcPts val="0"/>
+              </a:spcAft>
+              <a:buClrTx/>
+              <a:buSzTx/>
+              <a:buFontTx/>
+              <a:buNone/>
+              <a:tabLst/>
+              <a:defRPr/>
+            </a:pPr>
+            <a:r>
+              <a:rPr kumimoji="0" lang="en-US" altLang="zh-CN" sz="3200" b="0" i="0" u="none" strike="noStrike" kern="1200" cap="none" spc="0" normalizeH="0" baseline="0" noProof="0" dirty="0">
+                <a:ln>
+                  <a:noFill/>
+                </a:ln>
+                <a:effectLst/>
+                <a:uLnTx/>
+                <a:uFillTx/>
+                <a:latin typeface="微软雅黑 Light" panose="020B0502040204020203" pitchFamily="34" charset="-122"/>
+                <a:ea typeface="微软雅黑 Light" panose="020B0502040204020203" pitchFamily="34" charset="-122"/>
+                <a:cs typeface="+mn-cs"/>
+              </a:rPr>
+              <a:t>Release Conference for</a:t>
+            </a:r>
+            <a:endParaRPr kumimoji="0" lang="zh-CN" altLang="en-US" sz="3200" b="0" i="0" u="none" strike="noStrike" kern="1200" cap="none" spc="0" normalizeH="0" baseline="0" noProof="0" dirty="0">
+              <a:ln>
+                <a:noFill/>
+              </a:ln>
+              <a:effectLst/>
+              <a:uLnTx/>
+              <a:uFillTx/>
+              <a:latin typeface="微软雅黑 Light" panose="020B0502040204020203" pitchFamily="34" charset="-122"/>
+              <a:ea typeface="微软雅黑 Light" panose="020B0502040204020203" pitchFamily="34" charset="-122"/>
+              <a:cs typeface="+mn-cs"/>
+            </a:endParaRPr>
+          </a:p>
+        </p:txBody>
+      </p:sp>
+      <p:sp>
+        <p:nvSpPr>
+          <p:cNvPr id="5" name="文本框 4">
+            <a:extLst>
+              <a:ext uri="{FF2B5EF4-FFF2-40B4-BE49-F238E27FC236}">
+                <a16:creationId xmlns:a16="http://schemas.microsoft.com/office/drawing/2014/main" id="{F185A681-09BC-236A-1C54-43A4E142B957}"/>
+              </a:ext>
+            </a:extLst>
+          </p:cNvPr>
+          <p:cNvSpPr txBox="1"/>
+          <p:nvPr/>
+        </p:nvSpPr>
+        <p:spPr>
+          <a:xfrm>
+            <a:off x="7804643" y="1032589"/>
+            <a:ext cx="3779564" cy="1077218"/>
+          </a:xfrm>
+          <a:prstGeom prst="rect">
+            <a:avLst/>
+          </a:prstGeom>
+          <a:noFill/>
+        </p:spPr>
+        <p:txBody>
+          <a:bodyPr wrap="square" rtlCol="0">
+            <a:spAutoFit/>
+          </a:bodyPr>
+          <a:lstStyle/>
+          <a:p>
+            <a:pPr marL="0" marR="0" lvl="0" indent="0" algn="l" defTabSz="914400" rtl="0" eaLnBrk="1" fontAlgn="auto" latinLnBrk="0" hangingPunct="1">
+              <a:lnSpc>
+                <a:spcPct val="100000"/>
+              </a:lnSpc>
+              <a:spcBef>
+                <a:spcPts val="0"/>
+              </a:spcBef>
+              <a:spcAft>
+                <a:spcPts val="0"/>
+              </a:spcAft>
+              <a:buClrTx/>
+              <a:buSzTx/>
+              <a:buFontTx/>
+              <a:buNone/>
+              <a:tabLst/>
+              <a:defRPr/>
+            </a:pPr>
+            <a:r>
+              <a:rPr kumimoji="0" lang="en-US" altLang="zh-CN" sz="3200" b="0" i="0" u="none" strike="noStrike" kern="1200" cap="none" spc="0" normalizeH="0" baseline="0" noProof="0" dirty="0">
+                <a:ln>
+                  <a:noFill/>
+                </a:ln>
+                <a:effectLst/>
+                <a:uLnTx/>
+                <a:uFillTx/>
+                <a:latin typeface="微软雅黑 Light" panose="020B0502040204020203" pitchFamily="34" charset="-122"/>
+                <a:ea typeface="微软雅黑 Light" panose="020B0502040204020203" pitchFamily="34" charset="-122"/>
+                <a:cs typeface="+mn-cs"/>
+              </a:rPr>
+              <a:t>Presenter:</a:t>
+            </a:r>
+          </a:p>
+          <a:p>
+            <a:pPr marL="0" marR="0" lvl="0" indent="0" algn="l" defTabSz="914400" rtl="0" eaLnBrk="1" fontAlgn="auto" latinLnBrk="0" hangingPunct="1">
+              <a:lnSpc>
+                <a:spcPct val="100000"/>
+              </a:lnSpc>
+              <a:spcBef>
+                <a:spcPts val="0"/>
+              </a:spcBef>
+              <a:spcAft>
+                <a:spcPts val="0"/>
+              </a:spcAft>
+              <a:buClrTx/>
+              <a:buSzTx/>
+              <a:buFontTx/>
+              <a:buNone/>
+              <a:tabLst/>
+              <a:defRPr/>
+            </a:pPr>
+            <a:r>
+              <a:rPr kumimoji="0" lang="en-US" altLang="zh-CN" sz="3200" b="0" i="0" u="none" strike="noStrike" kern="1200" cap="none" spc="0" normalizeH="0" baseline="0" noProof="0" dirty="0">
+                <a:ln>
+                  <a:noFill/>
+                </a:ln>
+                <a:effectLst/>
+                <a:uLnTx/>
+                <a:uFillTx/>
+                <a:latin typeface="微软雅黑 Light" panose="020B0502040204020203" pitchFamily="34" charset="-122"/>
+                <a:ea typeface="微软雅黑 Light" panose="020B0502040204020203" pitchFamily="34" charset="-122"/>
+                <a:cs typeface="+mn-cs"/>
+              </a:rPr>
+              <a:t>A22 Zik</a:t>
+            </a:r>
+            <a:endParaRPr kumimoji="0" lang="zh-CN" altLang="en-US" sz="3200" b="0" i="0" u="none" strike="noStrike" kern="1200" cap="none" spc="0" normalizeH="0" baseline="0" noProof="0" dirty="0">
+              <a:ln>
+                <a:noFill/>
+              </a:ln>
+              <a:effectLst/>
+              <a:uLnTx/>
+              <a:uFillTx/>
+              <a:latin typeface="微软雅黑 Light" panose="020B0502040204020203" pitchFamily="34" charset="-122"/>
+              <a:ea typeface="微软雅黑 Light" panose="020B0502040204020203" pitchFamily="34" charset="-122"/>
+              <a:cs typeface="+mn-cs"/>
+            </a:endParaRPr>
+          </a:p>
+        </p:txBody>
+      </p:sp>
+      <p:sp>
+        <p:nvSpPr>
+          <p:cNvPr id="3" name="文本框 2">
+            <a:extLst>
+              <a:ext uri="{FF2B5EF4-FFF2-40B4-BE49-F238E27FC236}">
+                <a16:creationId xmlns:a16="http://schemas.microsoft.com/office/drawing/2014/main" id="{6C25C554-4D6D-F010-DCEF-DDF6F435F457}"/>
+              </a:ext>
+            </a:extLst>
+          </p:cNvPr>
+          <p:cNvSpPr txBox="1"/>
+          <p:nvPr/>
+        </p:nvSpPr>
+        <p:spPr>
+          <a:xfrm>
+            <a:off x="7804643" y="2642594"/>
+            <a:ext cx="3779564" cy="1077218"/>
+          </a:xfrm>
+          <a:prstGeom prst="rect">
+            <a:avLst/>
+          </a:prstGeom>
+          <a:noFill/>
+        </p:spPr>
+        <p:txBody>
+          <a:bodyPr wrap="square" rtlCol="0">
+            <a:spAutoFit/>
+          </a:bodyPr>
+          <a:lstStyle/>
+          <a:p>
+            <a:pPr marL="0" marR="0" lvl="0" indent="0" algn="l" defTabSz="914400" rtl="0" eaLnBrk="1" fontAlgn="auto" latinLnBrk="0" hangingPunct="1">
+              <a:lnSpc>
+                <a:spcPct val="100000"/>
+              </a:lnSpc>
+              <a:spcBef>
+                <a:spcPts val="0"/>
+              </a:spcBef>
+              <a:spcAft>
+                <a:spcPts val="0"/>
+              </a:spcAft>
+              <a:buClrTx/>
+              <a:buSzTx/>
+              <a:buFontTx/>
+              <a:buNone/>
+              <a:tabLst/>
+              <a:defRPr/>
+            </a:pPr>
+            <a:r>
+              <a:rPr kumimoji="0" lang="en-US" altLang="zh-CN" sz="3200" b="0" i="0" u="none" strike="noStrike" kern="1200" cap="none" spc="0" normalizeH="0" baseline="0" noProof="0" dirty="0">
+                <a:ln>
+                  <a:noFill/>
+                </a:ln>
+                <a:effectLst/>
+                <a:uLnTx/>
+                <a:uFillTx/>
+                <a:latin typeface="微软雅黑 Light" panose="020B0502040204020203" pitchFamily="34" charset="-122"/>
+                <a:ea typeface="微软雅黑 Light" panose="020B0502040204020203" pitchFamily="34" charset="-122"/>
+                <a:cs typeface="+mn-cs"/>
+              </a:rPr>
+              <a:t>Date:</a:t>
+            </a:r>
+          </a:p>
+          <a:p>
+            <a:pPr marL="0" marR="0" lvl="0" indent="0" algn="l" defTabSz="914400" rtl="0" eaLnBrk="1" fontAlgn="auto" latinLnBrk="0" hangingPunct="1">
+              <a:lnSpc>
+                <a:spcPct val="100000"/>
+              </a:lnSpc>
+              <a:spcBef>
+                <a:spcPts val="0"/>
+              </a:spcBef>
+              <a:spcAft>
+                <a:spcPts val="0"/>
+              </a:spcAft>
+              <a:buClrTx/>
+              <a:buSzTx/>
+              <a:buFontTx/>
+              <a:buNone/>
+              <a:tabLst/>
+              <a:defRPr/>
+            </a:pPr>
+            <a:r>
+              <a:rPr kumimoji="0" lang="en-US" altLang="zh-CN" sz="3200" b="0" i="0" u="none" strike="noStrike" kern="1200" cap="none" spc="0" normalizeH="0" baseline="0" noProof="0" dirty="0">
+                <a:ln>
+                  <a:noFill/>
+                </a:ln>
+                <a:effectLst/>
+                <a:uLnTx/>
+                <a:uFillTx/>
+                <a:latin typeface="微软雅黑 Light" panose="020B0502040204020203" pitchFamily="34" charset="-122"/>
+                <a:ea typeface="微软雅黑 Light" panose="020B0502040204020203" pitchFamily="34" charset="-122"/>
+                <a:cs typeface="+mn-cs"/>
+              </a:rPr>
+              <a:t>1</a:t>
+            </a:r>
+            <a:r>
+              <a:rPr kumimoji="0" lang="en-US" altLang="zh-CN" sz="3200" b="0" i="0" u="none" strike="noStrike" kern="1200" cap="none" spc="0" normalizeH="0" baseline="30000" noProof="0" dirty="0">
+                <a:ln>
+                  <a:noFill/>
+                </a:ln>
+                <a:effectLst/>
+                <a:uLnTx/>
+                <a:uFillTx/>
+                <a:latin typeface="微软雅黑 Light" panose="020B0502040204020203" pitchFamily="34" charset="-122"/>
+                <a:ea typeface="微软雅黑 Light" panose="020B0502040204020203" pitchFamily="34" charset="-122"/>
+                <a:cs typeface="+mn-cs"/>
+              </a:rPr>
+              <a:t>st</a:t>
+            </a:r>
+            <a:r>
+              <a:rPr kumimoji="0" lang="en-US" altLang="zh-CN" sz="3200" b="0" i="0" u="none" strike="noStrike" kern="1200" cap="none" spc="0" normalizeH="0" baseline="0" noProof="0" dirty="0">
+                <a:ln>
+                  <a:noFill/>
+                </a:ln>
+                <a:effectLst/>
+                <a:uLnTx/>
+                <a:uFillTx/>
+                <a:latin typeface="微软雅黑 Light" panose="020B0502040204020203" pitchFamily="34" charset="-122"/>
+                <a:ea typeface="微软雅黑 Light" panose="020B0502040204020203" pitchFamily="34" charset="-122"/>
+                <a:cs typeface="+mn-cs"/>
+              </a:rPr>
+              <a:t> June (Thursday)</a:t>
+            </a:r>
+          </a:p>
+        </p:txBody>
+      </p:sp>
+      <p:sp>
+        <p:nvSpPr>
+          <p:cNvPr id="6" name="文本框 5">
+            <a:extLst>
+              <a:ext uri="{FF2B5EF4-FFF2-40B4-BE49-F238E27FC236}">
+                <a16:creationId xmlns:a16="http://schemas.microsoft.com/office/drawing/2014/main" id="{B398F254-4BC2-81CE-647C-3CDF20396586}"/>
+              </a:ext>
+            </a:extLst>
+          </p:cNvPr>
+          <p:cNvSpPr txBox="1"/>
+          <p:nvPr/>
+        </p:nvSpPr>
+        <p:spPr>
+          <a:xfrm>
+            <a:off x="7804643" y="4252599"/>
+            <a:ext cx="4305416" cy="1569660"/>
+          </a:xfrm>
+          <a:prstGeom prst="rect">
+            <a:avLst/>
+          </a:prstGeom>
+          <a:noFill/>
+        </p:spPr>
+        <p:txBody>
+          <a:bodyPr wrap="square" rtlCol="0">
+            <a:spAutoFit/>
+          </a:bodyPr>
+          <a:lstStyle/>
+          <a:p>
+            <a:pPr marL="0" marR="0" lvl="0" indent="0" algn="l" defTabSz="914400" rtl="0" eaLnBrk="1" fontAlgn="auto" latinLnBrk="0" hangingPunct="1">
+              <a:lnSpc>
+                <a:spcPct val="100000"/>
+              </a:lnSpc>
+              <a:spcBef>
+                <a:spcPts val="0"/>
+              </a:spcBef>
+              <a:spcAft>
+                <a:spcPts val="0"/>
+              </a:spcAft>
+              <a:buClrTx/>
+              <a:buSzTx/>
+              <a:buFontTx/>
+              <a:buNone/>
+              <a:tabLst/>
+              <a:defRPr/>
+            </a:pPr>
+            <a:r>
+              <a:rPr kumimoji="0" lang="en-US" altLang="zh-CN" sz="3200" b="0" i="0" u="none" strike="noStrike" kern="1200" cap="none" spc="0" normalizeH="0" baseline="0" noProof="0" dirty="0">
+                <a:ln>
+                  <a:noFill/>
+                </a:ln>
+                <a:effectLst/>
+                <a:uLnTx/>
+                <a:uFillTx/>
+                <a:latin typeface="微软雅黑 Light" panose="020B0502040204020203" pitchFamily="34" charset="-122"/>
+                <a:ea typeface="微软雅黑 Light" panose="020B0502040204020203" pitchFamily="34" charset="-122"/>
+                <a:cs typeface="+mn-cs"/>
+              </a:rPr>
+              <a:t>Location:</a:t>
+            </a:r>
+          </a:p>
+          <a:p>
+            <a:pPr marL="0" marR="0" lvl="0" indent="0" algn="l" defTabSz="914400" rtl="0" eaLnBrk="1" fontAlgn="auto" latinLnBrk="0" hangingPunct="1">
+              <a:lnSpc>
+                <a:spcPct val="100000"/>
+              </a:lnSpc>
+              <a:spcBef>
+                <a:spcPts val="0"/>
+              </a:spcBef>
+              <a:spcAft>
+                <a:spcPts val="0"/>
+              </a:spcAft>
+              <a:buClrTx/>
+              <a:buSzTx/>
+              <a:buFontTx/>
+              <a:buNone/>
+              <a:tabLst/>
+              <a:defRPr/>
+            </a:pPr>
+            <a:r>
+              <a:rPr kumimoji="0" lang="en-US" altLang="zh-CN" sz="3200" b="0" i="0" u="none" strike="noStrike" kern="1200" cap="none" spc="0" normalizeH="0" baseline="0" noProof="0" dirty="0">
+                <a:ln>
+                  <a:noFill/>
+                </a:ln>
+                <a:effectLst/>
+                <a:uLnTx/>
+                <a:uFillTx/>
+                <a:latin typeface="微软雅黑 Light" panose="020B0502040204020203" pitchFamily="34" charset="-122"/>
+                <a:ea typeface="微软雅黑 Light" panose="020B0502040204020203" pitchFamily="34" charset="-122"/>
+                <a:cs typeface="+mn-cs"/>
+              </a:rPr>
+              <a:t>Multimedia Conference Room</a:t>
+            </a:r>
+            <a:endParaRPr kumimoji="0" lang="zh-CN" altLang="en-US" sz="3200" b="0" i="0" u="none" strike="noStrike" kern="1200" cap="none" spc="0" normalizeH="0" baseline="0" noProof="0" dirty="0">
+              <a:ln>
+                <a:noFill/>
+              </a:ln>
+              <a:effectLst/>
+              <a:uLnTx/>
+              <a:uFillTx/>
+              <a:latin typeface="微软雅黑 Light" panose="020B0502040204020203" pitchFamily="34" charset="-122"/>
+              <a:ea typeface="微软雅黑 Light" panose="020B0502040204020203" pitchFamily="34" charset="-122"/>
+              <a:cs typeface="+mn-cs"/>
+            </a:endParaRPr>
+          </a:p>
+        </p:txBody>
+      </p:sp>
+    </p:spTree>
+    <p:extLst>
+      <p:ext uri="{BB962C8B-B14F-4D97-AF65-F5344CB8AC3E}">
+        <p14:creationId xmlns:p14="http://schemas.microsoft.com/office/powerpoint/2010/main" val="677716654"/>
       </p:ext>
     </p:extLst>
   </p:cSld>

--- a/开发相关文档.pptx
+++ b/开发相关文档.pptx
@@ -5,13 +5,12 @@
     <p:sldMasterId id="2147483648" r:id="rId1"/>
   </p:sldMasterIdLst>
   <p:notesMasterIdLst>
-    <p:notesMasterId r:id="rId6"/>
+    <p:notesMasterId r:id="rId5"/>
   </p:notesMasterIdLst>
   <p:sldIdLst>
     <p:sldId id="256" r:id="rId2"/>
     <p:sldId id="257" r:id="rId3"/>
-    <p:sldId id="258" r:id="rId4"/>
-    <p:sldId id="259" r:id="rId5"/>
+    <p:sldId id="259" r:id="rId4"/>
   </p:sldIdLst>
   <p:sldSz cx="12192000" cy="6858000"/>
   <p:notesSz cx="6858000" cy="9144000"/>
@@ -131,7 +130,7 @@
   <pc:docChgLst>
     <pc:chgData name="赵 柘楷" userId="dac37f91-8d7e-4e9e-af67-31d1ff408659" providerId="ADAL" clId="{54D8F212-525F-4A08-AFA3-A94259C05EBD}"/>
     <pc:docChg chg="undo custSel addSld delSld modSld">
-      <pc:chgData name="赵 柘楷" userId="dac37f91-8d7e-4e9e-af67-31d1ff408659" providerId="ADAL" clId="{54D8F212-525F-4A08-AFA3-A94259C05EBD}" dt="2023-05-12T07:36:55.891" v="544" actId="47"/>
+      <pc:chgData name="赵 柘楷" userId="dac37f91-8d7e-4e9e-af67-31d1ff408659" providerId="ADAL" clId="{54D8F212-525F-4A08-AFA3-A94259C05EBD}" dt="2023-05-24T11:31:31.345" v="601" actId="20577"/>
       <pc:docMkLst>
         <pc:docMk/>
       </pc:docMkLst>
@@ -187,8 +186,8 @@
           <pc:sldMk cId="3964414160" sldId="257"/>
         </pc:sldMkLst>
       </pc:sldChg>
-      <pc:sldChg chg="addSp delSp modSp add mod setBg">
-        <pc:chgData name="赵 柘楷" userId="dac37f91-8d7e-4e9e-af67-31d1ff408659" providerId="ADAL" clId="{54D8F212-525F-4A08-AFA3-A94259C05EBD}" dt="2023-05-12T06:40:38.257" v="510"/>
+      <pc:sldChg chg="addSp delSp modSp add del mod setBg">
+        <pc:chgData name="赵 柘楷" userId="dac37f91-8d7e-4e9e-af67-31d1ff408659" providerId="ADAL" clId="{54D8F212-525F-4A08-AFA3-A94259C05EBD}" dt="2023-05-24T11:30:54.885" v="545" actId="47"/>
         <pc:sldMkLst>
           <pc:docMk/>
           <pc:sldMk cId="456294878" sldId="258"/>
@@ -314,13 +313,13 @@
         </pc:sldMkLst>
       </pc:sldChg>
       <pc:sldChg chg="addSp delSp modSp add mod">
-        <pc:chgData name="赵 柘楷" userId="dac37f91-8d7e-4e9e-af67-31d1ff408659" providerId="ADAL" clId="{54D8F212-525F-4A08-AFA3-A94259C05EBD}" dt="2023-05-12T06:46:33.331" v="542" actId="165"/>
+        <pc:chgData name="赵 柘楷" userId="dac37f91-8d7e-4e9e-af67-31d1ff408659" providerId="ADAL" clId="{54D8F212-525F-4A08-AFA3-A94259C05EBD}" dt="2023-05-24T11:31:31.345" v="601" actId="20577"/>
         <pc:sldMkLst>
           <pc:docMk/>
           <pc:sldMk cId="677716654" sldId="259"/>
         </pc:sldMkLst>
         <pc:spChg chg="mod topLvl">
-          <ac:chgData name="赵 柘楷" userId="dac37f91-8d7e-4e9e-af67-31d1ff408659" providerId="ADAL" clId="{54D8F212-525F-4A08-AFA3-A94259C05EBD}" dt="2023-05-12T06:46:21.155" v="540" actId="165"/>
+          <ac:chgData name="赵 柘楷" userId="dac37f91-8d7e-4e9e-af67-31d1ff408659" providerId="ADAL" clId="{54D8F212-525F-4A08-AFA3-A94259C05EBD}" dt="2023-05-24T11:31:21.007" v="589" actId="1037"/>
           <ac:spMkLst>
             <pc:docMk/>
             <pc:sldMk cId="677716654" sldId="259"/>
@@ -328,7 +327,7 @@
           </ac:spMkLst>
         </pc:spChg>
         <pc:spChg chg="mod topLvl">
-          <ac:chgData name="赵 柘楷" userId="dac37f91-8d7e-4e9e-af67-31d1ff408659" providerId="ADAL" clId="{54D8F212-525F-4A08-AFA3-A94259C05EBD}" dt="2023-05-12T06:46:33.331" v="542" actId="165"/>
+          <ac:chgData name="赵 柘楷" userId="dac37f91-8d7e-4e9e-af67-31d1ff408659" providerId="ADAL" clId="{54D8F212-525F-4A08-AFA3-A94259C05EBD}" dt="2023-05-24T11:31:21.007" v="589" actId="1037"/>
           <ac:spMkLst>
             <pc:docMk/>
             <pc:sldMk cId="677716654" sldId="259"/>
@@ -336,7 +335,7 @@
           </ac:spMkLst>
         </pc:spChg>
         <pc:spChg chg="mod topLvl">
-          <ac:chgData name="赵 柘楷" userId="dac37f91-8d7e-4e9e-af67-31d1ff408659" providerId="ADAL" clId="{54D8F212-525F-4A08-AFA3-A94259C05EBD}" dt="2023-05-12T06:46:33.331" v="542" actId="165"/>
+          <ac:chgData name="赵 柘楷" userId="dac37f91-8d7e-4e9e-af67-31d1ff408659" providerId="ADAL" clId="{54D8F212-525F-4A08-AFA3-A94259C05EBD}" dt="2023-05-24T11:31:21.007" v="589" actId="1037"/>
           <ac:spMkLst>
             <pc:docMk/>
             <pc:sldMk cId="677716654" sldId="259"/>
@@ -344,7 +343,7 @@
           </ac:spMkLst>
         </pc:spChg>
         <pc:spChg chg="mod topLvl">
-          <ac:chgData name="赵 柘楷" userId="dac37f91-8d7e-4e9e-af67-31d1ff408659" providerId="ADAL" clId="{54D8F212-525F-4A08-AFA3-A94259C05EBD}" dt="2023-05-12T06:46:33.331" v="542" actId="165"/>
+          <ac:chgData name="赵 柘楷" userId="dac37f91-8d7e-4e9e-af67-31d1ff408659" providerId="ADAL" clId="{54D8F212-525F-4A08-AFA3-A94259C05EBD}" dt="2023-05-24T11:31:31.345" v="601" actId="20577"/>
           <ac:spMkLst>
             <pc:docMk/>
             <pc:sldMk cId="677716654" sldId="259"/>
@@ -352,7 +351,7 @@
           </ac:spMkLst>
         </pc:spChg>
         <pc:spChg chg="mod topLvl">
-          <ac:chgData name="赵 柘楷" userId="dac37f91-8d7e-4e9e-af67-31d1ff408659" providerId="ADAL" clId="{54D8F212-525F-4A08-AFA3-A94259C05EBD}" dt="2023-05-12T06:46:26.540" v="541" actId="165"/>
+          <ac:chgData name="赵 柘楷" userId="dac37f91-8d7e-4e9e-af67-31d1ff408659" providerId="ADAL" clId="{54D8F212-525F-4A08-AFA3-A94259C05EBD}" dt="2023-05-24T11:31:21.007" v="589" actId="1037"/>
           <ac:spMkLst>
             <pc:docMk/>
             <pc:sldMk cId="677716654" sldId="259"/>
@@ -392,7 +391,7 @@
           </ac:picMkLst>
         </pc:picChg>
         <pc:picChg chg="mod topLvl">
-          <ac:chgData name="赵 柘楷" userId="dac37f91-8d7e-4e9e-af67-31d1ff408659" providerId="ADAL" clId="{54D8F212-525F-4A08-AFA3-A94259C05EBD}" dt="2023-05-12T06:46:26.540" v="541" actId="165"/>
+          <ac:chgData name="赵 柘楷" userId="dac37f91-8d7e-4e9e-af67-31d1ff408659" providerId="ADAL" clId="{54D8F212-525F-4A08-AFA3-A94259C05EBD}" dt="2023-05-24T11:31:21.007" v="589" actId="1037"/>
           <ac:picMkLst>
             <pc:docMk/>
             <pc:sldMk cId="677716654" sldId="259"/>
@@ -619,7 +618,7 @@
           <a:p>
             <a:fld id="{86A04BA7-A2BA-48C9-87E4-E55ACB6E1DE8}" type="datetimeFigureOut">
               <a:rPr lang="zh-CN" altLang="en-US" smtClean="0"/>
-              <a:t>2023/5/12</a:t>
+              <a:t>2023/5/24</a:t>
             </a:fld>
             <a:endParaRPr lang="zh-CN" altLang="en-US"/>
           </a:p>
@@ -949,90 +948,6 @@
           <a:bodyPr/>
           <a:lstStyle/>
           <a:p>
-            <a:fld id="{AD92E718-B29D-4989-93CD-6D91416474A6}" type="slidenum">
-              <a:rPr lang="zh-CN" altLang="en-US" smtClean="0"/>
-              <a:t>3</a:t>
-            </a:fld>
-            <a:endParaRPr lang="zh-CN" altLang="en-US"/>
-          </a:p>
-        </p:txBody>
-      </p:sp>
-    </p:spTree>
-    <p:extLst>
-      <p:ext uri="{BB962C8B-B14F-4D97-AF65-F5344CB8AC3E}">
-        <p14:creationId xmlns:p14="http://schemas.microsoft.com/office/powerpoint/2010/main" val="2506769336"/>
-      </p:ext>
-    </p:extLst>
-  </p:cSld>
-  <p:clrMapOvr>
-    <a:masterClrMapping/>
-  </p:clrMapOvr>
-</p:notes>
-</file>
-
-<file path=ppt/notesSlides/notesSlide2.xml><?xml version="1.0" encoding="utf-8"?>
-<p:notes xmlns:a="http://schemas.openxmlformats.org/drawingml/2006/main" xmlns:r="http://schemas.openxmlformats.org/officeDocument/2006/relationships" xmlns:p="http://schemas.openxmlformats.org/presentationml/2006/main">
-  <p:cSld>
-    <p:spTree>
-      <p:nvGrpSpPr>
-        <p:cNvPr id="1" name=""/>
-        <p:cNvGrpSpPr/>
-        <p:nvPr/>
-      </p:nvGrpSpPr>
-      <p:grpSpPr>
-        <a:xfrm>
-          <a:off x="0" y="0"/>
-          <a:ext cx="0" cy="0"/>
-          <a:chOff x="0" y="0"/>
-          <a:chExt cx="0" cy="0"/>
-        </a:xfrm>
-      </p:grpSpPr>
-      <p:sp>
-        <p:nvSpPr>
-          <p:cNvPr id="2" name="幻灯片图像占位符 1"/>
-          <p:cNvSpPr>
-            <a:spLocks noGrp="1" noRot="1" noChangeAspect="1"/>
-          </p:cNvSpPr>
-          <p:nvPr>
-            <p:ph type="sldImg"/>
-          </p:nvPr>
-        </p:nvSpPr>
-        <p:spPr/>
-      </p:sp>
-      <p:sp>
-        <p:nvSpPr>
-          <p:cNvPr id="3" name="备注占位符 2"/>
-          <p:cNvSpPr>
-            <a:spLocks noGrp="1"/>
-          </p:cNvSpPr>
-          <p:nvPr>
-            <p:ph type="body" idx="1"/>
-          </p:nvPr>
-        </p:nvSpPr>
-        <p:spPr/>
-        <p:txBody>
-          <a:bodyPr/>
-          <a:lstStyle/>
-          <a:p>
-            <a:endParaRPr lang="zh-CN" altLang="en-US" dirty="0"/>
-          </a:p>
-        </p:txBody>
-      </p:sp>
-      <p:sp>
-        <p:nvSpPr>
-          <p:cNvPr id="4" name="灯片编号占位符 3"/>
-          <p:cNvSpPr>
-            <a:spLocks noGrp="1"/>
-          </p:cNvSpPr>
-          <p:nvPr>
-            <p:ph type="sldNum" sz="quarter" idx="5"/>
-          </p:nvPr>
-        </p:nvSpPr>
-        <p:spPr/>
-        <p:txBody>
-          <a:bodyPr/>
-          <a:lstStyle/>
-          <a:p>
             <a:pPr marL="0" marR="0" lvl="0" indent="0" algn="r" defTabSz="914400" rtl="0" eaLnBrk="1" fontAlgn="auto" latinLnBrk="0" hangingPunct="1">
               <a:lnSpc>
                 <a:spcPct val="100000"/>
@@ -1082,7 +997,7 @@
                 <a:tabLst/>
                 <a:defRPr/>
               </a:pPr>
-              <a:t>4</a:t>
+              <a:t>3</a:t>
             </a:fld>
             <a:endParaRPr kumimoji="0" lang="zh-CN" altLang="en-US" sz="1200" b="0" i="0" u="none" strike="noStrike" kern="1200" cap="none" spc="0" normalizeH="0" baseline="0" noProof="0">
               <a:ln>
@@ -1261,7 +1176,7 @@
           <a:p>
             <a:fld id="{C0956A83-B036-4B96-AF66-88CDD33BBE5A}" type="datetimeFigureOut">
               <a:rPr lang="zh-CN" altLang="en-US" smtClean="0"/>
-              <a:t>2023/5/12</a:t>
+              <a:t>2023/5/24</a:t>
             </a:fld>
             <a:endParaRPr lang="zh-CN" altLang="en-US"/>
           </a:p>
@@ -1459,7 +1374,7 @@
           <a:p>
             <a:fld id="{C0956A83-B036-4B96-AF66-88CDD33BBE5A}" type="datetimeFigureOut">
               <a:rPr lang="zh-CN" altLang="en-US" smtClean="0"/>
-              <a:t>2023/5/12</a:t>
+              <a:t>2023/5/24</a:t>
             </a:fld>
             <a:endParaRPr lang="zh-CN" altLang="en-US"/>
           </a:p>
@@ -1667,7 +1582,7 @@
           <a:p>
             <a:fld id="{C0956A83-B036-4B96-AF66-88CDD33BBE5A}" type="datetimeFigureOut">
               <a:rPr lang="zh-CN" altLang="en-US" smtClean="0"/>
-              <a:t>2023/5/12</a:t>
+              <a:t>2023/5/24</a:t>
             </a:fld>
             <a:endParaRPr lang="zh-CN" altLang="en-US"/>
           </a:p>
@@ -1865,7 +1780,7 @@
           <a:p>
             <a:fld id="{C0956A83-B036-4B96-AF66-88CDD33BBE5A}" type="datetimeFigureOut">
               <a:rPr lang="zh-CN" altLang="en-US" smtClean="0"/>
-              <a:t>2023/5/12</a:t>
+              <a:t>2023/5/24</a:t>
             </a:fld>
             <a:endParaRPr lang="zh-CN" altLang="en-US"/>
           </a:p>
@@ -2140,7 +2055,7 @@
           <a:p>
             <a:fld id="{C0956A83-B036-4B96-AF66-88CDD33BBE5A}" type="datetimeFigureOut">
               <a:rPr lang="zh-CN" altLang="en-US" smtClean="0"/>
-              <a:t>2023/5/12</a:t>
+              <a:t>2023/5/24</a:t>
             </a:fld>
             <a:endParaRPr lang="zh-CN" altLang="en-US"/>
           </a:p>
@@ -2405,7 +2320,7 @@
           <a:p>
             <a:fld id="{C0956A83-B036-4B96-AF66-88CDD33BBE5A}" type="datetimeFigureOut">
               <a:rPr lang="zh-CN" altLang="en-US" smtClean="0"/>
-              <a:t>2023/5/12</a:t>
+              <a:t>2023/5/24</a:t>
             </a:fld>
             <a:endParaRPr lang="zh-CN" altLang="en-US"/>
           </a:p>
@@ -2817,7 +2732,7 @@
           <a:p>
             <a:fld id="{C0956A83-B036-4B96-AF66-88CDD33BBE5A}" type="datetimeFigureOut">
               <a:rPr lang="zh-CN" altLang="en-US" smtClean="0"/>
-              <a:t>2023/5/12</a:t>
+              <a:t>2023/5/24</a:t>
             </a:fld>
             <a:endParaRPr lang="zh-CN" altLang="en-US"/>
           </a:p>
@@ -2958,7 +2873,7 @@
           <a:p>
             <a:fld id="{C0956A83-B036-4B96-AF66-88CDD33BBE5A}" type="datetimeFigureOut">
               <a:rPr lang="zh-CN" altLang="en-US" smtClean="0"/>
-              <a:t>2023/5/12</a:t>
+              <a:t>2023/5/24</a:t>
             </a:fld>
             <a:endParaRPr lang="zh-CN" altLang="en-US"/>
           </a:p>
@@ -3071,7 +2986,7 @@
           <a:p>
             <a:fld id="{C0956A83-B036-4B96-AF66-88CDD33BBE5A}" type="datetimeFigureOut">
               <a:rPr lang="zh-CN" altLang="en-US" smtClean="0"/>
-              <a:t>2023/5/12</a:t>
+              <a:t>2023/5/24</a:t>
             </a:fld>
             <a:endParaRPr lang="zh-CN" altLang="en-US"/>
           </a:p>
@@ -3382,7 +3297,7 @@
           <a:p>
             <a:fld id="{C0956A83-B036-4B96-AF66-88CDD33BBE5A}" type="datetimeFigureOut">
               <a:rPr lang="zh-CN" altLang="en-US" smtClean="0"/>
-              <a:t>2023/5/12</a:t>
+              <a:t>2023/5/24</a:t>
             </a:fld>
             <a:endParaRPr lang="zh-CN" altLang="en-US"/>
           </a:p>
@@ -3670,7 +3585,7 @@
           <a:p>
             <a:fld id="{C0956A83-B036-4B96-AF66-88CDD33BBE5A}" type="datetimeFigureOut">
               <a:rPr lang="zh-CN" altLang="en-US" smtClean="0"/>
-              <a:t>2023/5/12</a:t>
+              <a:t>2023/5/24</a:t>
             </a:fld>
             <a:endParaRPr lang="zh-CN" altLang="en-US"/>
           </a:p>
@@ -3911,7 +3826,7 @@
           <a:p>
             <a:fld id="{C0956A83-B036-4B96-AF66-88CDD33BBE5A}" type="datetimeFigureOut">
               <a:rPr lang="zh-CN" altLang="en-US" smtClean="0"/>
-              <a:t>2023/5/12</a:t>
+              <a:t>2023/5/24</a:t>
             </a:fld>
             <a:endParaRPr lang="zh-CN" altLang="en-US"/>
           </a:p>
@@ -5141,532 +5056,6 @@
     <p:bg>
       <p:bgPr>
         <a:solidFill>
-          <a:schemeClr val="tx1">
-            <a:lumMod val="65000"/>
-            <a:lumOff val="35000"/>
-          </a:schemeClr>
-        </a:solidFill>
-        <a:effectLst/>
-      </p:bgPr>
-    </p:bg>
-    <p:spTree>
-      <p:nvGrpSpPr>
-        <p:cNvPr id="1" name=""/>
-        <p:cNvGrpSpPr/>
-        <p:nvPr/>
-      </p:nvGrpSpPr>
-      <p:grpSpPr>
-        <a:xfrm>
-          <a:off x="0" y="0"/>
-          <a:ext cx="0" cy="0"/>
-          <a:chOff x="0" y="0"/>
-          <a:chExt cx="0" cy="0"/>
-        </a:xfrm>
-      </p:grpSpPr>
-      <p:grpSp>
-        <p:nvGrpSpPr>
-          <p:cNvPr id="4" name="组合 3">
-            <a:extLst>
-              <a:ext uri="{FF2B5EF4-FFF2-40B4-BE49-F238E27FC236}">
-                <a16:creationId xmlns:a16="http://schemas.microsoft.com/office/drawing/2014/main" id="{B066532D-BECE-0DC9-7BAF-A87DB555866B}"/>
-              </a:ext>
-            </a:extLst>
-          </p:cNvPr>
-          <p:cNvGrpSpPr/>
-          <p:nvPr/>
-        </p:nvGrpSpPr>
-        <p:grpSpPr>
-          <a:xfrm>
-            <a:off x="546435" y="639882"/>
-            <a:ext cx="6566881" cy="3029000"/>
-            <a:chOff x="648034" y="1745673"/>
-            <a:chExt cx="6566881" cy="3029000"/>
-          </a:xfrm>
-        </p:grpSpPr>
-        <p:grpSp>
-          <p:nvGrpSpPr>
-            <p:cNvPr id="14" name="组合 13">
-              <a:extLst>
-                <a:ext uri="{FF2B5EF4-FFF2-40B4-BE49-F238E27FC236}">
-                  <a16:creationId xmlns:a16="http://schemas.microsoft.com/office/drawing/2014/main" id="{CFB24489-5300-69E3-F669-5B9D13DA49E5}"/>
-                </a:ext>
-              </a:extLst>
-            </p:cNvPr>
-            <p:cNvGrpSpPr/>
-            <p:nvPr/>
-          </p:nvGrpSpPr>
-          <p:grpSpPr>
-            <a:xfrm>
-              <a:off x="768508" y="2729873"/>
-              <a:ext cx="6446407" cy="2044800"/>
-              <a:chOff x="1927025" y="911998"/>
-              <a:chExt cx="6941515" cy="2341506"/>
-            </a:xfrm>
-          </p:grpSpPr>
-          <p:pic>
-            <p:nvPicPr>
-              <p:cNvPr id="13" name="图片 12" descr="徽标&#10;&#10;描述已自动生成">
-                <a:extLst>
-                  <a:ext uri="{FF2B5EF4-FFF2-40B4-BE49-F238E27FC236}">
-                    <a16:creationId xmlns:a16="http://schemas.microsoft.com/office/drawing/2014/main" id="{AB553BBC-8AD6-F74D-EC32-30E7D3CAF8CD}"/>
-                  </a:ext>
-                </a:extLst>
-              </p:cNvPr>
-              <p:cNvPicPr>
-                <a:picLocks noChangeAspect="1"/>
-              </p:cNvPicPr>
-              <p:nvPr/>
-            </p:nvPicPr>
-            <p:blipFill>
-              <a:blip r:embed="rId3">
-                <a:extLst>
-                  <a:ext uri="{28A0092B-C50C-407E-A947-70E740481C1C}">
-                    <a14:useLocalDpi xmlns:a14="http://schemas.microsoft.com/office/drawing/2010/main" val="0"/>
-                  </a:ext>
-                </a:extLst>
-              </a:blip>
-              <a:stretch>
-                <a:fillRect/>
-              </a:stretch>
-            </p:blipFill>
-            <p:spPr>
-              <a:xfrm>
-                <a:off x="1927025" y="911998"/>
-                <a:ext cx="2201848" cy="2341506"/>
-              </a:xfrm>
-              <a:prstGeom prst="rect">
-                <a:avLst/>
-              </a:prstGeom>
-              <a:effectLst>
-                <a:outerShdw blurRad="190500" sx="102000" sy="102000" algn="ctr" rotWithShape="0">
-                  <a:prstClr val="black">
-                    <a:alpha val="40000"/>
-                  </a:prstClr>
-                </a:outerShdw>
-              </a:effectLst>
-            </p:spPr>
-          </p:pic>
-          <p:sp>
-            <p:nvSpPr>
-              <p:cNvPr id="8" name="文本框 7">
-                <a:extLst>
-                  <a:ext uri="{FF2B5EF4-FFF2-40B4-BE49-F238E27FC236}">
-                    <a16:creationId xmlns:a16="http://schemas.microsoft.com/office/drawing/2014/main" id="{C04EF757-5938-73F9-6E38-A648015B7730}"/>
-                  </a:ext>
-                </a:extLst>
-              </p:cNvPr>
-              <p:cNvSpPr txBox="1"/>
-              <p:nvPr/>
-            </p:nvSpPr>
-            <p:spPr>
-              <a:xfrm>
-                <a:off x="4506291" y="1078309"/>
-                <a:ext cx="4362249" cy="2008883"/>
-              </a:xfrm>
-              <a:prstGeom prst="rect">
-                <a:avLst/>
-              </a:prstGeom>
-              <a:noFill/>
-            </p:spPr>
-            <p:txBody>
-              <a:bodyPr wrap="none" rtlCol="0">
-                <a:spAutoFit/>
-              </a:bodyPr>
-              <a:lstStyle/>
-              <a:p>
-                <a:pPr marL="0" marR="0" lvl="0" indent="0" algn="l" defTabSz="914400" rtl="0" eaLnBrk="1" fontAlgn="auto" latinLnBrk="0" hangingPunct="1">
-                  <a:lnSpc>
-                    <a:spcPct val="100000"/>
-                  </a:lnSpc>
-                  <a:spcBef>
-                    <a:spcPts val="0"/>
-                  </a:spcBef>
-                  <a:spcAft>
-                    <a:spcPts val="0"/>
-                  </a:spcAft>
-                  <a:buClrTx/>
-                  <a:buSzTx/>
-                  <a:buFontTx/>
-                  <a:buNone/>
-                  <a:tabLst/>
-                  <a:defRPr/>
-                </a:pPr>
-                <a:r>
-                  <a:rPr kumimoji="0" lang="en-US" altLang="zh-CN" sz="5400" b="1" i="0" u="none" strike="noStrike" kern="1200" cap="none" spc="0" normalizeH="0" baseline="0" noProof="0" dirty="0">
-                    <a:ln>
-                      <a:noFill/>
-                    </a:ln>
-                    <a:solidFill>
-                      <a:schemeClr val="bg1"/>
-                    </a:solidFill>
-                    <a:effectLst/>
-                    <a:uLnTx/>
-                    <a:uFillTx/>
-                    <a:latin typeface="微软雅黑 Light" panose="020B0502040204020203" pitchFamily="34" charset="-122"/>
-                    <a:ea typeface="微软雅黑 Light" panose="020B0502040204020203" pitchFamily="34" charset="-122"/>
-                  </a:rPr>
-                  <a:t>Pseudocode</a:t>
-                </a:r>
-              </a:p>
-              <a:p>
-                <a:pPr marL="0" marR="0" lvl="0" indent="0" algn="l" defTabSz="914400" rtl="0" eaLnBrk="1" fontAlgn="auto" latinLnBrk="0" hangingPunct="1">
-                  <a:lnSpc>
-                    <a:spcPct val="100000"/>
-                  </a:lnSpc>
-                  <a:spcBef>
-                    <a:spcPts val="0"/>
-                  </a:spcBef>
-                  <a:spcAft>
-                    <a:spcPts val="0"/>
-                  </a:spcAft>
-                  <a:buClrTx/>
-                  <a:buSzTx/>
-                  <a:buFontTx/>
-                  <a:buNone/>
-                  <a:tabLst/>
-                  <a:defRPr/>
-                </a:pPr>
-                <a:r>
-                  <a:rPr kumimoji="0" lang="en-US" altLang="zh-CN" sz="5400" b="1" i="0" u="none" strike="noStrike" kern="1200" cap="none" spc="0" normalizeH="0" baseline="0" noProof="0" dirty="0">
-                    <a:ln>
-                      <a:noFill/>
-                    </a:ln>
-                    <a:solidFill>
-                      <a:schemeClr val="bg1"/>
-                    </a:solidFill>
-                    <a:effectLst/>
-                    <a:uLnTx/>
-                    <a:uFillTx/>
-                    <a:latin typeface="微软雅黑 Light" panose="020B0502040204020203" pitchFamily="34" charset="-122"/>
-                    <a:ea typeface="微软雅黑 Light" panose="020B0502040204020203" pitchFamily="34" charset="-122"/>
-                  </a:rPr>
-                  <a:t>Interpreter</a:t>
-                </a:r>
-                <a:endParaRPr kumimoji="0" lang="zh-CN" altLang="en-US" sz="5400" b="1" i="0" u="none" strike="noStrike" kern="1200" cap="none" spc="0" normalizeH="0" baseline="0" noProof="0" dirty="0">
-                  <a:ln>
-                    <a:noFill/>
-                  </a:ln>
-                  <a:solidFill>
-                    <a:schemeClr val="bg1"/>
-                  </a:solidFill>
-                  <a:effectLst/>
-                  <a:uLnTx/>
-                  <a:uFillTx/>
-                  <a:latin typeface="微软雅黑 Light" panose="020B0502040204020203" pitchFamily="34" charset="-122"/>
-                  <a:ea typeface="微软雅黑 Light" panose="020B0502040204020203" pitchFamily="34" charset="-122"/>
-                </a:endParaRPr>
-              </a:p>
-            </p:txBody>
-          </p:sp>
-        </p:grpSp>
-        <p:sp>
-          <p:nvSpPr>
-            <p:cNvPr id="2" name="文本框 1">
-              <a:extLst>
-                <a:ext uri="{FF2B5EF4-FFF2-40B4-BE49-F238E27FC236}">
-                  <a16:creationId xmlns:a16="http://schemas.microsoft.com/office/drawing/2014/main" id="{9826F35A-D9CB-7762-8632-DB41DB84C8E3}"/>
-                </a:ext>
-              </a:extLst>
-            </p:cNvPr>
-            <p:cNvSpPr txBox="1"/>
-            <p:nvPr/>
-          </p:nvSpPr>
-          <p:spPr>
-            <a:xfrm>
-              <a:off x="648034" y="1745673"/>
-              <a:ext cx="4475071" cy="584775"/>
-            </a:xfrm>
-            <a:prstGeom prst="rect">
-              <a:avLst/>
-            </a:prstGeom>
-            <a:noFill/>
-          </p:spPr>
-          <p:txBody>
-            <a:bodyPr wrap="none" rtlCol="0">
-              <a:spAutoFit/>
-            </a:bodyPr>
-            <a:lstStyle/>
-            <a:p>
-              <a:r>
-                <a:rPr lang="en-US" altLang="zh-CN" sz="3200" dirty="0">
-                  <a:solidFill>
-                    <a:schemeClr val="bg1"/>
-                  </a:solidFill>
-                  <a:latin typeface="微软雅黑 Light" panose="020B0502040204020203" pitchFamily="34" charset="-122"/>
-                  <a:ea typeface="微软雅黑 Light" panose="020B0502040204020203" pitchFamily="34" charset="-122"/>
-                </a:rPr>
-                <a:t>Release Conference for</a:t>
-              </a:r>
-              <a:endParaRPr lang="zh-CN" altLang="en-US" sz="3200" dirty="0">
-                <a:solidFill>
-                  <a:schemeClr val="bg1"/>
-                </a:solidFill>
-                <a:latin typeface="微软雅黑 Light" panose="020B0502040204020203" pitchFamily="34" charset="-122"/>
-                <a:ea typeface="微软雅黑 Light" panose="020B0502040204020203" pitchFamily="34" charset="-122"/>
-              </a:endParaRPr>
-            </a:p>
-          </p:txBody>
-        </p:sp>
-      </p:grpSp>
-      <p:sp>
-        <p:nvSpPr>
-          <p:cNvPr id="5" name="文本框 4">
-            <a:extLst>
-              <a:ext uri="{FF2B5EF4-FFF2-40B4-BE49-F238E27FC236}">
-                <a16:creationId xmlns:a16="http://schemas.microsoft.com/office/drawing/2014/main" id="{F185A681-09BC-236A-1C54-43A4E142B957}"/>
-              </a:ext>
-            </a:extLst>
-          </p:cNvPr>
-          <p:cNvSpPr txBox="1"/>
-          <p:nvPr/>
-        </p:nvSpPr>
-        <p:spPr>
-          <a:xfrm>
-            <a:off x="546435" y="4068307"/>
-            <a:ext cx="3779564" cy="1077218"/>
-          </a:xfrm>
-          <a:prstGeom prst="rect">
-            <a:avLst/>
-          </a:prstGeom>
-          <a:noFill/>
-        </p:spPr>
-        <p:txBody>
-          <a:bodyPr wrap="square" rtlCol="0">
-            <a:spAutoFit/>
-          </a:bodyPr>
-          <a:lstStyle/>
-          <a:p>
-            <a:r>
-              <a:rPr lang="en-US" altLang="zh-CN" sz="3200" dirty="0">
-                <a:solidFill>
-                  <a:schemeClr val="bg1"/>
-                </a:solidFill>
-                <a:latin typeface="微软雅黑 Light" panose="020B0502040204020203" pitchFamily="34" charset="-122"/>
-                <a:ea typeface="微软雅黑 Light" panose="020B0502040204020203" pitchFamily="34" charset="-122"/>
-              </a:rPr>
-              <a:t>Presenter:</a:t>
-            </a:r>
-          </a:p>
-          <a:p>
-            <a:r>
-              <a:rPr lang="en-US" altLang="zh-CN" sz="3200" dirty="0">
-                <a:solidFill>
-                  <a:schemeClr val="bg1"/>
-                </a:solidFill>
-                <a:latin typeface="微软雅黑 Light" panose="020B0502040204020203" pitchFamily="34" charset="-122"/>
-                <a:ea typeface="微软雅黑 Light" panose="020B0502040204020203" pitchFamily="34" charset="-122"/>
-              </a:rPr>
-              <a:t>A22 Zik</a:t>
-            </a:r>
-            <a:endParaRPr lang="zh-CN" altLang="en-US" sz="3200" dirty="0">
-              <a:solidFill>
-                <a:schemeClr val="bg1"/>
-              </a:solidFill>
-              <a:latin typeface="微软雅黑 Light" panose="020B0502040204020203" pitchFamily="34" charset="-122"/>
-              <a:ea typeface="微软雅黑 Light" panose="020B0502040204020203" pitchFamily="34" charset="-122"/>
-            </a:endParaRPr>
-          </a:p>
-        </p:txBody>
-      </p:sp>
-      <p:sp>
-        <p:nvSpPr>
-          <p:cNvPr id="3" name="文本框 2">
-            <a:extLst>
-              <a:ext uri="{FF2B5EF4-FFF2-40B4-BE49-F238E27FC236}">
-                <a16:creationId xmlns:a16="http://schemas.microsoft.com/office/drawing/2014/main" id="{6C25C554-4D6D-F010-DCEF-DDF6F435F457}"/>
-              </a:ext>
-            </a:extLst>
-          </p:cNvPr>
-          <p:cNvSpPr txBox="1"/>
-          <p:nvPr/>
-        </p:nvSpPr>
-        <p:spPr>
-          <a:xfrm>
-            <a:off x="3146714" y="4068307"/>
-            <a:ext cx="3779564" cy="1077218"/>
-          </a:xfrm>
-          <a:prstGeom prst="rect">
-            <a:avLst/>
-          </a:prstGeom>
-          <a:noFill/>
-        </p:spPr>
-        <p:txBody>
-          <a:bodyPr wrap="square" rtlCol="0">
-            <a:spAutoFit/>
-          </a:bodyPr>
-          <a:lstStyle/>
-          <a:p>
-            <a:r>
-              <a:rPr lang="en-US" altLang="zh-CN" sz="3200" dirty="0">
-                <a:solidFill>
-                  <a:schemeClr val="bg1"/>
-                </a:solidFill>
-                <a:latin typeface="微软雅黑 Light" panose="020B0502040204020203" pitchFamily="34" charset="-122"/>
-                <a:ea typeface="微软雅黑 Light" panose="020B0502040204020203" pitchFamily="34" charset="-122"/>
-              </a:rPr>
-              <a:t>Date:</a:t>
-            </a:r>
-          </a:p>
-          <a:p>
-            <a:r>
-              <a:rPr lang="en-US" altLang="zh-CN" sz="3200" dirty="0">
-                <a:solidFill>
-                  <a:schemeClr val="bg1"/>
-                </a:solidFill>
-                <a:latin typeface="微软雅黑 Light" panose="020B0502040204020203" pitchFamily="34" charset="-122"/>
-                <a:ea typeface="微软雅黑 Light" panose="020B0502040204020203" pitchFamily="34" charset="-122"/>
-              </a:rPr>
-              <a:t>1</a:t>
-            </a:r>
-            <a:r>
-              <a:rPr lang="en-US" altLang="zh-CN" sz="3200" baseline="30000" dirty="0">
-                <a:solidFill>
-                  <a:schemeClr val="bg1"/>
-                </a:solidFill>
-                <a:latin typeface="微软雅黑 Light" panose="020B0502040204020203" pitchFamily="34" charset="-122"/>
-                <a:ea typeface="微软雅黑 Light" panose="020B0502040204020203" pitchFamily="34" charset="-122"/>
-              </a:rPr>
-              <a:t>st</a:t>
-            </a:r>
-            <a:r>
-              <a:rPr lang="en-US" altLang="zh-CN" sz="3200" dirty="0">
-                <a:solidFill>
-                  <a:schemeClr val="bg1"/>
-                </a:solidFill>
-                <a:latin typeface="微软雅黑 Light" panose="020B0502040204020203" pitchFamily="34" charset="-122"/>
-                <a:ea typeface="微软雅黑 Light" panose="020B0502040204020203" pitchFamily="34" charset="-122"/>
-              </a:rPr>
-              <a:t> June (Thursday)</a:t>
-            </a:r>
-          </a:p>
-        </p:txBody>
-      </p:sp>
-      <p:sp>
-        <p:nvSpPr>
-          <p:cNvPr id="6" name="文本框 5">
-            <a:extLst>
-              <a:ext uri="{FF2B5EF4-FFF2-40B4-BE49-F238E27FC236}">
-                <a16:creationId xmlns:a16="http://schemas.microsoft.com/office/drawing/2014/main" id="{B398F254-4BC2-81CE-647C-3CDF20396586}"/>
-              </a:ext>
-            </a:extLst>
-          </p:cNvPr>
-          <p:cNvSpPr txBox="1"/>
-          <p:nvPr/>
-        </p:nvSpPr>
-        <p:spPr>
-          <a:xfrm>
-            <a:off x="546435" y="5296815"/>
-            <a:ext cx="5892690" cy="1077218"/>
-          </a:xfrm>
-          <a:prstGeom prst="rect">
-            <a:avLst/>
-          </a:prstGeom>
-          <a:noFill/>
-        </p:spPr>
-        <p:txBody>
-          <a:bodyPr wrap="square" rtlCol="0">
-            <a:spAutoFit/>
-          </a:bodyPr>
-          <a:lstStyle/>
-          <a:p>
-            <a:r>
-              <a:rPr lang="en-US" altLang="zh-CN" sz="3200" dirty="0">
-                <a:solidFill>
-                  <a:schemeClr val="bg1"/>
-                </a:solidFill>
-                <a:latin typeface="微软雅黑 Light" panose="020B0502040204020203" pitchFamily="34" charset="-122"/>
-                <a:ea typeface="微软雅黑 Light" panose="020B0502040204020203" pitchFamily="34" charset="-122"/>
-              </a:rPr>
-              <a:t>Location:</a:t>
-            </a:r>
-          </a:p>
-          <a:p>
-            <a:r>
-              <a:rPr lang="en-US" altLang="zh-CN" sz="3200" dirty="0">
-                <a:solidFill>
-                  <a:schemeClr val="bg1"/>
-                </a:solidFill>
-                <a:latin typeface="微软雅黑 Light" panose="020B0502040204020203" pitchFamily="34" charset="-122"/>
-                <a:ea typeface="微软雅黑 Light" panose="020B0502040204020203" pitchFamily="34" charset="-122"/>
-              </a:rPr>
-              <a:t>Multimedia Conference Room</a:t>
-            </a:r>
-            <a:endParaRPr lang="zh-CN" altLang="en-US" sz="3200" dirty="0">
-              <a:solidFill>
-                <a:schemeClr val="bg1"/>
-              </a:solidFill>
-              <a:latin typeface="微软雅黑 Light" panose="020B0502040204020203" pitchFamily="34" charset="-122"/>
-              <a:ea typeface="微软雅黑 Light" panose="020B0502040204020203" pitchFamily="34" charset="-122"/>
-            </a:endParaRPr>
-          </a:p>
-        </p:txBody>
-      </p:sp>
-      <p:pic>
-        <p:nvPicPr>
-          <p:cNvPr id="9" name="图片 8" descr="穿着白色衣服的男人&#10;&#10;描述已自动生成">
-            <a:extLst>
-              <a:ext uri="{FF2B5EF4-FFF2-40B4-BE49-F238E27FC236}">
-                <a16:creationId xmlns:a16="http://schemas.microsoft.com/office/drawing/2014/main" id="{304555BE-D193-2FE1-7F61-90715DCD2309}"/>
-              </a:ext>
-            </a:extLst>
-          </p:cNvPr>
-          <p:cNvPicPr>
-            <a:picLocks noChangeAspect="1"/>
-          </p:cNvPicPr>
-          <p:nvPr/>
-        </p:nvPicPr>
-        <p:blipFill>
-          <a:blip r:embed="rId4">
-            <a:alphaModFix/>
-            <a:extLst>
-              <a:ext uri="{BEBA8EAE-BF5A-486C-A8C5-ECC9F3942E4B}">
-                <a14:imgProps xmlns:a14="http://schemas.microsoft.com/office/drawing/2010/main">
-                  <a14:imgLayer r:embed="rId5">
-                    <a14:imgEffect>
-                      <a14:backgroundRemoval t="10000" b="90000" l="10000" r="90000"/>
-                    </a14:imgEffect>
-                  </a14:imgLayer>
-                </a14:imgProps>
-              </a:ext>
-              <a:ext uri="{28A0092B-C50C-407E-A947-70E740481C1C}">
-                <a14:useLocalDpi xmlns:a14="http://schemas.microsoft.com/office/drawing/2010/main" val="0"/>
-              </a:ext>
-            </a:extLst>
-          </a:blip>
-          <a:stretch>
-            <a:fillRect/>
-          </a:stretch>
-        </p:blipFill>
-        <p:spPr>
-          <a:xfrm>
-            <a:off x="7018027" y="-802791"/>
-            <a:ext cx="6366933" cy="9549519"/>
-          </a:xfrm>
-          <a:prstGeom prst="rect">
-            <a:avLst/>
-          </a:prstGeom>
-          <a:effectLst/>
-        </p:spPr>
-      </p:pic>
-    </p:spTree>
-    <p:extLst>
-      <p:ext uri="{BB962C8B-B14F-4D97-AF65-F5344CB8AC3E}">
-        <p14:creationId xmlns:p14="http://schemas.microsoft.com/office/powerpoint/2010/main" val="456294878"/>
-      </p:ext>
-    </p:extLst>
-  </p:cSld>
-  <p:clrMapOvr>
-    <a:masterClrMapping/>
-  </p:clrMapOvr>
-</p:sld>
-</file>
-
-<file path=ppt/slides/slide4.xml><?xml version="1.0" encoding="utf-8"?>
-<p:sld xmlns:a="http://schemas.openxmlformats.org/drawingml/2006/main" xmlns:r="http://schemas.openxmlformats.org/officeDocument/2006/relationships" xmlns:p="http://schemas.openxmlformats.org/presentationml/2006/main">
-  <p:cSld>
-    <p:bg>
-      <p:bgPr>
-        <a:solidFill>
           <a:srgbClr val="E7E6E6"/>
         </a:solidFill>
         <a:effectLst/>
@@ -5714,7 +5103,7 @@
         </p:blipFill>
         <p:spPr>
           <a:xfrm>
-            <a:off x="851637" y="2898700"/>
+            <a:off x="722333" y="2898700"/>
             <a:ext cx="2044800" cy="2044800"/>
           </a:xfrm>
           <a:prstGeom prst="rect">
@@ -5743,7 +5132,7 @@
         </p:nvSpPr>
         <p:spPr>
           <a:xfrm>
-            <a:off x="3246935" y="3043937"/>
+            <a:off x="3117631" y="3043937"/>
             <a:ext cx="4051109" cy="1754326"/>
           </a:xfrm>
           <a:prstGeom prst="rect">
@@ -5869,7 +5258,7 @@
         </p:nvSpPr>
         <p:spPr>
           <a:xfrm>
-            <a:off x="731163" y="1914500"/>
+            <a:off x="601859" y="1914500"/>
             <a:ext cx="4475071" cy="584775"/>
           </a:xfrm>
           <a:prstGeom prst="rect">
@@ -5942,7 +5331,7 @@
         </p:nvSpPr>
         <p:spPr>
           <a:xfrm>
-            <a:off x="7804643" y="1032589"/>
+            <a:off x="7675339" y="1032589"/>
             <a:ext cx="3779564" cy="1077218"/>
           </a:xfrm>
           <a:prstGeom prst="rect">
@@ -6048,8 +5437,8 @@
         </p:nvSpPr>
         <p:spPr>
           <a:xfrm>
-            <a:off x="7804643" y="2642594"/>
-            <a:ext cx="3779564" cy="1077218"/>
+            <a:off x="7675338" y="2642594"/>
+            <a:ext cx="4165685" cy="1077218"/>
           </a:xfrm>
           <a:prstGeom prst="rect">
             <a:avLst/>
@@ -6124,7 +5513,7 @@
                 <a:ea typeface="微软雅黑 Light" panose="020B0502040204020203" pitchFamily="34" charset="-122"/>
                 <a:cs typeface="+mn-cs"/>
               </a:rPr>
-              <a:t>1</a:t>
+              <a:t>14</a:t>
             </a:r>
             <a:r>
               <a:rPr kumimoji="0" lang="en-US" altLang="zh-CN" sz="3200" b="0" i="0" u="none" strike="noStrike" kern="1200" cap="none" spc="0" normalizeH="0" baseline="30000" noProof="0" dirty="0">
@@ -6138,7 +5527,7 @@
                 <a:ea typeface="微软雅黑 Light" panose="020B0502040204020203" pitchFamily="34" charset="-122"/>
                 <a:cs typeface="+mn-cs"/>
               </a:rPr>
-              <a:t>st</a:t>
+              <a:t>th</a:t>
             </a:r>
             <a:r>
               <a:rPr kumimoji="0" lang="en-US" altLang="zh-CN" sz="3200" b="0" i="0" u="none" strike="noStrike" kern="1200" cap="none" spc="0" normalizeH="0" baseline="0" noProof="0" dirty="0">
@@ -6152,7 +5541,7 @@
                 <a:ea typeface="微软雅黑 Light" panose="020B0502040204020203" pitchFamily="34" charset="-122"/>
                 <a:cs typeface="+mn-cs"/>
               </a:rPr>
-              <a:t> June (Thursday)</a:t>
+              <a:t> June (Wednesday)</a:t>
             </a:r>
           </a:p>
         </p:txBody>
@@ -6171,7 +5560,7 @@
         </p:nvSpPr>
         <p:spPr>
           <a:xfrm>
-            <a:off x="7804643" y="4252599"/>
+            <a:off x="7675339" y="4252599"/>
             <a:ext cx="4305416" cy="1569660"/>
           </a:xfrm>
           <a:prstGeom prst="rect">
@@ -6247,7 +5636,14 @@
                 <a:ea typeface="微软雅黑 Light" panose="020B0502040204020203" pitchFamily="34" charset="-122"/>
                 <a:cs typeface="+mn-cs"/>
               </a:rPr>
-              <a:t>Multimedia Conference Room</a:t>
+              <a:t>Multimedia Conference </a:t>
+            </a:r>
+            <a:r>
+              <a:rPr lang="en-US" altLang="zh-CN" sz="3200">
+                <a:latin typeface="微软雅黑 Light" panose="020B0502040204020203" pitchFamily="34" charset="-122"/>
+                <a:ea typeface="微软雅黑 Light" panose="020B0502040204020203" pitchFamily="34" charset="-122"/>
+              </a:rPr>
+              <a:t>Hall</a:t>
             </a:r>
             <a:endParaRPr kumimoji="0" lang="zh-CN" altLang="en-US" sz="3200" b="0" i="0" u="none" strike="noStrike" kern="1200" cap="none" spc="0" normalizeH="0" baseline="0" noProof="0" dirty="0">
               <a:ln>

--- a/开发相关文档.pptx
+++ b/开发相关文档.pptx
@@ -130,16 +130,24 @@
   <pc:docChgLst>
     <pc:chgData name="赵 柘楷" userId="dac37f91-8d7e-4e9e-af67-31d1ff408659" providerId="ADAL" clId="{54D8F212-525F-4A08-AFA3-A94259C05EBD}"/>
     <pc:docChg chg="undo custSel addSld delSld modSld">
-      <pc:chgData name="赵 柘楷" userId="dac37f91-8d7e-4e9e-af67-31d1ff408659" providerId="ADAL" clId="{54D8F212-525F-4A08-AFA3-A94259C05EBD}" dt="2023-05-24T11:31:31.345" v="601" actId="20577"/>
+      <pc:chgData name="赵 柘楷" userId="dac37f91-8d7e-4e9e-af67-31d1ff408659" providerId="ADAL" clId="{54D8F212-525F-4A08-AFA3-A94259C05EBD}" dt="2023-06-07T00:45:06.079" v="603" actId="478"/>
       <pc:docMkLst>
         <pc:docMk/>
       </pc:docMkLst>
-      <pc:sldChg chg="addSp delSp">
-        <pc:chgData name="赵 柘楷" userId="dac37f91-8d7e-4e9e-af67-31d1ff408659" providerId="ADAL" clId="{54D8F212-525F-4A08-AFA3-A94259C05EBD}" dt="2023-04-29T14:50:01.923" v="3"/>
+      <pc:sldChg chg="addSp delSp modSp mod">
+        <pc:chgData name="赵 柘楷" userId="dac37f91-8d7e-4e9e-af67-31d1ff408659" providerId="ADAL" clId="{54D8F212-525F-4A08-AFA3-A94259C05EBD}" dt="2023-06-07T00:45:06.079" v="603" actId="478"/>
         <pc:sldMkLst>
           <pc:docMk/>
           <pc:sldMk cId="2948107791" sldId="256"/>
         </pc:sldMkLst>
+        <pc:picChg chg="add del mod">
+          <ac:chgData name="赵 柘楷" userId="dac37f91-8d7e-4e9e-af67-31d1ff408659" providerId="ADAL" clId="{54D8F212-525F-4A08-AFA3-A94259C05EBD}" dt="2023-06-07T00:45:06.079" v="603" actId="478"/>
+          <ac:picMkLst>
+            <pc:docMk/>
+            <pc:sldMk cId="2948107791" sldId="256"/>
+            <ac:picMk id="2" creationId="{C3892E9E-6497-AAF0-DAA0-E094CE317C05}"/>
+          </ac:picMkLst>
+        </pc:picChg>
         <pc:picChg chg="add del">
           <ac:chgData name="赵 柘楷" userId="dac37f91-8d7e-4e9e-af67-31d1ff408659" providerId="ADAL" clId="{54D8F212-525F-4A08-AFA3-A94259C05EBD}" dt="2023-04-29T14:50:01.923" v="3"/>
           <ac:picMkLst>
@@ -618,7 +626,7 @@
           <a:p>
             <a:fld id="{86A04BA7-A2BA-48C9-87E4-E55ACB6E1DE8}" type="datetimeFigureOut">
               <a:rPr lang="zh-CN" altLang="en-US" smtClean="0"/>
-              <a:t>2023/5/24</a:t>
+              <a:t>2023/6/7</a:t>
             </a:fld>
             <a:endParaRPr lang="zh-CN" altLang="en-US"/>
           </a:p>
@@ -1176,7 +1184,7 @@
           <a:p>
             <a:fld id="{C0956A83-B036-4B96-AF66-88CDD33BBE5A}" type="datetimeFigureOut">
               <a:rPr lang="zh-CN" altLang="en-US" smtClean="0"/>
-              <a:t>2023/5/24</a:t>
+              <a:t>2023/6/7</a:t>
             </a:fld>
             <a:endParaRPr lang="zh-CN" altLang="en-US"/>
           </a:p>
@@ -1374,7 +1382,7 @@
           <a:p>
             <a:fld id="{C0956A83-B036-4B96-AF66-88CDD33BBE5A}" type="datetimeFigureOut">
               <a:rPr lang="zh-CN" altLang="en-US" smtClean="0"/>
-              <a:t>2023/5/24</a:t>
+              <a:t>2023/6/7</a:t>
             </a:fld>
             <a:endParaRPr lang="zh-CN" altLang="en-US"/>
           </a:p>
@@ -1582,7 +1590,7 @@
           <a:p>
             <a:fld id="{C0956A83-B036-4B96-AF66-88CDD33BBE5A}" type="datetimeFigureOut">
               <a:rPr lang="zh-CN" altLang="en-US" smtClean="0"/>
-              <a:t>2023/5/24</a:t>
+              <a:t>2023/6/7</a:t>
             </a:fld>
             <a:endParaRPr lang="zh-CN" altLang="en-US"/>
           </a:p>
@@ -1780,7 +1788,7 @@
           <a:p>
             <a:fld id="{C0956A83-B036-4B96-AF66-88CDD33BBE5A}" type="datetimeFigureOut">
               <a:rPr lang="zh-CN" altLang="en-US" smtClean="0"/>
-              <a:t>2023/5/24</a:t>
+              <a:t>2023/6/7</a:t>
             </a:fld>
             <a:endParaRPr lang="zh-CN" altLang="en-US"/>
           </a:p>
@@ -2055,7 +2063,7 @@
           <a:p>
             <a:fld id="{C0956A83-B036-4B96-AF66-88CDD33BBE5A}" type="datetimeFigureOut">
               <a:rPr lang="zh-CN" altLang="en-US" smtClean="0"/>
-              <a:t>2023/5/24</a:t>
+              <a:t>2023/6/7</a:t>
             </a:fld>
             <a:endParaRPr lang="zh-CN" altLang="en-US"/>
           </a:p>
@@ -2320,7 +2328,7 @@
           <a:p>
             <a:fld id="{C0956A83-B036-4B96-AF66-88CDD33BBE5A}" type="datetimeFigureOut">
               <a:rPr lang="zh-CN" altLang="en-US" smtClean="0"/>
-              <a:t>2023/5/24</a:t>
+              <a:t>2023/6/7</a:t>
             </a:fld>
             <a:endParaRPr lang="zh-CN" altLang="en-US"/>
           </a:p>
@@ -2732,7 +2740,7 @@
           <a:p>
             <a:fld id="{C0956A83-B036-4B96-AF66-88CDD33BBE5A}" type="datetimeFigureOut">
               <a:rPr lang="zh-CN" altLang="en-US" smtClean="0"/>
-              <a:t>2023/5/24</a:t>
+              <a:t>2023/6/7</a:t>
             </a:fld>
             <a:endParaRPr lang="zh-CN" altLang="en-US"/>
           </a:p>
@@ -2873,7 +2881,7 @@
           <a:p>
             <a:fld id="{C0956A83-B036-4B96-AF66-88CDD33BBE5A}" type="datetimeFigureOut">
               <a:rPr lang="zh-CN" altLang="en-US" smtClean="0"/>
-              <a:t>2023/5/24</a:t>
+              <a:t>2023/6/7</a:t>
             </a:fld>
             <a:endParaRPr lang="zh-CN" altLang="en-US"/>
           </a:p>
@@ -2986,7 +2994,7 @@
           <a:p>
             <a:fld id="{C0956A83-B036-4B96-AF66-88CDD33BBE5A}" type="datetimeFigureOut">
               <a:rPr lang="zh-CN" altLang="en-US" smtClean="0"/>
-              <a:t>2023/5/24</a:t>
+              <a:t>2023/6/7</a:t>
             </a:fld>
             <a:endParaRPr lang="zh-CN" altLang="en-US"/>
           </a:p>
@@ -3297,7 +3305,7 @@
           <a:p>
             <a:fld id="{C0956A83-B036-4B96-AF66-88CDD33BBE5A}" type="datetimeFigureOut">
               <a:rPr lang="zh-CN" altLang="en-US" smtClean="0"/>
-              <a:t>2023/5/24</a:t>
+              <a:t>2023/6/7</a:t>
             </a:fld>
             <a:endParaRPr lang="zh-CN" altLang="en-US"/>
           </a:p>
@@ -3585,7 +3593,7 @@
           <a:p>
             <a:fld id="{C0956A83-B036-4B96-AF66-88CDD33BBE5A}" type="datetimeFigureOut">
               <a:rPr lang="zh-CN" altLang="en-US" smtClean="0"/>
-              <a:t>2023/5/24</a:t>
+              <a:t>2023/6/7</a:t>
             </a:fld>
             <a:endParaRPr lang="zh-CN" altLang="en-US"/>
           </a:p>
@@ -3826,7 +3834,7 @@
           <a:p>
             <a:fld id="{C0956A83-B036-4B96-AF66-88CDD33BBE5A}" type="datetimeFigureOut">
               <a:rPr lang="zh-CN" altLang="en-US" smtClean="0"/>
-              <a:t>2023/5/24</a:t>
+              <a:t>2023/6/7</a:t>
             </a:fld>
             <a:endParaRPr lang="zh-CN" altLang="en-US"/>
           </a:p>
